--- a/SQL_Masterclass_UoAIBSS.pptx
+++ b/SQL_Masterclass_UoAIBSS.pptx
@@ -48,6 +48,7 @@
     <p:sldId id="293" r:id="rId45"/>
     <p:sldId id="294" r:id="rId46"/>
     <p:sldId id="295" r:id="rId47"/>
+    <p:sldId id="296" r:id="rId48"/>
   </p:sldIdLst>
   <p:sldSz cx="13004800" cy="9753600"/>
   <p:notesSz cx="6858000" cy="9144000"/>
@@ -3798,8 +3799,8 @@
           <p:nvPr/>
         </p:nvGraphicFramePr>
         <p:xfrm>
-          <a:off x="4000499" y="2774950"/>
-          <a:ext cx="5016501" cy="5715000"/>
+          <a:off x="4000500" y="2774950"/>
+          <a:ext cx="5016500" cy="5715000"/>
         </p:xfrm>
         <a:graphic xmlns:a="http://schemas.openxmlformats.org/drawingml/2006/main">
           <a:graphicData uri="http://schemas.openxmlformats.org/drawingml/2006/table">
@@ -5714,8 +5715,8 @@
         </p:blipFill>
         <p:spPr>
           <a:xfrm>
-            <a:off x="6844666" y="1843791"/>
-            <a:ext cx="5436868" cy="7073048"/>
+            <a:off x="6844665" y="1843791"/>
+            <a:ext cx="5436869" cy="7073048"/>
           </a:xfrm>
           <a:prstGeom prst="rect">
             <a:avLst/>
@@ -6156,8 +6157,8 @@
         </p:blipFill>
         <p:spPr>
           <a:xfrm>
-            <a:off x="5535429" y="5738101"/>
-            <a:ext cx="2870880" cy="2870879"/>
+            <a:off x="5535429" y="5738100"/>
+            <a:ext cx="2870880" cy="2870880"/>
           </a:xfrm>
           <a:prstGeom prst="rect">
             <a:avLst/>
@@ -10190,7 +10191,7 @@
       </p:grpSpPr>
       <p:sp>
         <p:nvSpPr>
-          <p:cNvPr id="284" name="Got Questions?"/>
+          <p:cNvPr id="284" name="Github Repository"/>
           <p:cNvSpPr txBox="1"/>
           <p:nvPr>
             <p:ph type="title"/>
@@ -10207,70 +10208,14 @@
           <a:p>
             <a:pPr/>
             <a:r>
-              <a:t>Got Questions?</a:t>
-            </a:r>
-          </a:p>
-        </p:txBody>
-      </p:sp>
-      <p:sp>
-        <p:nvSpPr>
-          <p:cNvPr id="285" name="Ask here or Reach out…"/>
-          <p:cNvSpPr txBox="1"/>
-          <p:nvPr>
-            <p:ph type="body" sz="quarter" idx="1"/>
-          </p:nvPr>
-        </p:nvSpPr>
-        <p:spPr>
-          <a:prstGeom prst="rect">
-            <a:avLst/>
-          </a:prstGeom>
-        </p:spPr>
-        <p:txBody>
-          <a:bodyPr/>
-          <a:lstStyle/>
-          <a:p>
-            <a:pPr/>
-            <a:r>
-              <a:t>Ask here or Reach out</a:t>
-            </a:r>
-          </a:p>
-          <a:p>
-            <a:pPr algn="l">
-              <a:defRPr b="1" i="0" sz="3100"/>
-            </a:pPr>
-            <a:r>
-              <a:t>Website: manvimadan.com</a:t>
-            </a:r>
-          </a:p>
-          <a:p>
-            <a:pPr algn="l">
-              <a:defRPr b="1" i="0" sz="3100"/>
-            </a:pPr>
-            <a:r>
-              <a:t>LinkedIn: </a:t>
-            </a:r>
-          </a:p>
-          <a:p>
-            <a:pPr algn="l">
-              <a:defRPr b="1" i="0" sz="3100"/>
-            </a:pPr>
-            <a:r>
-              <a:t>Twitter: </a:t>
-            </a:r>
-          </a:p>
-          <a:p>
-            <a:pPr algn="l">
-              <a:defRPr b="1" i="0" sz="3100"/>
-            </a:pPr>
-            <a:r>
-              <a:t>IG:</a:t>
-            </a:r>
-          </a:p>
-        </p:txBody>
-      </p:sp>
-      <p:sp>
-        <p:nvSpPr>
-          <p:cNvPr id="286" name="Slide Number"/>
+              <a:t>Github Repository</a:t>
+            </a:r>
+          </a:p>
+        </p:txBody>
+      </p:sp>
+      <p:sp>
+        <p:nvSpPr>
+          <p:cNvPr id="285" name="Slide Number"/>
           <p:cNvSpPr txBox="1"/>
           <p:nvPr>
             <p:ph type="sldNum" sz="quarter" idx="2"/>
@@ -10297,7 +10242,7 @@
       </p:sp>
       <p:pic>
         <p:nvPicPr>
-          <p:cNvPr id="287" name="question_mark_PNG6.png" descr="question_mark_PNG6.png"/>
+          <p:cNvPr id="286" name="Screen Shot 2021-04-06 at 9.26.57 PM.png" descr="Screen Shot 2021-04-06 at 9.26.57 PM.png"/>
           <p:cNvPicPr>
             <a:picLocks noChangeAspect="1"/>
           </p:cNvPicPr>
@@ -10313,8 +10258,170 @@
         </p:blipFill>
         <p:spPr>
           <a:xfrm>
+            <a:off x="6015925" y="1450098"/>
+            <a:ext cx="6477001" cy="6263473"/>
+          </a:xfrm>
+          <a:prstGeom prst="rect">
+            <a:avLst/>
+          </a:prstGeom>
+          <a:ln w="12700">
+            <a:miter lim="400000"/>
+          </a:ln>
+        </p:spPr>
+      </p:pic>
+    </p:spTree>
+  </p:cSld>
+  <p:clrMapOvr>
+    <a:masterClrMapping/>
+  </p:clrMapOvr>
+  <p:transition xmlns:p14="http://schemas.microsoft.com/office/powerpoint/2010/main" spd="med" advClick="1"/>
+</p:sld>
+</file>
+
+<file path=ppt/slides/slide41.xml><?xml version="1.0" encoding="utf-8"?>
+<p:sld xmlns:a="http://schemas.openxmlformats.org/drawingml/2006/main" xmlns:r="http://schemas.openxmlformats.org/officeDocument/2006/relationships" xmlns:p="http://schemas.openxmlformats.org/presentationml/2006/main" xmlns:m="http://schemas.openxmlformats.org/officeDocument/2006/math" xmlns:a14="http://schemas.microsoft.com/office/drawing/2010/main" showMasterSp="1" showMasterPhAnim="1">
+  <p:cSld>
+    <p:spTree>
+      <p:nvGrpSpPr>
+        <p:cNvPr id="1" name=""/>
+        <p:cNvGrpSpPr/>
+        <p:nvPr/>
+      </p:nvGrpSpPr>
+      <p:grpSpPr>
+        <a:xfrm>
+          <a:off x="0" y="0"/>
+          <a:ext cx="0" cy="0"/>
+          <a:chOff x="0" y="0"/>
+          <a:chExt cx="0" cy="0"/>
+        </a:xfrm>
+      </p:grpSpPr>
+      <p:sp>
+        <p:nvSpPr>
+          <p:cNvPr id="288" name="Got Questions?"/>
+          <p:cNvSpPr txBox="1"/>
+          <p:nvPr>
+            <p:ph type="title"/>
+          </p:nvPr>
+        </p:nvSpPr>
+        <p:spPr>
+          <a:prstGeom prst="rect">
+            <a:avLst/>
+          </a:prstGeom>
+        </p:spPr>
+        <p:txBody>
+          <a:bodyPr/>
+          <a:lstStyle/>
+          <a:p>
+            <a:pPr/>
+            <a:r>
+              <a:t>Got Questions?</a:t>
+            </a:r>
+          </a:p>
+        </p:txBody>
+      </p:sp>
+      <p:sp>
+        <p:nvSpPr>
+          <p:cNvPr id="289" name="Ask here or Reach out…"/>
+          <p:cNvSpPr txBox="1"/>
+          <p:nvPr>
+            <p:ph type="body" sz="quarter" idx="1"/>
+          </p:nvPr>
+        </p:nvSpPr>
+        <p:spPr>
+          <a:prstGeom prst="rect">
+            <a:avLst/>
+          </a:prstGeom>
+        </p:spPr>
+        <p:txBody>
+          <a:bodyPr/>
+          <a:lstStyle/>
+          <a:p>
+            <a:pPr/>
+            <a:r>
+              <a:t>Ask here or Reach out</a:t>
+            </a:r>
+          </a:p>
+          <a:p>
+            <a:pPr algn="l">
+              <a:defRPr b="1" i="0" sz="3100"/>
+            </a:pPr>
+            <a:r>
+              <a:t>Website: manvimadan.com</a:t>
+            </a:r>
+          </a:p>
+          <a:p>
+            <a:pPr algn="l">
+              <a:defRPr b="1" i="0" sz="3100"/>
+            </a:pPr>
+            <a:r>
+              <a:t>LinkedIn: </a:t>
+            </a:r>
+          </a:p>
+          <a:p>
+            <a:pPr algn="l">
+              <a:defRPr b="1" i="0" sz="3100"/>
+            </a:pPr>
+            <a:r>
+              <a:t>Twitter: </a:t>
+            </a:r>
+          </a:p>
+          <a:p>
+            <a:pPr algn="l">
+              <a:defRPr b="1" i="0" sz="3100"/>
+            </a:pPr>
+            <a:r>
+              <a:t>IG:</a:t>
+            </a:r>
+          </a:p>
+        </p:txBody>
+      </p:sp>
+      <p:sp>
+        <p:nvSpPr>
+          <p:cNvPr id="290" name="Slide Number"/>
+          <p:cNvSpPr txBox="1"/>
+          <p:nvPr>
+            <p:ph type="sldNum" sz="quarter" idx="2"/>
+          </p:nvPr>
+        </p:nvSpPr>
+        <p:spPr>
+          <a:prstGeom prst="rect">
+            <a:avLst/>
+          </a:prstGeom>
+          <a:extLst>
+            <a:ext uri="{C572A759-6A51-4108-AA02-DFA0A04FC94B}">
+              <ma14:wrappingTextBoxFlag xmlns:ma14="http://schemas.microsoft.com/office/mac/drawingml/2011/main" val="1"/>
+            </a:ext>
+          </a:extLst>
+        </p:spPr>
+        <p:txBody>
+          <a:bodyPr/>
+          <a:lstStyle/>
+          <a:p>
+            <a:pPr/>
+            <a:fld id="{86CB4B4D-7CA3-9044-876B-883B54F8677D}" type="slidenum"/>
+          </a:p>
+        </p:txBody>
+      </p:sp>
+      <p:pic>
+        <p:nvPicPr>
+          <p:cNvPr id="291" name="question_mark_PNG6.png" descr="question_mark_PNG6.png"/>
+          <p:cNvPicPr>
+            <a:picLocks noChangeAspect="1"/>
+          </p:cNvPicPr>
+          <p:nvPr/>
+        </p:nvPicPr>
+        <p:blipFill>
+          <a:blip r:embed="rId2">
+            <a:extLst/>
+          </a:blip>
+          <a:stretch>
+            <a:fillRect/>
+          </a:stretch>
+        </p:blipFill>
+        <p:spPr>
+          <a:xfrm>
             <a:off x="6898219" y="236051"/>
-            <a:ext cx="6224275" cy="9753601"/>
+            <a:ext cx="6224274" cy="9753601"/>
           </a:xfrm>
           <a:prstGeom prst="rect">
             <a:avLst/>
@@ -10370,7 +10477,7 @@
         </p:blipFill>
         <p:spPr>
           <a:xfrm>
-            <a:off x="6794677" y="1561861"/>
+            <a:off x="6794676" y="1561861"/>
             <a:ext cx="5231816" cy="6629878"/>
           </a:xfrm>
           <a:prstGeom prst="rect">
@@ -11197,7 +11304,7 @@
         </p:nvSpPr>
         <p:spPr>
           <a:xfrm>
-            <a:off x="963883" y="8169853"/>
+            <a:off x="963883" y="8169854"/>
             <a:ext cx="11480801" cy="355601"/>
           </a:xfrm>
           <a:prstGeom prst="rect">

--- a/SQL_Masterclass_UoAIBSS.pptx
+++ b/SQL_Masterclass_UoAIBSS.pptx
@@ -49,6 +49,7 @@
     <p:sldId id="294" r:id="rId46"/>
     <p:sldId id="295" r:id="rId47"/>
     <p:sldId id="296" r:id="rId48"/>
+    <p:sldId id="297" r:id="rId49"/>
   </p:sldIdLst>
   <p:sldSz cx="13004800" cy="9753600"/>
   <p:notesSz cx="6858000" cy="9144000"/>
@@ -103,9 +104,9 @@
         </a:solidFill>
         <a:effectLst/>
         <a:uFillTx/>
-        <a:latin typeface="+mn-lt"/>
-        <a:ea typeface="+mn-ea"/>
-        <a:cs typeface="+mn-cs"/>
+        <a:latin typeface="Baskerville"/>
+        <a:ea typeface="Baskerville"/>
+        <a:cs typeface="Baskerville"/>
         <a:sym typeface="Baskerville"/>
       </a:defRPr>
     </a:lvl1pPr>
@@ -133,9 +134,9 @@
         </a:solidFill>
         <a:effectLst/>
         <a:uFillTx/>
-        <a:latin typeface="+mn-lt"/>
-        <a:ea typeface="+mn-ea"/>
-        <a:cs typeface="+mn-cs"/>
+        <a:latin typeface="Baskerville"/>
+        <a:ea typeface="Baskerville"/>
+        <a:cs typeface="Baskerville"/>
         <a:sym typeface="Baskerville"/>
       </a:defRPr>
     </a:lvl2pPr>
@@ -163,9 +164,9 @@
         </a:solidFill>
         <a:effectLst/>
         <a:uFillTx/>
-        <a:latin typeface="+mn-lt"/>
-        <a:ea typeface="+mn-ea"/>
-        <a:cs typeface="+mn-cs"/>
+        <a:latin typeface="Baskerville"/>
+        <a:ea typeface="Baskerville"/>
+        <a:cs typeface="Baskerville"/>
         <a:sym typeface="Baskerville"/>
       </a:defRPr>
     </a:lvl3pPr>
@@ -193,9 +194,9 @@
         </a:solidFill>
         <a:effectLst/>
         <a:uFillTx/>
-        <a:latin typeface="+mn-lt"/>
-        <a:ea typeface="+mn-ea"/>
-        <a:cs typeface="+mn-cs"/>
+        <a:latin typeface="Baskerville"/>
+        <a:ea typeface="Baskerville"/>
+        <a:cs typeface="Baskerville"/>
         <a:sym typeface="Baskerville"/>
       </a:defRPr>
     </a:lvl4pPr>
@@ -223,9 +224,9 @@
         </a:solidFill>
         <a:effectLst/>
         <a:uFillTx/>
-        <a:latin typeface="+mn-lt"/>
-        <a:ea typeface="+mn-ea"/>
-        <a:cs typeface="+mn-cs"/>
+        <a:latin typeface="Baskerville"/>
+        <a:ea typeface="Baskerville"/>
+        <a:cs typeface="Baskerville"/>
         <a:sym typeface="Baskerville"/>
       </a:defRPr>
     </a:lvl5pPr>
@@ -253,9 +254,9 @@
         </a:solidFill>
         <a:effectLst/>
         <a:uFillTx/>
-        <a:latin typeface="+mn-lt"/>
-        <a:ea typeface="+mn-ea"/>
-        <a:cs typeface="+mn-cs"/>
+        <a:latin typeface="Baskerville"/>
+        <a:ea typeface="Baskerville"/>
+        <a:cs typeface="Baskerville"/>
         <a:sym typeface="Baskerville"/>
       </a:defRPr>
     </a:lvl6pPr>
@@ -283,9 +284,9 @@
         </a:solidFill>
         <a:effectLst/>
         <a:uFillTx/>
-        <a:latin typeface="+mn-lt"/>
-        <a:ea typeface="+mn-ea"/>
-        <a:cs typeface="+mn-cs"/>
+        <a:latin typeface="Baskerville"/>
+        <a:ea typeface="Baskerville"/>
+        <a:cs typeface="Baskerville"/>
         <a:sym typeface="Baskerville"/>
       </a:defRPr>
     </a:lvl7pPr>
@@ -313,9 +314,9 @@
         </a:solidFill>
         <a:effectLst/>
         <a:uFillTx/>
-        <a:latin typeface="+mn-lt"/>
-        <a:ea typeface="+mn-ea"/>
-        <a:cs typeface="+mn-cs"/>
+        <a:latin typeface="Baskerville"/>
+        <a:ea typeface="Baskerville"/>
+        <a:cs typeface="Baskerville"/>
         <a:sym typeface="Baskerville"/>
       </a:defRPr>
     </a:lvl8pPr>
@@ -343,9 +344,9 @@
         </a:solidFill>
         <a:effectLst/>
         <a:uFillTx/>
-        <a:latin typeface="+mn-lt"/>
-        <a:ea typeface="+mn-ea"/>
-        <a:cs typeface="+mn-cs"/>
+        <a:latin typeface="Baskerville"/>
+        <a:ea typeface="Baskerville"/>
+        <a:cs typeface="Baskerville"/>
         <a:sym typeface="Baskerville"/>
       </a:defRPr>
     </a:lvl9pPr>
@@ -433,9 +434,9 @@
         <a:spcPct val="117999"/>
       </a:lnSpc>
       <a:defRPr sz="2200">
-        <a:latin typeface="Helvetica Neue"/>
-        <a:ea typeface="Helvetica Neue"/>
-        <a:cs typeface="Helvetica Neue"/>
+        <a:latin typeface="+mn-lt"/>
+        <a:ea typeface="+mn-ea"/>
+        <a:cs typeface="+mn-cs"/>
         <a:sym typeface="Helvetica Neue"/>
       </a:defRPr>
     </a:lvl1pPr>
@@ -444,9 +445,9 @@
         <a:spcPct val="117999"/>
       </a:lnSpc>
       <a:defRPr sz="2200">
-        <a:latin typeface="Helvetica Neue"/>
-        <a:ea typeface="Helvetica Neue"/>
-        <a:cs typeface="Helvetica Neue"/>
+        <a:latin typeface="+mn-lt"/>
+        <a:ea typeface="+mn-ea"/>
+        <a:cs typeface="+mn-cs"/>
         <a:sym typeface="Helvetica Neue"/>
       </a:defRPr>
     </a:lvl2pPr>
@@ -455,9 +456,9 @@
         <a:spcPct val="117999"/>
       </a:lnSpc>
       <a:defRPr sz="2200">
-        <a:latin typeface="Helvetica Neue"/>
-        <a:ea typeface="Helvetica Neue"/>
-        <a:cs typeface="Helvetica Neue"/>
+        <a:latin typeface="+mn-lt"/>
+        <a:ea typeface="+mn-ea"/>
+        <a:cs typeface="+mn-cs"/>
         <a:sym typeface="Helvetica Neue"/>
       </a:defRPr>
     </a:lvl3pPr>
@@ -466,9 +467,9 @@
         <a:spcPct val="117999"/>
       </a:lnSpc>
       <a:defRPr sz="2200">
-        <a:latin typeface="Helvetica Neue"/>
-        <a:ea typeface="Helvetica Neue"/>
-        <a:cs typeface="Helvetica Neue"/>
+        <a:latin typeface="+mn-lt"/>
+        <a:ea typeface="+mn-ea"/>
+        <a:cs typeface="+mn-cs"/>
         <a:sym typeface="Helvetica Neue"/>
       </a:defRPr>
     </a:lvl4pPr>
@@ -477,9 +478,9 @@
         <a:spcPct val="117999"/>
       </a:lnSpc>
       <a:defRPr sz="2200">
-        <a:latin typeface="Helvetica Neue"/>
-        <a:ea typeface="Helvetica Neue"/>
-        <a:cs typeface="Helvetica Neue"/>
+        <a:latin typeface="+mn-lt"/>
+        <a:ea typeface="+mn-ea"/>
+        <a:cs typeface="+mn-cs"/>
         <a:sym typeface="Helvetica Neue"/>
       </a:defRPr>
     </a:lvl5pPr>
@@ -488,9 +489,9 @@
         <a:spcPct val="117999"/>
       </a:lnSpc>
       <a:defRPr sz="2200">
-        <a:latin typeface="Helvetica Neue"/>
-        <a:ea typeface="Helvetica Neue"/>
-        <a:cs typeface="Helvetica Neue"/>
+        <a:latin typeface="+mn-lt"/>
+        <a:ea typeface="+mn-ea"/>
+        <a:cs typeface="+mn-cs"/>
         <a:sym typeface="Helvetica Neue"/>
       </a:defRPr>
     </a:lvl6pPr>
@@ -499,9 +500,9 @@
         <a:spcPct val="117999"/>
       </a:lnSpc>
       <a:defRPr sz="2200">
-        <a:latin typeface="Helvetica Neue"/>
-        <a:ea typeface="Helvetica Neue"/>
-        <a:cs typeface="Helvetica Neue"/>
+        <a:latin typeface="+mn-lt"/>
+        <a:ea typeface="+mn-ea"/>
+        <a:cs typeface="+mn-cs"/>
         <a:sym typeface="Helvetica Neue"/>
       </a:defRPr>
     </a:lvl7pPr>
@@ -510,9 +511,9 @@
         <a:spcPct val="117999"/>
       </a:lnSpc>
       <a:defRPr sz="2200">
-        <a:latin typeface="Helvetica Neue"/>
-        <a:ea typeface="Helvetica Neue"/>
-        <a:cs typeface="Helvetica Neue"/>
+        <a:latin typeface="+mn-lt"/>
+        <a:ea typeface="+mn-ea"/>
+        <a:cs typeface="+mn-cs"/>
         <a:sym typeface="Helvetica Neue"/>
       </a:defRPr>
     </a:lvl8pPr>
@@ -521,9 +522,9 @@
         <a:spcPct val="117999"/>
       </a:lnSpc>
       <a:defRPr sz="2200">
-        <a:latin typeface="Helvetica Neue"/>
-        <a:ea typeface="Helvetica Neue"/>
-        <a:cs typeface="Helvetica Neue"/>
+        <a:latin typeface="+mn-lt"/>
+        <a:ea typeface="+mn-ea"/>
+        <a:cs typeface="+mn-cs"/>
         <a:sym typeface="Helvetica Neue"/>
       </a:defRPr>
     </a:lvl9pPr>
@@ -847,10 +848,10 @@
       </p:grpSpPr>
       <p:sp>
         <p:nvSpPr>
-          <p:cNvPr id="95" name="–Joe Bloggs"/>
-          <p:cNvSpPr txBox="1"/>
-          <p:nvPr>
-            <p:ph type="body" sz="quarter" idx="13"/>
+          <p:cNvPr id="95" name="Body Level One…"/>
+          <p:cNvSpPr txBox="1"/>
+          <p:nvPr>
+            <p:ph type="body" sz="quarter" idx="1"/>
           </p:nvPr>
         </p:nvSpPr>
         <p:spPr>
@@ -863,9 +864,7 @@
           </a:prstGeom>
         </p:spPr>
         <p:txBody>
-          <a:bodyPr>
-            <a:spAutoFit/>
-          </a:bodyPr>
+          <a:bodyPr/>
           <a:lstStyle>
             <a:lvl1pPr marL="0" indent="0" algn="ctr">
               <a:spcBef>
@@ -875,11 +874,71 @@
               <a:buNone/>
               <a:defRPr i="1" sz="3200"/>
             </a:lvl1pPr>
+            <a:lvl2pPr marL="939800" indent="-406400" algn="ctr">
+              <a:spcBef>
+                <a:spcPts val="0"/>
+              </a:spcBef>
+              <a:buBlip>
+                <a:blip r:embed="rId2"/>
+              </a:buBlip>
+              <a:defRPr i="1" sz="3200"/>
+            </a:lvl2pPr>
+            <a:lvl3pPr marL="1473200" indent="-406400" algn="ctr">
+              <a:spcBef>
+                <a:spcPts val="0"/>
+              </a:spcBef>
+              <a:buBlip>
+                <a:blip r:embed="rId2"/>
+              </a:buBlip>
+              <a:defRPr i="1" sz="3200"/>
+            </a:lvl3pPr>
+            <a:lvl4pPr marL="2006600" indent="-406400" algn="ctr">
+              <a:spcBef>
+                <a:spcPts val="0"/>
+              </a:spcBef>
+              <a:buBlip>
+                <a:blip r:embed="rId2"/>
+              </a:buBlip>
+              <a:defRPr i="1" sz="3200"/>
+            </a:lvl4pPr>
+            <a:lvl5pPr marL="2540000" indent="-406400" algn="ctr">
+              <a:spcBef>
+                <a:spcPts val="0"/>
+              </a:spcBef>
+              <a:buBlip>
+                <a:blip r:embed="rId2"/>
+              </a:buBlip>
+              <a:defRPr i="1" sz="3200"/>
+            </a:lvl5pPr>
           </a:lstStyle>
           <a:p>
             <a:pPr/>
             <a:r>
-              <a:t>–Joe Bloggs</a:t>
+              <a:t>Body Level One</a:t>
+            </a:r>
+          </a:p>
+          <a:p>
+            <a:pPr lvl="1"/>
+            <a:r>
+              <a:t>Body Level Two</a:t>
+            </a:r>
+          </a:p>
+          <a:p>
+            <a:pPr lvl="2"/>
+            <a:r>
+              <a:t>Body Level Three</a:t>
+            </a:r>
+          </a:p>
+          <a:p>
+            <a:pPr lvl="3"/>
+            <a:r>
+              <a:t>Body Level Four</a:t>
+            </a:r>
+          </a:p>
+          <a:p>
+            <a:pPr lvl="4"/>
+            <a:r>
+              <a:t>Body Level Five</a:t>
             </a:r>
           </a:p>
         </p:txBody>
@@ -889,7 +948,7 @@
           <p:cNvPr id="96" name="“Type a quote here.”"/>
           <p:cNvSpPr txBox="1"/>
           <p:nvPr>
-            <p:ph type="body" sz="quarter" idx="14"/>
+            <p:ph type="body" sz="quarter" idx="13"/>
           </p:nvPr>
         </p:nvSpPr>
         <p:spPr>
@@ -902,24 +961,17 @@
           </a:prstGeom>
         </p:spPr>
         <p:txBody>
-          <a:bodyPr>
-            <a:spAutoFit/>
-          </a:bodyPr>
-          <a:lstStyle>
-            <a:lvl1pPr marL="0" indent="0" algn="ctr">
+          <a:bodyPr/>
+          <a:lstStyle/>
+          <a:p>
+            <a:pPr marL="0" indent="0" algn="ctr">
               <a:spcBef>
                 <a:spcPts val="2400"/>
               </a:spcBef>
               <a:buSzTx/>
               <a:buNone/>
               <a:defRPr i="1" sz="4000"/>
-            </a:lvl1pPr>
-          </a:lstStyle>
-          <a:p>
-            <a:pPr/>
-            <a:r>
-              <a:t>“Type a quote here.” </a:t>
-            </a:r>
+            </a:pPr>
           </a:p>
         </p:txBody>
       </p:sp>
@@ -1110,9 +1162,6 @@
           <a:prstGeom prst="rect">
             <a:avLst/>
           </a:prstGeom>
-          <a:ln w="9525">
-            <a:round/>
-          </a:ln>
         </p:spPr>
         <p:txBody>
           <a:bodyPr lIns="91439" tIns="45719" rIns="91439" bIns="45719" anchor="t">
@@ -1395,8 +1444,8 @@
         </p:blipFill>
         <p:spPr>
           <a:xfrm>
-            <a:off x="2696906" y="5083509"/>
-            <a:ext cx="1956621" cy="304801"/>
+            <a:off x="2696905" y="5083509"/>
+            <a:ext cx="1956623" cy="304802"/>
           </a:xfrm>
           <a:prstGeom prst="rect">
             <a:avLst/>
@@ -1422,9 +1471,6 @@
           <a:prstGeom prst="rect">
             <a:avLst/>
           </a:prstGeom>
-          <a:ln w="9525">
-            <a:round/>
-          </a:ln>
         </p:spPr>
         <p:txBody>
           <a:bodyPr lIns="91439" tIns="45719" rIns="91439" bIns="45719" anchor="t">
@@ -1614,6 +1660,10 @@
           </p:nvPr>
         </p:nvSpPr>
         <p:spPr>
+          <a:xfrm>
+            <a:off x="762000" y="381000"/>
+            <a:ext cx="11480800" cy="1524000"/>
+          </a:xfrm>
           <a:prstGeom prst="rect">
             <a:avLst/>
           </a:prstGeom>
@@ -1686,6 +1736,10 @@
           </p:nvPr>
         </p:nvSpPr>
         <p:spPr>
+          <a:xfrm>
+            <a:off x="762000" y="381000"/>
+            <a:ext cx="11480800" cy="1524000"/>
+          </a:xfrm>
           <a:prstGeom prst="rect">
             <a:avLst/>
           </a:prstGeom>
@@ -1837,15 +1891,12 @@
         </p:nvSpPr>
         <p:spPr>
           <a:xfrm>
-            <a:off x="4309329" y="2375525"/>
-            <a:ext cx="10256493" cy="6840825"/>
+            <a:off x="4309328" y="2375524"/>
+            <a:ext cx="10256495" cy="6840827"/>
           </a:xfrm>
           <a:prstGeom prst="rect">
             <a:avLst/>
           </a:prstGeom>
-          <a:ln w="9525">
-            <a:round/>
-          </a:ln>
         </p:spPr>
         <p:txBody>
           <a:bodyPr lIns="91439" tIns="45719" rIns="91439" bIns="45719" anchor="t">
@@ -1866,6 +1917,10 @@
           </p:nvPr>
         </p:nvSpPr>
         <p:spPr>
+          <a:xfrm>
+            <a:off x="762000" y="381000"/>
+            <a:ext cx="11480800" cy="1524000"/>
+          </a:xfrm>
           <a:prstGeom prst="rect">
             <a:avLst/>
           </a:prstGeom>
@@ -2159,15 +2214,12 @@
         </p:nvSpPr>
         <p:spPr>
           <a:xfrm>
-            <a:off x="-3564103" y="501345"/>
-            <a:ext cx="12712701" cy="8479054"/>
+            <a:off x="-3564103" y="501344"/>
+            <a:ext cx="12712701" cy="8479055"/>
           </a:xfrm>
           <a:prstGeom prst="rect">
             <a:avLst/>
           </a:prstGeom>
-          <a:ln w="9525">
-            <a:round/>
-          </a:ln>
         </p:spPr>
         <p:txBody>
           <a:bodyPr lIns="91439" tIns="45719" rIns="91439" bIns="45719" anchor="t">
@@ -2195,9 +2247,6 @@
           <a:prstGeom prst="rect">
             <a:avLst/>
           </a:prstGeom>
-          <a:ln w="9525">
-            <a:round/>
-          </a:ln>
         </p:spPr>
         <p:txBody>
           <a:bodyPr lIns="91439" tIns="45719" rIns="91439" bIns="45719" anchor="t">
@@ -2225,9 +2274,6 @@
           <a:prstGeom prst="rect">
             <a:avLst/>
           </a:prstGeom>
-          <a:ln w="9525">
-            <a:round/>
-          </a:ln>
         </p:spPr>
         <p:txBody>
           <a:bodyPr lIns="91439" tIns="45719" rIns="91439" bIns="45719" anchor="t">
@@ -2388,7 +2434,45 @@
       </p:sp>
       <p:sp>
         <p:nvSpPr>
-          <p:cNvPr id="3" name="Slide Number"/>
+          <p:cNvPr id="3" name="Title Text"/>
+          <p:cNvSpPr txBox="1"/>
+          <p:nvPr>
+            <p:ph type="title"/>
+          </p:nvPr>
+        </p:nvSpPr>
+        <p:spPr>
+          <a:xfrm>
+            <a:off x="1948462" y="1950720"/>
+            <a:ext cx="10403841" cy="661529"/>
+          </a:xfrm>
+          <a:prstGeom prst="rect">
+            <a:avLst/>
+          </a:prstGeom>
+          <a:ln w="12700">
+            <a:miter lim="400000"/>
+          </a:ln>
+          <a:extLst>
+            <a:ext uri="{C572A759-6A51-4108-AA02-DFA0A04FC94B}">
+              <ma14:wrappingTextBoxFlag xmlns:ma14="http://schemas.microsoft.com/office/mac/drawingml/2011/main" val="1"/>
+            </a:ext>
+          </a:extLst>
+        </p:spPr>
+        <p:txBody>
+          <a:bodyPr lIns="50800" tIns="50800" rIns="50800" bIns="50800" anchor="ctr">
+            <a:normAutofit fontScale="100000" lnSpcReduction="0"/>
+          </a:bodyPr>
+          <a:lstStyle/>
+          <a:p>
+            <a:pPr/>
+            <a:r>
+              <a:t>Title Text</a:t>
+            </a:r>
+          </a:p>
+        </p:txBody>
+      </p:sp>
+      <p:sp>
+        <p:nvSpPr>
+          <p:cNvPr id="4" name="Slide Number"/>
           <p:cNvSpPr txBox="1"/>
           <p:nvPr>
             <p:ph type="sldNum" sz="quarter" idx="2"/>
@@ -2418,44 +2502,6 @@
           <a:p>
             <a:pPr/>
             <a:fld id="{86CB4B4D-7CA3-9044-876B-883B54F8677D}" type="slidenum"/>
-          </a:p>
-        </p:txBody>
-      </p:sp>
-      <p:sp>
-        <p:nvSpPr>
-          <p:cNvPr id="4" name="Title Text"/>
-          <p:cNvSpPr txBox="1"/>
-          <p:nvPr>
-            <p:ph type="title"/>
-          </p:nvPr>
-        </p:nvSpPr>
-        <p:spPr>
-          <a:xfrm>
-            <a:off x="762000" y="381000"/>
-            <a:ext cx="11480800" cy="1524000"/>
-          </a:xfrm>
-          <a:prstGeom prst="rect">
-            <a:avLst/>
-          </a:prstGeom>
-          <a:ln w="12700">
-            <a:miter lim="400000"/>
-          </a:ln>
-          <a:extLst>
-            <a:ext uri="{C572A759-6A51-4108-AA02-DFA0A04FC94B}">
-              <ma14:wrappingTextBoxFlag xmlns:ma14="http://schemas.microsoft.com/office/mac/drawingml/2011/main" val="1"/>
-            </a:ext>
-          </a:extLst>
-        </p:spPr>
-        <p:txBody>
-          <a:bodyPr lIns="50800" tIns="50800" rIns="50800" bIns="50800" anchor="ctr">
-            <a:normAutofit fontScale="100000" lnSpcReduction="0"/>
-          </a:bodyPr>
-          <a:lstStyle/>
-          <a:p>
-            <a:pPr/>
-            <a:r>
-              <a:t>Title Text</a:t>
-            </a:r>
           </a:p>
         </p:txBody>
       </p:sp>
@@ -2506,9 +2552,9 @@
             </a:outerShdw>
           </a:effectLst>
           <a:uFillTx/>
-          <a:latin typeface="+mn-lt"/>
-          <a:ea typeface="+mn-ea"/>
-          <a:cs typeface="+mn-cs"/>
+          <a:latin typeface="Baskerville"/>
+          <a:ea typeface="Baskerville"/>
+          <a:cs typeface="Baskerville"/>
           <a:sym typeface="Baskerville"/>
         </a:defRPr>
       </a:lvl1pPr>
@@ -2539,9 +2585,9 @@
             </a:outerShdw>
           </a:effectLst>
           <a:uFillTx/>
-          <a:latin typeface="+mn-lt"/>
-          <a:ea typeface="+mn-ea"/>
-          <a:cs typeface="+mn-cs"/>
+          <a:latin typeface="Baskerville"/>
+          <a:ea typeface="Baskerville"/>
+          <a:cs typeface="Baskerville"/>
           <a:sym typeface="Baskerville"/>
         </a:defRPr>
       </a:lvl2pPr>
@@ -2572,9 +2618,9 @@
             </a:outerShdw>
           </a:effectLst>
           <a:uFillTx/>
-          <a:latin typeface="+mn-lt"/>
-          <a:ea typeface="+mn-ea"/>
-          <a:cs typeface="+mn-cs"/>
+          <a:latin typeface="Baskerville"/>
+          <a:ea typeface="Baskerville"/>
+          <a:cs typeface="Baskerville"/>
           <a:sym typeface="Baskerville"/>
         </a:defRPr>
       </a:lvl3pPr>
@@ -2605,9 +2651,9 @@
             </a:outerShdw>
           </a:effectLst>
           <a:uFillTx/>
-          <a:latin typeface="+mn-lt"/>
-          <a:ea typeface="+mn-ea"/>
-          <a:cs typeface="+mn-cs"/>
+          <a:latin typeface="Baskerville"/>
+          <a:ea typeface="Baskerville"/>
+          <a:cs typeface="Baskerville"/>
           <a:sym typeface="Baskerville"/>
         </a:defRPr>
       </a:lvl4pPr>
@@ -2638,9 +2684,9 @@
             </a:outerShdw>
           </a:effectLst>
           <a:uFillTx/>
-          <a:latin typeface="+mn-lt"/>
-          <a:ea typeface="+mn-ea"/>
-          <a:cs typeface="+mn-cs"/>
+          <a:latin typeface="Baskerville"/>
+          <a:ea typeface="Baskerville"/>
+          <a:cs typeface="Baskerville"/>
           <a:sym typeface="Baskerville"/>
         </a:defRPr>
       </a:lvl5pPr>
@@ -2671,9 +2717,9 @@
             </a:outerShdw>
           </a:effectLst>
           <a:uFillTx/>
-          <a:latin typeface="+mn-lt"/>
-          <a:ea typeface="+mn-ea"/>
-          <a:cs typeface="+mn-cs"/>
+          <a:latin typeface="Baskerville"/>
+          <a:ea typeface="Baskerville"/>
+          <a:cs typeface="Baskerville"/>
           <a:sym typeface="Baskerville"/>
         </a:defRPr>
       </a:lvl6pPr>
@@ -2704,9 +2750,9 @@
             </a:outerShdw>
           </a:effectLst>
           <a:uFillTx/>
-          <a:latin typeface="+mn-lt"/>
-          <a:ea typeface="+mn-ea"/>
-          <a:cs typeface="+mn-cs"/>
+          <a:latin typeface="Baskerville"/>
+          <a:ea typeface="Baskerville"/>
+          <a:cs typeface="Baskerville"/>
           <a:sym typeface="Baskerville"/>
         </a:defRPr>
       </a:lvl7pPr>
@@ -2737,9 +2783,9 @@
             </a:outerShdw>
           </a:effectLst>
           <a:uFillTx/>
-          <a:latin typeface="+mn-lt"/>
-          <a:ea typeface="+mn-ea"/>
-          <a:cs typeface="+mn-cs"/>
+          <a:latin typeface="Baskerville"/>
+          <a:ea typeface="Baskerville"/>
+          <a:cs typeface="Baskerville"/>
           <a:sym typeface="Baskerville"/>
         </a:defRPr>
       </a:lvl8pPr>
@@ -2770,9 +2816,9 @@
             </a:outerShdw>
           </a:effectLst>
           <a:uFillTx/>
-          <a:latin typeface="+mn-lt"/>
-          <a:ea typeface="+mn-ea"/>
-          <a:cs typeface="+mn-cs"/>
+          <a:latin typeface="Baskerville"/>
+          <a:ea typeface="Baskerville"/>
+          <a:cs typeface="Baskerville"/>
           <a:sym typeface="Baskerville"/>
         </a:defRPr>
       </a:lvl9pPr>
@@ -2800,9 +2846,9 @@
             <a:srgbClr val="6C6963"/>
           </a:solidFill>
           <a:uFillTx/>
-          <a:latin typeface="+mn-lt"/>
-          <a:ea typeface="+mn-ea"/>
-          <a:cs typeface="+mn-cs"/>
+          <a:latin typeface="Baskerville"/>
+          <a:ea typeface="Baskerville"/>
+          <a:cs typeface="Baskerville"/>
           <a:sym typeface="Baskerville"/>
         </a:defRPr>
       </a:lvl1pPr>
@@ -2828,9 +2874,9 @@
             <a:srgbClr val="6C6963"/>
           </a:solidFill>
           <a:uFillTx/>
-          <a:latin typeface="+mn-lt"/>
-          <a:ea typeface="+mn-ea"/>
-          <a:cs typeface="+mn-cs"/>
+          <a:latin typeface="Baskerville"/>
+          <a:ea typeface="Baskerville"/>
+          <a:cs typeface="Baskerville"/>
           <a:sym typeface="Baskerville"/>
         </a:defRPr>
       </a:lvl2pPr>
@@ -2856,9 +2902,9 @@
             <a:srgbClr val="6C6963"/>
           </a:solidFill>
           <a:uFillTx/>
-          <a:latin typeface="+mn-lt"/>
-          <a:ea typeface="+mn-ea"/>
-          <a:cs typeface="+mn-cs"/>
+          <a:latin typeface="Baskerville"/>
+          <a:ea typeface="Baskerville"/>
+          <a:cs typeface="Baskerville"/>
           <a:sym typeface="Baskerville"/>
         </a:defRPr>
       </a:lvl3pPr>
@@ -2884,9 +2930,9 @@
             <a:srgbClr val="6C6963"/>
           </a:solidFill>
           <a:uFillTx/>
-          <a:latin typeface="+mn-lt"/>
-          <a:ea typeface="+mn-ea"/>
-          <a:cs typeface="+mn-cs"/>
+          <a:latin typeface="Baskerville"/>
+          <a:ea typeface="Baskerville"/>
+          <a:cs typeface="Baskerville"/>
           <a:sym typeface="Baskerville"/>
         </a:defRPr>
       </a:lvl4pPr>
@@ -2912,9 +2958,9 @@
             <a:srgbClr val="6C6963"/>
           </a:solidFill>
           <a:uFillTx/>
-          <a:latin typeface="+mn-lt"/>
-          <a:ea typeface="+mn-ea"/>
-          <a:cs typeface="+mn-cs"/>
+          <a:latin typeface="Baskerville"/>
+          <a:ea typeface="Baskerville"/>
+          <a:cs typeface="Baskerville"/>
           <a:sym typeface="Baskerville"/>
         </a:defRPr>
       </a:lvl5pPr>
@@ -2940,9 +2986,9 @@
             <a:srgbClr val="6C6963"/>
           </a:solidFill>
           <a:uFillTx/>
-          <a:latin typeface="+mn-lt"/>
-          <a:ea typeface="+mn-ea"/>
-          <a:cs typeface="+mn-cs"/>
+          <a:latin typeface="Baskerville"/>
+          <a:ea typeface="Baskerville"/>
+          <a:cs typeface="Baskerville"/>
           <a:sym typeface="Baskerville"/>
         </a:defRPr>
       </a:lvl6pPr>
@@ -2968,9 +3014,9 @@
             <a:srgbClr val="6C6963"/>
           </a:solidFill>
           <a:uFillTx/>
-          <a:latin typeface="+mn-lt"/>
-          <a:ea typeface="+mn-ea"/>
-          <a:cs typeface="+mn-cs"/>
+          <a:latin typeface="Baskerville"/>
+          <a:ea typeface="Baskerville"/>
+          <a:cs typeface="Baskerville"/>
           <a:sym typeface="Baskerville"/>
         </a:defRPr>
       </a:lvl7pPr>
@@ -2996,9 +3042,9 @@
             <a:srgbClr val="6C6963"/>
           </a:solidFill>
           <a:uFillTx/>
-          <a:latin typeface="+mn-lt"/>
-          <a:ea typeface="+mn-ea"/>
-          <a:cs typeface="+mn-cs"/>
+          <a:latin typeface="Baskerville"/>
+          <a:ea typeface="Baskerville"/>
+          <a:cs typeface="Baskerville"/>
           <a:sym typeface="Baskerville"/>
         </a:defRPr>
       </a:lvl8pPr>
@@ -3024,15 +3070,15 @@
             <a:srgbClr val="6C6963"/>
           </a:solidFill>
           <a:uFillTx/>
-          <a:latin typeface="+mn-lt"/>
-          <a:ea typeface="+mn-ea"/>
-          <a:cs typeface="+mn-cs"/>
+          <a:latin typeface="Baskerville"/>
+          <a:ea typeface="Baskerville"/>
+          <a:cs typeface="Baskerville"/>
           <a:sym typeface="Baskerville"/>
         </a:defRPr>
       </a:lvl9pPr>
     </p:bodyStyle>
     <p:otherStyle>
-      <a:lvl1pPr marL="0" marR="0" indent="0" algn="ctr" defTabSz="584200" latinLnBrk="0">
+      <a:lvl1pPr marL="0" marR="0" indent="0" algn="ctr" defTabSz="584200" rtl="0" latinLnBrk="0">
         <a:lnSpc>
           <a:spcPct val="100000"/>
         </a:lnSpc>
@@ -3058,7 +3104,7 @@
           <a:sym typeface="Baskerville"/>
         </a:defRPr>
       </a:lvl1pPr>
-      <a:lvl2pPr marL="0" marR="0" indent="228600" algn="ctr" defTabSz="584200" latinLnBrk="0">
+      <a:lvl2pPr marL="0" marR="0" indent="0" algn="ctr" defTabSz="584200" rtl="0" latinLnBrk="0">
         <a:lnSpc>
           <a:spcPct val="100000"/>
         </a:lnSpc>
@@ -3084,7 +3130,7 @@
           <a:sym typeface="Baskerville"/>
         </a:defRPr>
       </a:lvl2pPr>
-      <a:lvl3pPr marL="0" marR="0" indent="457200" algn="ctr" defTabSz="584200" latinLnBrk="0">
+      <a:lvl3pPr marL="0" marR="0" indent="0" algn="ctr" defTabSz="584200" rtl="0" latinLnBrk="0">
         <a:lnSpc>
           <a:spcPct val="100000"/>
         </a:lnSpc>
@@ -3110,7 +3156,7 @@
           <a:sym typeface="Baskerville"/>
         </a:defRPr>
       </a:lvl3pPr>
-      <a:lvl4pPr marL="0" marR="0" indent="685800" algn="ctr" defTabSz="584200" latinLnBrk="0">
+      <a:lvl4pPr marL="0" marR="0" indent="0" algn="ctr" defTabSz="584200" rtl="0" latinLnBrk="0">
         <a:lnSpc>
           <a:spcPct val="100000"/>
         </a:lnSpc>
@@ -3136,7 +3182,7 @@
           <a:sym typeface="Baskerville"/>
         </a:defRPr>
       </a:lvl4pPr>
-      <a:lvl5pPr marL="0" marR="0" indent="914400" algn="ctr" defTabSz="584200" latinLnBrk="0">
+      <a:lvl5pPr marL="0" marR="0" indent="0" algn="ctr" defTabSz="584200" rtl="0" latinLnBrk="0">
         <a:lnSpc>
           <a:spcPct val="100000"/>
         </a:lnSpc>
@@ -3162,7 +3208,7 @@
           <a:sym typeface="Baskerville"/>
         </a:defRPr>
       </a:lvl5pPr>
-      <a:lvl6pPr marL="0" marR="0" indent="1143000" algn="ctr" defTabSz="584200" latinLnBrk="0">
+      <a:lvl6pPr marL="0" marR="0" indent="0" algn="ctr" defTabSz="584200" rtl="0" latinLnBrk="0">
         <a:lnSpc>
           <a:spcPct val="100000"/>
         </a:lnSpc>
@@ -3188,7 +3234,7 @@
           <a:sym typeface="Baskerville"/>
         </a:defRPr>
       </a:lvl6pPr>
-      <a:lvl7pPr marL="0" marR="0" indent="1371600" algn="ctr" defTabSz="584200" latinLnBrk="0">
+      <a:lvl7pPr marL="0" marR="0" indent="0" algn="ctr" defTabSz="584200" rtl="0" latinLnBrk="0">
         <a:lnSpc>
           <a:spcPct val="100000"/>
         </a:lnSpc>
@@ -3214,7 +3260,7 @@
           <a:sym typeface="Baskerville"/>
         </a:defRPr>
       </a:lvl7pPr>
-      <a:lvl8pPr marL="0" marR="0" indent="1600200" algn="ctr" defTabSz="584200" latinLnBrk="0">
+      <a:lvl8pPr marL="0" marR="0" indent="0" algn="ctr" defTabSz="584200" rtl="0" latinLnBrk="0">
         <a:lnSpc>
           <a:spcPct val="100000"/>
         </a:lnSpc>
@@ -3240,7 +3286,7 @@
           <a:sym typeface="Baskerville"/>
         </a:defRPr>
       </a:lvl8pPr>
-      <a:lvl9pPr marL="0" marR="0" indent="1828800" algn="ctr" defTabSz="584200" latinLnBrk="0">
+      <a:lvl9pPr marL="0" marR="0" indent="0" algn="ctr" defTabSz="584200" rtl="0" latinLnBrk="0">
         <a:lnSpc>
           <a:spcPct val="100000"/>
         </a:lnSpc>
@@ -3307,7 +3353,15 @@
           <a:p>
             <a:pPr/>
             <a:r>
-              <a:t>SQL Masterclass</a:t>
+              <a:t>SQL Masterclass </a:t>
+            </a:r>
+          </a:p>
+          <a:p>
+            <a:pPr>
+              <a:defRPr sz="2300"/>
+            </a:pPr>
+            <a:r>
+              <a:t>UOA IBSS Workshop Series</a:t>
             </a:r>
           </a:p>
         </p:txBody>
@@ -3341,7 +3395,7 @@
           <p:cNvPr id="123" name="Slide Number"/>
           <p:cNvSpPr txBox="1"/>
           <p:nvPr>
-            <p:ph type="sldNum" sz="quarter" idx="2"/>
+            <p:ph type="sldNum" sz="quarter" idx="4294967295"/>
           </p:nvPr>
         </p:nvSpPr>
         <p:spPr>
@@ -3359,7 +3413,7 @@
           </a:extLst>
         </p:spPr>
         <p:txBody>
-          <a:bodyPr/>
+          <a:bodyPr anchor="ctr"/>
           <a:lstStyle/>
           <a:p>
             <a:pPr/>
@@ -3395,7 +3449,7 @@
       </p:grpSpPr>
       <p:sp>
         <p:nvSpPr>
-          <p:cNvPr id="162" name="Demo"/>
+          <p:cNvPr id="161" name="Demo"/>
           <p:cNvSpPr txBox="1"/>
           <p:nvPr>
             <p:ph type="ctrTitle"/>
@@ -3419,7 +3473,7 @@
       </p:sp>
       <p:sp>
         <p:nvSpPr>
-          <p:cNvPr id="163" name="SQL Joins"/>
+          <p:cNvPr id="162" name="SQL Statements"/>
           <p:cNvSpPr txBox="1"/>
           <p:nvPr>
             <p:ph type="subTitle" sz="quarter" idx="1"/>
@@ -3436,20 +3490,24 @@
           <a:p>
             <a:pPr/>
             <a:r>
-              <a:t>SQL Joins</a:t>
-            </a:r>
-          </a:p>
-        </p:txBody>
-      </p:sp>
-      <p:sp>
-        <p:nvSpPr>
-          <p:cNvPr id="164" name="Slide Number"/>
-          <p:cNvSpPr txBox="1"/>
-          <p:nvPr>
-            <p:ph type="sldNum" sz="quarter" idx="2"/>
-          </p:nvPr>
-        </p:nvSpPr>
-        <p:spPr>
+              <a:t>SQL Statements</a:t>
+            </a:r>
+          </a:p>
+        </p:txBody>
+      </p:sp>
+      <p:sp>
+        <p:nvSpPr>
+          <p:cNvPr id="163" name="Slide Number"/>
+          <p:cNvSpPr txBox="1"/>
+          <p:nvPr>
+            <p:ph type="sldNum" sz="quarter" idx="4294967295"/>
+          </p:nvPr>
+        </p:nvSpPr>
+        <p:spPr>
+          <a:xfrm>
+            <a:off x="6565900" y="9029700"/>
+            <a:ext cx="342901" cy="355601"/>
+          </a:xfrm>
           <a:prstGeom prst="rect">
             <a:avLst/>
           </a:prstGeom>
@@ -3460,7 +3518,7 @@
           </a:extLst>
         </p:spPr>
         <p:txBody>
-          <a:bodyPr/>
+          <a:bodyPr anchor="ctr"/>
           <a:lstStyle/>
           <a:p>
             <a:pPr/>
@@ -3494,64 +3552,15 @@
           <a:chExt cx="0" cy="0"/>
         </a:xfrm>
       </p:grpSpPr>
-      <p:sp>
-        <p:nvSpPr>
-          <p:cNvPr id="166" name="Union"/>
-          <p:cNvSpPr txBox="1"/>
-          <p:nvPr>
-            <p:ph type="title"/>
-          </p:nvPr>
-        </p:nvSpPr>
-        <p:spPr>
-          <a:prstGeom prst="rect">
-            <a:avLst/>
-          </a:prstGeom>
-        </p:spPr>
-        <p:txBody>
-          <a:bodyPr/>
-          <a:lstStyle/>
-          <a:p>
-            <a:pPr/>
-            <a:r>
-              <a:t>Union</a:t>
-            </a:r>
-          </a:p>
-        </p:txBody>
-      </p:sp>
-      <p:sp>
-        <p:nvSpPr>
-          <p:cNvPr id="167" name="Slide Number"/>
-          <p:cNvSpPr txBox="1"/>
-          <p:nvPr>
-            <p:ph type="sldNum" sz="quarter" idx="2"/>
-          </p:nvPr>
-        </p:nvSpPr>
-        <p:spPr>
-          <a:prstGeom prst="rect">
-            <a:avLst/>
-          </a:prstGeom>
-          <a:extLst>
-            <a:ext uri="{C572A759-6A51-4108-AA02-DFA0A04FC94B}">
-              <ma14:wrappingTextBoxFlag xmlns:ma14="http://schemas.microsoft.com/office/mac/drawingml/2011/main" val="1"/>
-            </a:ext>
-          </a:extLst>
-        </p:spPr>
-        <p:txBody>
-          <a:bodyPr/>
-          <a:lstStyle/>
-          <a:p>
-            <a:pPr/>
-            <a:fld id="{86CB4B4D-7CA3-9044-876B-883B54F8677D}" type="slidenum"/>
-          </a:p>
-        </p:txBody>
-      </p:sp>
       <p:pic>
         <p:nvPicPr>
-          <p:cNvPr id="168" name="union.png" descr="union.png"/>
+          <p:cNvPr id="165" name="800px-SQL_Joins.svg.png" descr="800px-SQL_Joins.svg.png"/>
           <p:cNvPicPr>
             <a:picLocks noChangeAspect="1"/>
           </p:cNvPicPr>
-          <p:nvPr/>
+          <p:nvPr>
+            <p:ph type="pic" idx="13"/>
+          </p:nvPr>
         </p:nvPicPr>
         <p:blipFill>
           <a:blip r:embed="rId2">
@@ -3563,27 +3572,83 @@
         </p:blipFill>
         <p:spPr>
           <a:xfrm>
-            <a:off x="582354" y="1911709"/>
-            <a:ext cx="11901102" cy="5770595"/>
+            <a:off x="820335" y="307497"/>
+            <a:ext cx="11480801" cy="7891480"/>
           </a:xfrm>
           <a:prstGeom prst="rect">
             <a:avLst/>
           </a:prstGeom>
-          <a:ln w="12700">
-            <a:miter lim="400000"/>
-          </a:ln>
         </p:spPr>
       </p:pic>
       <p:sp>
         <p:nvSpPr>
-          <p:cNvPr id="169" name="Source: Sqlshack"/>
+          <p:cNvPr id="166" name="SQL JOINS"/>
+          <p:cNvSpPr txBox="1"/>
+          <p:nvPr>
+            <p:ph type="body" sz="quarter" idx="1"/>
+          </p:nvPr>
+        </p:nvSpPr>
+        <p:spPr>
+          <a:prstGeom prst="rect">
+            <a:avLst/>
+          </a:prstGeom>
+        </p:spPr>
+        <p:txBody>
+          <a:bodyPr/>
+          <a:lstStyle>
+            <a:lvl1pPr>
+              <a:defRPr i="0"/>
+            </a:lvl1pPr>
+          </a:lstStyle>
+          <a:p>
+            <a:pPr/>
+            <a:r>
+              <a:t>SQL JOINS</a:t>
+            </a:r>
+          </a:p>
+        </p:txBody>
+      </p:sp>
+      <p:sp>
+        <p:nvSpPr>
+          <p:cNvPr id="167" name="Slide Number"/>
+          <p:cNvSpPr txBox="1"/>
+          <p:nvPr>
+            <p:ph type="sldNum" sz="quarter" idx="4294967295"/>
+          </p:nvPr>
+        </p:nvSpPr>
+        <p:spPr>
+          <a:xfrm>
+            <a:off x="6324599" y="9144000"/>
+            <a:ext cx="342901" cy="355601"/>
+          </a:xfrm>
+          <a:prstGeom prst="rect">
+            <a:avLst/>
+          </a:prstGeom>
+          <a:extLst>
+            <a:ext uri="{C572A759-6A51-4108-AA02-DFA0A04FC94B}">
+              <ma14:wrappingTextBoxFlag xmlns:ma14="http://schemas.microsoft.com/office/mac/drawingml/2011/main" val="1"/>
+            </a:ext>
+          </a:extLst>
+        </p:spPr>
+        <p:txBody>
+          <a:bodyPr/>
+          <a:lstStyle/>
+          <a:p>
+            <a:pPr/>
+            <a:fld id="{86CB4B4D-7CA3-9044-876B-883B54F8677D}" type="slidenum"/>
+          </a:p>
+        </p:txBody>
+      </p:sp>
+      <p:sp>
+        <p:nvSpPr>
+          <p:cNvPr id="168" name="Source: Wikipedia Commons"/>
           <p:cNvSpPr txBox="1"/>
           <p:nvPr/>
         </p:nvSpPr>
         <p:spPr>
           <a:xfrm>
-            <a:off x="5798080" y="7866405"/>
-            <a:ext cx="1408640" cy="317501"/>
+            <a:off x="963882" y="8169854"/>
+            <a:ext cx="11480803" cy="355602"/>
           </a:xfrm>
           <a:prstGeom prst="rect">
             <a:avLst/>
@@ -3598,18 +3663,18 @@
           </a:extLst>
         </p:spPr>
         <p:txBody>
-          <a:bodyPr wrap="none" lIns="50800" tIns="50800" rIns="50800" bIns="50800" anchor="ctr">
-            <a:spAutoFit/>
+          <a:bodyPr lIns="50800" tIns="50800" rIns="50800" bIns="50800" anchor="ctr">
+            <a:normAutofit fontScale="100000" lnSpcReduction="0"/>
           </a:bodyPr>
           <a:lstStyle>
-            <a:lvl1pPr>
-              <a:defRPr sz="1500"/>
+            <a:lvl1pPr defTabSz="292100">
+              <a:defRPr sz="1800"/>
             </a:lvl1pPr>
           </a:lstStyle>
           <a:p>
             <a:pPr/>
             <a:r>
-              <a:t>Source: Sqlshack</a:t>
+              <a:t>Source: Wikipedia Commons</a:t>
             </a:r>
           </a:p>
         </p:txBody>
@@ -3642,7 +3707,7 @@
       </p:grpSpPr>
       <p:sp>
         <p:nvSpPr>
-          <p:cNvPr id="171" name="Demo"/>
+          <p:cNvPr id="170" name="Demo"/>
           <p:cNvSpPr txBox="1"/>
           <p:nvPr>
             <p:ph type="ctrTitle"/>
@@ -3666,7 +3731,7 @@
       </p:sp>
       <p:sp>
         <p:nvSpPr>
-          <p:cNvPr id="172" name="SQL Union"/>
+          <p:cNvPr id="171" name="SQL Joins"/>
           <p:cNvSpPr txBox="1"/>
           <p:nvPr>
             <p:ph type="subTitle" sz="quarter" idx="1"/>
@@ -3683,20 +3748,24 @@
           <a:p>
             <a:pPr/>
             <a:r>
-              <a:t>SQL Union</a:t>
-            </a:r>
-          </a:p>
-        </p:txBody>
-      </p:sp>
-      <p:sp>
-        <p:nvSpPr>
-          <p:cNvPr id="173" name="Slide Number"/>
-          <p:cNvSpPr txBox="1"/>
-          <p:nvPr>
-            <p:ph type="sldNum" sz="quarter" idx="2"/>
-          </p:nvPr>
-        </p:nvSpPr>
-        <p:spPr>
+              <a:t>SQL Joins</a:t>
+            </a:r>
+          </a:p>
+        </p:txBody>
+      </p:sp>
+      <p:sp>
+        <p:nvSpPr>
+          <p:cNvPr id="172" name="Slide Number"/>
+          <p:cNvSpPr txBox="1"/>
+          <p:nvPr>
+            <p:ph type="sldNum" sz="quarter" idx="4294967295"/>
+          </p:nvPr>
+        </p:nvSpPr>
+        <p:spPr>
+          <a:xfrm>
+            <a:off x="6565899" y="9029699"/>
+            <a:ext cx="342901" cy="355601"/>
+          </a:xfrm>
           <a:prstGeom prst="rect">
             <a:avLst/>
           </a:prstGeom>
@@ -3707,7 +3776,7 @@
           </a:extLst>
         </p:spPr>
         <p:txBody>
-          <a:bodyPr/>
+          <a:bodyPr anchor="ctr"/>
           <a:lstStyle/>
           <a:p>
             <a:pPr/>
@@ -3743,7 +3812,7 @@
       </p:grpSpPr>
       <p:sp>
         <p:nvSpPr>
-          <p:cNvPr id="175" name="SQL Arithmetic Operators"/>
+          <p:cNvPr id="174" name="Union"/>
           <p:cNvSpPr txBox="1"/>
           <p:nvPr>
             <p:ph type="title"/>
@@ -3760,20 +3829,24 @@
           <a:p>
             <a:pPr/>
             <a:r>
-              <a:t>SQL Arithmetic Operators</a:t>
-            </a:r>
-          </a:p>
-        </p:txBody>
-      </p:sp>
-      <p:sp>
-        <p:nvSpPr>
-          <p:cNvPr id="176" name="Slide Number"/>
-          <p:cNvSpPr txBox="1"/>
-          <p:nvPr>
-            <p:ph type="sldNum" sz="quarter" idx="2"/>
-          </p:nvPr>
-        </p:nvSpPr>
-        <p:spPr>
+              <a:t>Union</a:t>
+            </a:r>
+          </a:p>
+        </p:txBody>
+      </p:sp>
+      <p:sp>
+        <p:nvSpPr>
+          <p:cNvPr id="175" name="Slide Number"/>
+          <p:cNvSpPr txBox="1"/>
+          <p:nvPr>
+            <p:ph type="sldNum" sz="quarter" idx="4294967295"/>
+          </p:nvPr>
+        </p:nvSpPr>
+        <p:spPr>
+          <a:xfrm>
+            <a:off x="6324598" y="9016999"/>
+            <a:ext cx="342901" cy="355601"/>
+          </a:xfrm>
           <a:prstGeom prst="rect">
             <a:avLst/>
           </a:prstGeom>
@@ -3792,15 +3865,270 @@
           </a:p>
         </p:txBody>
       </p:sp>
+      <p:pic>
+        <p:nvPicPr>
+          <p:cNvPr id="176" name="union.png" descr="union.png"/>
+          <p:cNvPicPr>
+            <a:picLocks noChangeAspect="1"/>
+          </p:cNvPicPr>
+          <p:nvPr/>
+        </p:nvPicPr>
+        <p:blipFill>
+          <a:blip r:embed="rId2">
+            <a:extLst/>
+          </a:blip>
+          <a:stretch>
+            <a:fillRect/>
+          </a:stretch>
+        </p:blipFill>
+        <p:spPr>
+          <a:xfrm>
+            <a:off x="582353" y="1911709"/>
+            <a:ext cx="11901104" cy="5770596"/>
+          </a:xfrm>
+          <a:prstGeom prst="rect">
+            <a:avLst/>
+          </a:prstGeom>
+          <a:ln w="12700">
+            <a:miter lim="400000"/>
+          </a:ln>
+        </p:spPr>
+      </p:pic>
+      <p:sp>
+        <p:nvSpPr>
+          <p:cNvPr id="177" name="Source: Sqlshack"/>
+          <p:cNvSpPr txBox="1"/>
+          <p:nvPr/>
+        </p:nvSpPr>
+        <p:spPr>
+          <a:xfrm>
+            <a:off x="5798080" y="7866405"/>
+            <a:ext cx="1408640" cy="317501"/>
+          </a:xfrm>
+          <a:prstGeom prst="rect">
+            <a:avLst/>
+          </a:prstGeom>
+          <a:ln w="12700">
+            <a:miter lim="400000"/>
+          </a:ln>
+          <a:extLst>
+            <a:ext uri="{C572A759-6A51-4108-AA02-DFA0A04FC94B}">
+              <ma14:wrappingTextBoxFlag xmlns:ma14="http://schemas.microsoft.com/office/mac/drawingml/2011/main" val="1"/>
+            </a:ext>
+          </a:extLst>
+        </p:spPr>
+        <p:txBody>
+          <a:bodyPr wrap="none" lIns="50800" tIns="50800" rIns="50800" bIns="50800" anchor="ctr">
+            <a:spAutoFit/>
+          </a:bodyPr>
+          <a:lstStyle>
+            <a:lvl1pPr>
+              <a:defRPr sz="1500"/>
+            </a:lvl1pPr>
+          </a:lstStyle>
+          <a:p>
+            <a:pPr/>
+            <a:r>
+              <a:t>Source: Sqlshack</a:t>
+            </a:r>
+          </a:p>
+        </p:txBody>
+      </p:sp>
+    </p:spTree>
+  </p:cSld>
+  <p:clrMapOvr>
+    <a:masterClrMapping/>
+  </p:clrMapOvr>
+  <p:transition xmlns:p14="http://schemas.microsoft.com/office/powerpoint/2010/main" spd="med" advClick="1"/>
+</p:sld>
+</file>
+
+<file path=ppt/slides/slide14.xml><?xml version="1.0" encoding="utf-8"?>
+<p:sld xmlns:a="http://schemas.openxmlformats.org/drawingml/2006/main" xmlns:r="http://schemas.openxmlformats.org/officeDocument/2006/relationships" xmlns:p="http://schemas.openxmlformats.org/presentationml/2006/main" xmlns:m="http://schemas.openxmlformats.org/officeDocument/2006/math" xmlns:a14="http://schemas.microsoft.com/office/drawing/2010/main" showMasterSp="1" showMasterPhAnim="1">
+  <p:cSld>
+    <p:spTree>
+      <p:nvGrpSpPr>
+        <p:cNvPr id="1" name=""/>
+        <p:cNvGrpSpPr/>
+        <p:nvPr/>
+      </p:nvGrpSpPr>
+      <p:grpSpPr>
+        <a:xfrm>
+          <a:off x="0" y="0"/>
+          <a:ext cx="0" cy="0"/>
+          <a:chOff x="0" y="0"/>
+          <a:chExt cx="0" cy="0"/>
+        </a:xfrm>
+      </p:grpSpPr>
+      <p:sp>
+        <p:nvSpPr>
+          <p:cNvPr id="179" name="Demo"/>
+          <p:cNvSpPr txBox="1"/>
+          <p:nvPr>
+            <p:ph type="ctrTitle"/>
+          </p:nvPr>
+        </p:nvSpPr>
+        <p:spPr>
+          <a:prstGeom prst="rect">
+            <a:avLst/>
+          </a:prstGeom>
+        </p:spPr>
+        <p:txBody>
+          <a:bodyPr/>
+          <a:lstStyle/>
+          <a:p>
+            <a:pPr/>
+            <a:r>
+              <a:t>Demo</a:t>
+            </a:r>
+          </a:p>
+        </p:txBody>
+      </p:sp>
+      <p:sp>
+        <p:nvSpPr>
+          <p:cNvPr id="180" name="SQL Union"/>
+          <p:cNvSpPr txBox="1"/>
+          <p:nvPr>
+            <p:ph type="subTitle" sz="quarter" idx="1"/>
+          </p:nvPr>
+        </p:nvSpPr>
+        <p:spPr>
+          <a:prstGeom prst="rect">
+            <a:avLst/>
+          </a:prstGeom>
+        </p:spPr>
+        <p:txBody>
+          <a:bodyPr/>
+          <a:lstStyle/>
+          <a:p>
+            <a:pPr/>
+            <a:r>
+              <a:t>SQL Union</a:t>
+            </a:r>
+          </a:p>
+        </p:txBody>
+      </p:sp>
+      <p:sp>
+        <p:nvSpPr>
+          <p:cNvPr id="181" name="Slide Number"/>
+          <p:cNvSpPr txBox="1"/>
+          <p:nvPr>
+            <p:ph type="sldNum" sz="quarter" idx="4294967295"/>
+          </p:nvPr>
+        </p:nvSpPr>
+        <p:spPr>
+          <a:xfrm>
+            <a:off x="6565899" y="9029699"/>
+            <a:ext cx="342901" cy="355601"/>
+          </a:xfrm>
+          <a:prstGeom prst="rect">
+            <a:avLst/>
+          </a:prstGeom>
+          <a:extLst>
+            <a:ext uri="{C572A759-6A51-4108-AA02-DFA0A04FC94B}">
+              <ma14:wrappingTextBoxFlag xmlns:ma14="http://schemas.microsoft.com/office/mac/drawingml/2011/main" val="1"/>
+            </a:ext>
+          </a:extLst>
+        </p:spPr>
+        <p:txBody>
+          <a:bodyPr anchor="ctr"/>
+          <a:lstStyle/>
+          <a:p>
+            <a:pPr/>
+            <a:fld id="{86CB4B4D-7CA3-9044-876B-883B54F8677D}" type="slidenum"/>
+          </a:p>
+        </p:txBody>
+      </p:sp>
+    </p:spTree>
+  </p:cSld>
+  <p:clrMapOvr>
+    <a:masterClrMapping/>
+  </p:clrMapOvr>
+  <p:transition xmlns:p14="http://schemas.microsoft.com/office/powerpoint/2010/main" spd="med" advClick="1"/>
+</p:sld>
+</file>
+
+<file path=ppt/slides/slide15.xml><?xml version="1.0" encoding="utf-8"?>
+<p:sld xmlns:a="http://schemas.openxmlformats.org/drawingml/2006/main" xmlns:r="http://schemas.openxmlformats.org/officeDocument/2006/relationships" xmlns:p="http://schemas.openxmlformats.org/presentationml/2006/main" xmlns:m="http://schemas.openxmlformats.org/officeDocument/2006/math" xmlns:a14="http://schemas.microsoft.com/office/drawing/2010/main" showMasterSp="1" showMasterPhAnim="1">
+  <p:cSld>
+    <p:spTree>
+      <p:nvGrpSpPr>
+        <p:cNvPr id="1" name=""/>
+        <p:cNvGrpSpPr/>
+        <p:nvPr/>
+      </p:nvGrpSpPr>
+      <p:grpSpPr>
+        <a:xfrm>
+          <a:off x="0" y="0"/>
+          <a:ext cx="0" cy="0"/>
+          <a:chOff x="0" y="0"/>
+          <a:chExt cx="0" cy="0"/>
+        </a:xfrm>
+      </p:grpSpPr>
+      <p:sp>
+        <p:nvSpPr>
+          <p:cNvPr id="183" name="SQL Arithmetic Operators"/>
+          <p:cNvSpPr txBox="1"/>
+          <p:nvPr>
+            <p:ph type="title"/>
+          </p:nvPr>
+        </p:nvSpPr>
+        <p:spPr>
+          <a:prstGeom prst="rect">
+            <a:avLst/>
+          </a:prstGeom>
+        </p:spPr>
+        <p:txBody>
+          <a:bodyPr/>
+          <a:lstStyle/>
+          <a:p>
+            <a:pPr/>
+            <a:r>
+              <a:t>SQL Arithmetic Operators</a:t>
+            </a:r>
+          </a:p>
+        </p:txBody>
+      </p:sp>
+      <p:sp>
+        <p:nvSpPr>
+          <p:cNvPr id="184" name="Slide Number"/>
+          <p:cNvSpPr txBox="1"/>
+          <p:nvPr>
+            <p:ph type="sldNum" sz="quarter" idx="4294967295"/>
+          </p:nvPr>
+        </p:nvSpPr>
+        <p:spPr>
+          <a:xfrm>
+            <a:off x="6324598" y="9016999"/>
+            <a:ext cx="342901" cy="355601"/>
+          </a:xfrm>
+          <a:prstGeom prst="rect">
+            <a:avLst/>
+          </a:prstGeom>
+          <a:extLst>
+            <a:ext uri="{C572A759-6A51-4108-AA02-DFA0A04FC94B}">
+              <ma14:wrappingTextBoxFlag xmlns:ma14="http://schemas.microsoft.com/office/mac/drawingml/2011/main" val="1"/>
+            </a:ext>
+          </a:extLst>
+        </p:spPr>
+        <p:txBody>
+          <a:bodyPr/>
+          <a:lstStyle/>
+          <a:p>
+            <a:pPr/>
+            <a:fld id="{86CB4B4D-7CA3-9044-876B-883B54F8677D}" type="slidenum"/>
+          </a:p>
+        </p:txBody>
+      </p:sp>
       <p:graphicFrame>
         <p:nvGraphicFramePr>
-          <p:cNvPr id="177" name="Table"/>
+          <p:cNvPr id="185" name="Table"/>
           <p:cNvGraphicFramePr/>
           <p:nvPr/>
         </p:nvGraphicFramePr>
         <p:xfrm>
           <a:off x="4000500" y="2774950"/>
-          <a:ext cx="5016500" cy="5715000"/>
+          <a:ext cx="5003800" cy="5702299"/>
         </p:xfrm>
         <a:graphic xmlns:a="http://schemas.openxmlformats.org/drawingml/2006/main">
           <a:graphicData uri="http://schemas.openxmlformats.org/drawingml/2006/table">
@@ -3867,7 +4195,7 @@
                   </a:txBody>
                   <a:tcPr marL="50800" marR="50800" marT="50800" marB="50800" anchor="ctr" anchorCtr="0" horzOverflow="overflow">
                     <a:blipFill rotWithShape="1">
-                      <a:blip r:embed="rId3"/>
+                      <a:blip r:embed="rId2"/>
                       <a:srcRect l="0" t="0" r="0" b="0"/>
                       <a:tile tx="0" ty="0" sx="100000" sy="100000" flip="none" algn="tl"/>
                     </a:blipFill>
@@ -4137,7 +4465,7 @@
 </p:sld>
 </file>
 
-<file path=ppt/slides/slide14.xml><?xml version="1.0" encoding="utf-8"?>
+<file path=ppt/slides/slide16.xml><?xml version="1.0" encoding="utf-8"?>
 <p:sld xmlns:a="http://schemas.openxmlformats.org/drawingml/2006/main" xmlns:r="http://schemas.openxmlformats.org/officeDocument/2006/relationships" xmlns:p="http://schemas.openxmlformats.org/presentationml/2006/main" xmlns:m="http://schemas.openxmlformats.org/officeDocument/2006/math" xmlns:a14="http://schemas.microsoft.com/office/drawing/2010/main" showMasterSp="1" showMasterPhAnim="1">
   <p:cSld>
     <p:spTree>
@@ -4156,7 +4484,7 @@
       </p:grpSpPr>
       <p:sp>
         <p:nvSpPr>
-          <p:cNvPr id="179" name="SQL Comparison Operators"/>
+          <p:cNvPr id="187" name="SQL Comparison Operators"/>
           <p:cNvSpPr txBox="1"/>
           <p:nvPr>
             <p:ph type="title"/>
@@ -4180,13 +4508,17 @@
       </p:sp>
       <p:sp>
         <p:nvSpPr>
-          <p:cNvPr id="180" name="Slide Number"/>
-          <p:cNvSpPr txBox="1"/>
-          <p:nvPr>
-            <p:ph type="sldNum" sz="quarter" idx="2"/>
-          </p:nvPr>
-        </p:nvSpPr>
-        <p:spPr>
+          <p:cNvPr id="188" name="Slide Number"/>
+          <p:cNvSpPr txBox="1"/>
+          <p:nvPr>
+            <p:ph type="sldNum" sz="quarter" idx="4294967295"/>
+          </p:nvPr>
+        </p:nvSpPr>
+        <p:spPr>
+          <a:xfrm>
+            <a:off x="6324598" y="9016999"/>
+            <a:ext cx="342901" cy="355601"/>
+          </a:xfrm>
           <a:prstGeom prst="rect">
             <a:avLst/>
           </a:prstGeom>
@@ -4207,13 +4539,13 @@
       </p:sp>
       <p:graphicFrame>
         <p:nvGraphicFramePr>
-          <p:cNvPr id="181" name="Table"/>
+          <p:cNvPr id="189" name="Table"/>
           <p:cNvGraphicFramePr/>
           <p:nvPr/>
         </p:nvGraphicFramePr>
         <p:xfrm>
           <a:off x="4000500" y="2774950"/>
-          <a:ext cx="5016500" cy="5715000"/>
+          <a:ext cx="5003800" cy="5702298"/>
         </p:xfrm>
         <a:graphic xmlns:a="http://schemas.openxmlformats.org/drawingml/2006/main">
           <a:graphicData uri="http://schemas.openxmlformats.org/drawingml/2006/table">
@@ -4280,7 +4612,7 @@
                   </a:txBody>
                   <a:tcPr marL="50800" marR="50800" marT="50800" marB="50800" anchor="ctr" anchorCtr="0" horzOverflow="overflow">
                     <a:blipFill rotWithShape="1">
-                      <a:blip r:embed="rId3"/>
+                      <a:blip r:embed="rId2"/>
                       <a:srcRect l="0" t="0" r="0" b="0"/>
                       <a:tile tx="0" ty="0" sx="100000" sy="100000" flip="none" algn="tl"/>
                     </a:blipFill>
@@ -4600,7 +4932,7 @@
 </p:sld>
 </file>
 
-<file path=ppt/slides/slide15.xml><?xml version="1.0" encoding="utf-8"?>
+<file path=ppt/slides/slide17.xml><?xml version="1.0" encoding="utf-8"?>
 <p:sld xmlns:a="http://schemas.openxmlformats.org/drawingml/2006/main" xmlns:r="http://schemas.openxmlformats.org/officeDocument/2006/relationships" xmlns:p="http://schemas.openxmlformats.org/presentationml/2006/main" xmlns:m="http://schemas.openxmlformats.org/officeDocument/2006/math" xmlns:a14="http://schemas.microsoft.com/office/drawing/2010/main" showMasterSp="1" showMasterPhAnim="1">
   <p:cSld>
     <p:spTree>
@@ -4619,7 +4951,7 @@
       </p:grpSpPr>
       <p:sp>
         <p:nvSpPr>
-          <p:cNvPr id="183" name="SQL Bitwise Operators"/>
+          <p:cNvPr id="191" name="SQL Bitwise Operators"/>
           <p:cNvSpPr txBox="1"/>
           <p:nvPr>
             <p:ph type="title"/>
@@ -4643,13 +4975,17 @@
       </p:sp>
       <p:sp>
         <p:nvSpPr>
-          <p:cNvPr id="184" name="Slide Number"/>
-          <p:cNvSpPr txBox="1"/>
-          <p:nvPr>
-            <p:ph type="sldNum" sz="quarter" idx="2"/>
-          </p:nvPr>
-        </p:nvSpPr>
-        <p:spPr>
+          <p:cNvPr id="192" name="Slide Number"/>
+          <p:cNvSpPr txBox="1"/>
+          <p:nvPr>
+            <p:ph type="sldNum" sz="quarter" idx="4294967295"/>
+          </p:nvPr>
+        </p:nvSpPr>
+        <p:spPr>
+          <a:xfrm>
+            <a:off x="6324598" y="9016999"/>
+            <a:ext cx="342901" cy="355601"/>
+          </a:xfrm>
           <a:prstGeom prst="rect">
             <a:avLst/>
           </a:prstGeom>
@@ -4670,13 +5006,13 @@
       </p:sp>
       <p:graphicFrame>
         <p:nvGraphicFramePr>
-          <p:cNvPr id="185" name="Table"/>
+          <p:cNvPr id="193" name="Table"/>
           <p:cNvGraphicFramePr/>
           <p:nvPr/>
         </p:nvGraphicFramePr>
         <p:xfrm>
           <a:off x="4000500" y="2774950"/>
-          <a:ext cx="5016500" cy="5715000"/>
+          <a:ext cx="5003800" cy="5702300"/>
         </p:xfrm>
         <a:graphic xmlns:a="http://schemas.openxmlformats.org/drawingml/2006/main">
           <a:graphicData uri="http://schemas.openxmlformats.org/drawingml/2006/table">
@@ -4743,7 +5079,7 @@
                   </a:txBody>
                   <a:tcPr marL="50800" marR="50800" marT="50800" marB="50800" anchor="ctr" anchorCtr="0" horzOverflow="overflow">
                     <a:blipFill rotWithShape="1">
-                      <a:blip r:embed="rId3"/>
+                      <a:blip r:embed="rId2"/>
                       <a:srcRect l="0" t="0" r="0" b="0"/>
                       <a:tile tx="0" ty="0" sx="100000" sy="100000" flip="none" algn="tl"/>
                     </a:blipFill>
@@ -4913,7 +5249,7 @@
 </p:sld>
 </file>
 
-<file path=ppt/slides/slide16.xml><?xml version="1.0" encoding="utf-8"?>
+<file path=ppt/slides/slide18.xml><?xml version="1.0" encoding="utf-8"?>
 <p:sld xmlns:a="http://schemas.openxmlformats.org/drawingml/2006/main" xmlns:r="http://schemas.openxmlformats.org/officeDocument/2006/relationships" xmlns:p="http://schemas.openxmlformats.org/presentationml/2006/main" xmlns:m="http://schemas.openxmlformats.org/officeDocument/2006/math" xmlns:a14="http://schemas.microsoft.com/office/drawing/2010/main" showMasterSp="1" showMasterPhAnim="1">
   <p:cSld>
     <p:spTree>
@@ -4932,7 +5268,7 @@
       </p:grpSpPr>
       <p:sp>
         <p:nvSpPr>
-          <p:cNvPr id="187" name="SQL Logical Operators"/>
+          <p:cNvPr id="195" name="SQL Logical Operators"/>
           <p:cNvSpPr txBox="1"/>
           <p:nvPr>
             <p:ph type="title"/>
@@ -4956,13 +5292,17 @@
       </p:sp>
       <p:sp>
         <p:nvSpPr>
-          <p:cNvPr id="188" name="Slide Number"/>
-          <p:cNvSpPr txBox="1"/>
-          <p:nvPr>
-            <p:ph type="sldNum" sz="quarter" idx="2"/>
-          </p:nvPr>
-        </p:nvSpPr>
-        <p:spPr>
+          <p:cNvPr id="196" name="Slide Number"/>
+          <p:cNvSpPr txBox="1"/>
+          <p:nvPr>
+            <p:ph type="sldNum" sz="quarter" idx="4294967295"/>
+          </p:nvPr>
+        </p:nvSpPr>
+        <p:spPr>
+          <a:xfrm>
+            <a:off x="6324598" y="9016999"/>
+            <a:ext cx="342901" cy="355601"/>
+          </a:xfrm>
           <a:prstGeom prst="rect">
             <a:avLst/>
           </a:prstGeom>
@@ -4983,13 +5323,13 @@
       </p:sp>
       <p:graphicFrame>
         <p:nvGraphicFramePr>
-          <p:cNvPr id="189" name="Table"/>
+          <p:cNvPr id="197" name="Table"/>
           <p:cNvGraphicFramePr/>
           <p:nvPr/>
         </p:nvGraphicFramePr>
         <p:xfrm>
-          <a:off x="668176" y="2774949"/>
-          <a:ext cx="12072399" cy="5715002"/>
+          <a:off x="668175" y="2774949"/>
+          <a:ext cx="12059699" cy="5702291"/>
         </p:xfrm>
         <a:graphic xmlns:a="http://schemas.openxmlformats.org/drawingml/2006/main">
           <a:graphicData uri="http://schemas.openxmlformats.org/drawingml/2006/table">
@@ -5056,7 +5396,7 @@
                   </a:txBody>
                   <a:tcPr marL="50800" marR="50800" marT="50800" marB="50800" anchor="ctr" anchorCtr="0" horzOverflow="overflow">
                     <a:blipFill rotWithShape="1">
-                      <a:blip r:embed="rId3"/>
+                      <a:blip r:embed="rId2"/>
                       <a:srcRect l="0" t="0" r="0" b="0"/>
                       <a:tile tx="0" ty="0" sx="100000" sy="100000" flip="none" algn="tl"/>
                     </a:blipFill>
@@ -5444,20 +5784,10 @@
                     <a:lstStyle/>
                     <a:p>
                       <a:pPr defTabSz="457200">
-                        <a:defRPr>
-                          <a:solidFill>
-                            <a:srgbClr val="000000"/>
-                          </a:solidFill>
-                        </a:defRPr>
+                        <a:defRPr sz="1600"/>
                       </a:pPr>
                       <a:r>
-                        <a:rPr sz="1600">
-                          <a:solidFill>
-                            <a:srgbClr val="5A5950"/>
-                          </a:solidFill>
-                        </a:rPr>
-                        <a:t>Displays a record if the condition(s) is NOT TRUE
-</a:t>
+                        <a:t>Displays a record if the condition(s) is NOT TRUE</a:t>
                       </a:r>
                     </a:p>
                   </a:txBody>
@@ -5577,292 +5907,6 @@
 </p:sld>
 </file>
 
-<file path=ppt/slides/slide17.xml><?xml version="1.0" encoding="utf-8"?>
-<p:sld xmlns:a="http://schemas.openxmlformats.org/drawingml/2006/main" xmlns:r="http://schemas.openxmlformats.org/officeDocument/2006/relationships" xmlns:p="http://schemas.openxmlformats.org/presentationml/2006/main" xmlns:m="http://schemas.openxmlformats.org/officeDocument/2006/math" xmlns:a14="http://schemas.microsoft.com/office/drawing/2010/main" showMasterSp="1" showMasterPhAnim="1">
-  <p:cSld>
-    <p:spTree>
-      <p:nvGrpSpPr>
-        <p:cNvPr id="1" name=""/>
-        <p:cNvGrpSpPr/>
-        <p:nvPr/>
-      </p:nvGrpSpPr>
-      <p:grpSpPr>
-        <a:xfrm>
-          <a:off x="0" y="0"/>
-          <a:ext cx="0" cy="0"/>
-          <a:chOff x="0" y="0"/>
-          <a:chExt cx="0" cy="0"/>
-        </a:xfrm>
-      </p:grpSpPr>
-      <p:sp>
-        <p:nvSpPr>
-          <p:cNvPr id="191" name="Demo"/>
-          <p:cNvSpPr txBox="1"/>
-          <p:nvPr>
-            <p:ph type="ctrTitle"/>
-          </p:nvPr>
-        </p:nvSpPr>
-        <p:spPr>
-          <a:prstGeom prst="rect">
-            <a:avLst/>
-          </a:prstGeom>
-        </p:spPr>
-        <p:txBody>
-          <a:bodyPr/>
-          <a:lstStyle/>
-          <a:p>
-            <a:pPr/>
-            <a:r>
-              <a:t>Demo</a:t>
-            </a:r>
-          </a:p>
-        </p:txBody>
-      </p:sp>
-      <p:sp>
-        <p:nvSpPr>
-          <p:cNvPr id="192" name="SQL Operators"/>
-          <p:cNvSpPr txBox="1"/>
-          <p:nvPr>
-            <p:ph type="subTitle" sz="quarter" idx="1"/>
-          </p:nvPr>
-        </p:nvSpPr>
-        <p:spPr>
-          <a:prstGeom prst="rect">
-            <a:avLst/>
-          </a:prstGeom>
-        </p:spPr>
-        <p:txBody>
-          <a:bodyPr/>
-          <a:lstStyle/>
-          <a:p>
-            <a:pPr/>
-            <a:r>
-              <a:t>SQL Operators</a:t>
-            </a:r>
-          </a:p>
-        </p:txBody>
-      </p:sp>
-      <p:sp>
-        <p:nvSpPr>
-          <p:cNvPr id="193" name="Slide Number"/>
-          <p:cNvSpPr txBox="1"/>
-          <p:nvPr>
-            <p:ph type="sldNum" sz="quarter" idx="2"/>
-          </p:nvPr>
-        </p:nvSpPr>
-        <p:spPr>
-          <a:prstGeom prst="rect">
-            <a:avLst/>
-          </a:prstGeom>
-          <a:extLst>
-            <a:ext uri="{C572A759-6A51-4108-AA02-DFA0A04FC94B}">
-              <ma14:wrappingTextBoxFlag xmlns:ma14="http://schemas.microsoft.com/office/mac/drawingml/2011/main" val="1"/>
-            </a:ext>
-          </a:extLst>
-        </p:spPr>
-        <p:txBody>
-          <a:bodyPr/>
-          <a:lstStyle/>
-          <a:p>
-            <a:pPr/>
-            <a:fld id="{86CB4B4D-7CA3-9044-876B-883B54F8677D}" type="slidenum"/>
-          </a:p>
-        </p:txBody>
-      </p:sp>
-    </p:spTree>
-  </p:cSld>
-  <p:clrMapOvr>
-    <a:masterClrMapping/>
-  </p:clrMapOvr>
-  <p:transition xmlns:p14="http://schemas.microsoft.com/office/powerpoint/2010/main" spd="med" advClick="1"/>
-</p:sld>
-</file>
-
-<file path=ppt/slides/slide18.xml><?xml version="1.0" encoding="utf-8"?>
-<p:sld xmlns:a="http://schemas.openxmlformats.org/drawingml/2006/main" xmlns:r="http://schemas.openxmlformats.org/officeDocument/2006/relationships" xmlns:p="http://schemas.openxmlformats.org/presentationml/2006/main" xmlns:m="http://schemas.openxmlformats.org/officeDocument/2006/math" xmlns:a14="http://schemas.microsoft.com/office/drawing/2010/main" showMasterSp="1" showMasterPhAnim="1">
-  <p:cSld>
-    <p:spTree>
-      <p:nvGrpSpPr>
-        <p:cNvPr id="1" name=""/>
-        <p:cNvGrpSpPr/>
-        <p:nvPr/>
-      </p:nvGrpSpPr>
-      <p:grpSpPr>
-        <a:xfrm>
-          <a:off x="0" y="0"/>
-          <a:ext cx="0" cy="0"/>
-          <a:chOff x="0" y="0"/>
-          <a:chExt cx="0" cy="0"/>
-        </a:xfrm>
-      </p:grpSpPr>
-      <p:pic>
-        <p:nvPicPr>
-          <p:cNvPr id="195" name="Screen Shot 2021-04-06 at 8.45.47 PM.png" descr="Screen Shot 2021-04-06 at 8.45.47 PM.png"/>
-          <p:cNvPicPr>
-            <a:picLocks noChangeAspect="0"/>
-          </p:cNvPicPr>
-          <p:nvPr>
-            <p:ph type="pic" idx="13"/>
-          </p:nvPr>
-        </p:nvPicPr>
-        <p:blipFill>
-          <a:blip r:embed="rId2">
-            <a:extLst/>
-          </a:blip>
-          <a:stretch>
-            <a:fillRect/>
-          </a:stretch>
-        </p:blipFill>
-        <p:spPr>
-          <a:xfrm>
-            <a:off x="6844665" y="1843791"/>
-            <a:ext cx="5436869" cy="7073048"/>
-          </a:xfrm>
-          <a:prstGeom prst="rect">
-            <a:avLst/>
-          </a:prstGeom>
-        </p:spPr>
-      </p:pic>
-      <p:sp>
-        <p:nvSpPr>
-          <p:cNvPr id="196" name="Stored Procedures"/>
-          <p:cNvSpPr txBox="1"/>
-          <p:nvPr>
-            <p:ph type="title"/>
-          </p:nvPr>
-        </p:nvSpPr>
-        <p:spPr>
-          <a:prstGeom prst="rect">
-            <a:avLst/>
-          </a:prstGeom>
-        </p:spPr>
-        <p:txBody>
-          <a:bodyPr/>
-          <a:lstStyle>
-            <a:lvl1pPr marL="827919" indent="-827919">
-              <a:buSzPct val="80000"/>
-              <a:buFont typeface="Helvetica Light"/>
-              <a:buChar char="•"/>
-            </a:lvl1pPr>
-          </a:lstStyle>
-          <a:p>
-            <a:pPr/>
-            <a:r>
-              <a:t>Stored Procedures</a:t>
-            </a:r>
-          </a:p>
-        </p:txBody>
-      </p:sp>
-      <p:sp>
-        <p:nvSpPr>
-          <p:cNvPr id="197" name="A Stored procedure is a group of SQL statements that has been created and stored in the database.…"/>
-          <p:cNvSpPr txBox="1"/>
-          <p:nvPr>
-            <p:ph type="body" sz="half" idx="1"/>
-          </p:nvPr>
-        </p:nvSpPr>
-        <p:spPr>
-          <a:prstGeom prst="rect">
-            <a:avLst/>
-          </a:prstGeom>
-        </p:spPr>
-        <p:txBody>
-          <a:bodyPr/>
-          <a:lstStyle/>
-          <a:p>
-            <a:pPr marL="311476" indent="-311476" algn="just" defTabSz="508254">
-              <a:spcBef>
-                <a:spcPts val="3400"/>
-              </a:spcBef>
-              <a:buSzPct val="80000"/>
-              <a:buFont typeface="Helvetica Light"/>
-              <a:buChar char="•"/>
-              <a:defRPr sz="2784"/>
-            </a:pPr>
-            <a:r>
-              <a:t>A Stored procedure is a group of SQL statements that has been created and stored in the database.</a:t>
-            </a:r>
-          </a:p>
-          <a:p>
-            <a:pPr marL="311476" indent="-311476" algn="just" defTabSz="508254">
-              <a:spcBef>
-                <a:spcPts val="3400"/>
-              </a:spcBef>
-              <a:buSzPct val="80000"/>
-              <a:buFont typeface="Helvetica Light"/>
-              <a:buChar char="•"/>
-              <a:defRPr sz="2784"/>
-            </a:pPr>
-            <a:r>
-              <a:t>It will accept input parameters so that a single procedure can be used over the network by several clients using different input data.</a:t>
-            </a:r>
-          </a:p>
-          <a:p>
-            <a:pPr marL="311476" indent="-311476" algn="just" defTabSz="508254">
-              <a:spcBef>
-                <a:spcPts val="3400"/>
-              </a:spcBef>
-              <a:buSzPct val="80000"/>
-              <a:buFont typeface="Helvetica Light"/>
-              <a:buChar char="•"/>
-              <a:defRPr sz="2784"/>
-            </a:pPr>
-            <a:r>
-              <a:t>It will reduce network traffic and increase the performance.</a:t>
-            </a:r>
-          </a:p>
-          <a:p>
-            <a:pPr marL="311476" indent="-311476" algn="just" defTabSz="508254">
-              <a:spcBef>
-                <a:spcPts val="3400"/>
-              </a:spcBef>
-              <a:buSzPct val="80000"/>
-              <a:buFont typeface="Helvetica Light"/>
-              <a:buChar char="•"/>
-              <a:defRPr sz="2784"/>
-            </a:pPr>
-            <a:r>
-              <a:t>If we modify a stored procedure all the clients will get the updated stored procedure</a:t>
-            </a:r>
-          </a:p>
-        </p:txBody>
-      </p:sp>
-      <p:sp>
-        <p:nvSpPr>
-          <p:cNvPr id="198" name="Slide Number"/>
-          <p:cNvSpPr txBox="1"/>
-          <p:nvPr>
-            <p:ph type="sldNum" sz="quarter" idx="2"/>
-          </p:nvPr>
-        </p:nvSpPr>
-        <p:spPr>
-          <a:prstGeom prst="rect">
-            <a:avLst/>
-          </a:prstGeom>
-          <a:extLst>
-            <a:ext uri="{C572A759-6A51-4108-AA02-DFA0A04FC94B}">
-              <ma14:wrappingTextBoxFlag xmlns:ma14="http://schemas.microsoft.com/office/mac/drawingml/2011/main" val="1"/>
-            </a:ext>
-          </a:extLst>
-        </p:spPr>
-        <p:txBody>
-          <a:bodyPr/>
-          <a:lstStyle/>
-          <a:p>
-            <a:pPr/>
-            <a:fld id="{86CB4B4D-7CA3-9044-876B-883B54F8677D}" type="slidenum"/>
-          </a:p>
-        </p:txBody>
-      </p:sp>
-    </p:spTree>
-  </p:cSld>
-  <p:clrMapOvr>
-    <a:masterClrMapping/>
-  </p:clrMapOvr>
-  <p:transition xmlns:p14="http://schemas.microsoft.com/office/powerpoint/2010/main" spd="med" advClick="1"/>
-</p:sld>
-</file>
-
 <file path=ppt/slides/slide19.xml><?xml version="1.0" encoding="utf-8"?>
 <p:sld xmlns:a="http://schemas.openxmlformats.org/drawingml/2006/main" xmlns:r="http://schemas.openxmlformats.org/officeDocument/2006/relationships" xmlns:p="http://schemas.openxmlformats.org/presentationml/2006/main" xmlns:m="http://schemas.openxmlformats.org/officeDocument/2006/math" xmlns:a14="http://schemas.microsoft.com/office/drawing/2010/main" showMasterSp="1" showMasterPhAnim="1">
   <p:cSld>
@@ -5882,46 +5926,10 @@
       </p:grpSpPr>
       <p:sp>
         <p:nvSpPr>
-          <p:cNvPr id="200" name="Advantages of using Stored Procedures"/>
-          <p:cNvSpPr txBox="1"/>
-          <p:nvPr>
-            <p:ph type="title"/>
-          </p:nvPr>
-        </p:nvSpPr>
-        <p:spPr>
-          <a:prstGeom prst="rect">
-            <a:avLst/>
-          </a:prstGeom>
-        </p:spPr>
-        <p:txBody>
-          <a:bodyPr/>
-          <a:lstStyle>
-            <a:lvl1pPr defTabSz="443991">
-              <a:defRPr sz="5624">
-                <a:effectLst>
-                  <a:outerShdw sx="100000" sy="100000" kx="0" ky="0" algn="b" rotWithShape="0" blurRad="19304" dist="19304" dir="15900000">
-                    <a:srgbClr val="595650">
-                      <a:alpha val="33000"/>
-                    </a:srgbClr>
-                  </a:outerShdw>
-                </a:effectLst>
-              </a:defRPr>
-            </a:lvl1pPr>
-          </a:lstStyle>
-          <a:p>
-            <a:pPr/>
-            <a:r>
-              <a:t>Advantages of using Stored Procedures</a:t>
-            </a:r>
-          </a:p>
-        </p:txBody>
-      </p:sp>
-      <p:sp>
-        <p:nvSpPr>
-          <p:cNvPr id="201" name="Enables modular programming…"/>
-          <p:cNvSpPr txBox="1"/>
-          <p:nvPr>
-            <p:ph type="body" idx="1"/>
+          <p:cNvPr id="199" name="Demo"/>
+          <p:cNvSpPr txBox="1"/>
+          <p:nvPr>
+            <p:ph type="ctrTitle"/>
           </p:nvPr>
         </p:nvSpPr>
         <p:spPr>
@@ -5933,86 +5941,50 @@
           <a:bodyPr/>
           <a:lstStyle/>
           <a:p>
-            <a:pPr marL="375920" indent="-375920" defTabSz="467359">
-              <a:spcBef>
-                <a:spcPts val="3300"/>
-              </a:spcBef>
-              <a:buSzPct val="80000"/>
-              <a:buFont typeface="Helvetica Light"/>
-              <a:buChar char="•"/>
-              <a:defRPr sz="3360"/>
-            </a:pPr>
-            <a:r>
-              <a:t>Enables modular programming</a:t>
-            </a:r>
-          </a:p>
-          <a:p>
-            <a:pPr marL="375920" indent="-375920" defTabSz="467359">
-              <a:spcBef>
-                <a:spcPts val="3300"/>
-              </a:spcBef>
-              <a:buSzPct val="80000"/>
-              <a:buFont typeface="Helvetica Light"/>
-              <a:buChar char="•"/>
-              <a:defRPr sz="3360"/>
-            </a:pPr>
-            <a:r>
-              <a:t>Allows faster execution</a:t>
-            </a:r>
-          </a:p>
-          <a:p>
-            <a:pPr marL="375920" indent="-375920" defTabSz="467359">
-              <a:spcBef>
-                <a:spcPts val="3300"/>
-              </a:spcBef>
-              <a:buSzPct val="80000"/>
-              <a:buFont typeface="Helvetica Light"/>
-              <a:buChar char="•"/>
-              <a:defRPr sz="3360"/>
-            </a:pPr>
-            <a:r>
-              <a:t>Reduce network traffic</a:t>
-            </a:r>
-          </a:p>
-          <a:p>
-            <a:pPr marL="375920" indent="-375920" defTabSz="467359">
-              <a:spcBef>
-                <a:spcPts val="3300"/>
-              </a:spcBef>
-              <a:buSzPct val="80000"/>
-              <a:buFont typeface="Helvetica Light"/>
-              <a:buChar char="•"/>
-              <a:defRPr sz="3360"/>
-            </a:pPr>
-            <a:r>
-              <a:t>Provides better security to your data</a:t>
-            </a:r>
-          </a:p>
-          <a:p>
-            <a:pPr marL="375920" indent="-375920" defTabSz="467359">
-              <a:spcBef>
-                <a:spcPts val="3300"/>
-              </a:spcBef>
-              <a:buSzPct val="80000"/>
-              <a:buFont typeface="Helvetica Light"/>
-              <a:buChar char="•"/>
-              <a:defRPr sz="3360"/>
-            </a:pPr>
-            <a:r>
-              <a:t>https://stackoverflow.com/questions/459457/what-is-a-stored-procedure#:~:text=A%20stored%20procedure%20is%20a%20group%20of%20SQL%20statements%20that,clients%20using%20different%20input%20data.</a:t>
-            </a:r>
-          </a:p>
-        </p:txBody>
-      </p:sp>
-      <p:sp>
-        <p:nvSpPr>
-          <p:cNvPr id="202" name="Slide Number"/>
-          <p:cNvSpPr txBox="1"/>
-          <p:nvPr>
-            <p:ph type="sldNum" sz="quarter" idx="2"/>
-          </p:nvPr>
-        </p:nvSpPr>
-        <p:spPr>
+            <a:pPr/>
+            <a:r>
+              <a:t>Demo</a:t>
+            </a:r>
+          </a:p>
+        </p:txBody>
+      </p:sp>
+      <p:sp>
+        <p:nvSpPr>
+          <p:cNvPr id="200" name="SQL Operators"/>
+          <p:cNvSpPr txBox="1"/>
+          <p:nvPr>
+            <p:ph type="subTitle" sz="quarter" idx="1"/>
+          </p:nvPr>
+        </p:nvSpPr>
+        <p:spPr>
+          <a:prstGeom prst="rect">
+            <a:avLst/>
+          </a:prstGeom>
+        </p:spPr>
+        <p:txBody>
+          <a:bodyPr/>
+          <a:lstStyle/>
+          <a:p>
+            <a:pPr/>
+            <a:r>
+              <a:t>SQL Operators</a:t>
+            </a:r>
+          </a:p>
+        </p:txBody>
+      </p:sp>
+      <p:sp>
+        <p:nvSpPr>
+          <p:cNvPr id="201" name="Slide Number"/>
+          <p:cNvSpPr txBox="1"/>
+          <p:nvPr>
+            <p:ph type="sldNum" sz="quarter" idx="4294967295"/>
+          </p:nvPr>
+        </p:nvSpPr>
+        <p:spPr>
+          <a:xfrm>
+            <a:off x="6565899" y="9029699"/>
+            <a:ext cx="342901" cy="355601"/>
+          </a:xfrm>
           <a:prstGeom prst="rect">
             <a:avLst/>
           </a:prstGeom>
@@ -6023,7 +5995,7 @@
           </a:extLst>
         </p:spPr>
         <p:txBody>
-          <a:bodyPr/>
+          <a:bodyPr anchor="ctr"/>
           <a:lstStyle/>
           <a:p>
             <a:pPr/>
@@ -6099,8 +6071,8 @@
         </p:blipFill>
         <p:spPr>
           <a:xfrm>
-            <a:off x="5470028" y="2762795"/>
-            <a:ext cx="3052482" cy="3052482"/>
+            <a:off x="5470028" y="2762794"/>
+            <a:ext cx="3052483" cy="3052484"/>
           </a:xfrm>
           <a:prstGeom prst="rect">
             <a:avLst/>
@@ -6128,8 +6100,8 @@
         </p:blipFill>
         <p:spPr>
           <a:xfrm>
-            <a:off x="728505" y="2786834"/>
-            <a:ext cx="4720279" cy="5678532"/>
+            <a:off x="728504" y="2786833"/>
+            <a:ext cx="4720280" cy="5678534"/>
           </a:xfrm>
           <a:prstGeom prst="rect">
             <a:avLst/>
@@ -6158,7 +6130,7 @@
         <p:spPr>
           <a:xfrm>
             <a:off x="5535429" y="5738100"/>
-            <a:ext cx="2870880" cy="2870880"/>
+            <a:ext cx="2870881" cy="2870881"/>
           </a:xfrm>
           <a:prstGeom prst="rect">
             <a:avLst/>
@@ -6186,8 +6158,8 @@
         </p:blipFill>
         <p:spPr>
           <a:xfrm>
-            <a:off x="8492954" y="5592252"/>
-            <a:ext cx="3903771" cy="2883177"/>
+            <a:off x="8492953" y="5592252"/>
+            <a:ext cx="3903772" cy="2883177"/>
           </a:xfrm>
           <a:prstGeom prst="rect">
             <a:avLst/>
@@ -6215,8 +6187,8 @@
         </p:blipFill>
         <p:spPr>
           <a:xfrm>
-            <a:off x="8492954" y="2805303"/>
-            <a:ext cx="3903771" cy="3150253"/>
+            <a:off x="8492953" y="2805302"/>
+            <a:ext cx="3903772" cy="3150255"/>
           </a:xfrm>
           <a:prstGeom prst="rect">
             <a:avLst/>
@@ -6231,12 +6203,12 @@
           <p:cNvPr id="131" name="Slide Number"/>
           <p:cNvSpPr txBox="1"/>
           <p:nvPr>
-            <p:ph type="sldNum" sz="quarter" idx="2"/>
+            <p:ph type="sldNum" sz="quarter" idx="4294967295"/>
           </p:nvPr>
         </p:nvSpPr>
         <p:spPr>
           <a:xfrm>
-            <a:off x="6381749" y="9016999"/>
+            <a:off x="6381748" y="9016999"/>
             <a:ext cx="228601" cy="355601"/>
           </a:xfrm>
           <a:prstGeom prst="rect">
@@ -6283,12 +6255,70 @@
           <a:chExt cx="0" cy="0"/>
         </a:xfrm>
       </p:grpSpPr>
-      <p:sp>
-        <p:nvSpPr>
-          <p:cNvPr id="204" name="Demo"/>
-          <p:cNvSpPr txBox="1"/>
-          <p:nvPr>
-            <p:ph type="ctrTitle"/>
+      <p:pic>
+        <p:nvPicPr>
+          <p:cNvPr id="203" name="Screen Shot 2021-04-06 at 8.45.47 PM.png" descr="Screen Shot 2021-04-06 at 8.45.47 PM.png"/>
+          <p:cNvPicPr>
+            <a:picLocks noChangeAspect="1"/>
+          </p:cNvPicPr>
+          <p:nvPr>
+            <p:ph type="pic" idx="13"/>
+          </p:nvPr>
+        </p:nvPicPr>
+        <p:blipFill>
+          <a:blip r:embed="rId2">
+            <a:extLst/>
+          </a:blip>
+          <a:stretch>
+            <a:fillRect/>
+          </a:stretch>
+        </p:blipFill>
+        <p:spPr>
+          <a:xfrm>
+            <a:off x="6844665" y="1843790"/>
+            <a:ext cx="5436870" cy="7073050"/>
+          </a:xfrm>
+          <a:prstGeom prst="rect">
+            <a:avLst/>
+          </a:prstGeom>
+        </p:spPr>
+      </p:pic>
+      <p:sp>
+        <p:nvSpPr>
+          <p:cNvPr id="204" name="Stored Procedures"/>
+          <p:cNvSpPr txBox="1"/>
+          <p:nvPr>
+            <p:ph type="title"/>
+          </p:nvPr>
+        </p:nvSpPr>
+        <p:spPr>
+          <a:prstGeom prst="rect">
+            <a:avLst/>
+          </a:prstGeom>
+        </p:spPr>
+        <p:txBody>
+          <a:bodyPr/>
+          <a:lstStyle>
+            <a:lvl1pPr marL="827919" indent="-827919">
+              <a:buSzPct val="80000"/>
+              <a:buFont typeface="Helvetica Light"/>
+              <a:buChar char="•"/>
+            </a:lvl1pPr>
+          </a:lstStyle>
+          <a:p>
+            <a:pPr/>
+            <a:r>
+              <a:t>Stored Procedures</a:t>
+            </a:r>
+          </a:p>
+        </p:txBody>
+      </p:sp>
+      <p:sp>
+        <p:nvSpPr>
+          <p:cNvPr id="205" name="A Stored procedure is a group of SQL statements that has been created and stored in the database.…"/>
+          <p:cNvSpPr txBox="1"/>
+          <p:nvPr>
+            <p:ph type="body" sz="half" idx="1"/>
           </p:nvPr>
         </p:nvSpPr>
         <p:spPr>
@@ -6300,33 +6330,59 @@
           <a:bodyPr/>
           <a:lstStyle/>
           <a:p>
-            <a:pPr/>
-            <a:r>
-              <a:t>Demo</a:t>
-            </a:r>
-          </a:p>
-        </p:txBody>
-      </p:sp>
-      <p:sp>
-        <p:nvSpPr>
-          <p:cNvPr id="205" name="Stored Procedure"/>
-          <p:cNvSpPr txBox="1"/>
-          <p:nvPr>
-            <p:ph type="subTitle" sz="quarter" idx="1"/>
-          </p:nvPr>
-        </p:nvSpPr>
-        <p:spPr>
-          <a:prstGeom prst="rect">
-            <a:avLst/>
-          </a:prstGeom>
-        </p:spPr>
-        <p:txBody>
-          <a:bodyPr/>
-          <a:lstStyle/>
-          <a:p>
-            <a:pPr/>
-            <a:r>
-              <a:t>Stored Procedure</a:t>
+            <a:pPr marL="311475" indent="-311475" algn="just" defTabSz="508254">
+              <a:spcBef>
+                <a:spcPts val="3400"/>
+              </a:spcBef>
+              <a:buSzPct val="80000"/>
+              <a:buFont typeface="Helvetica Light"/>
+              <a:buChar char="•"/>
+              <a:defRPr sz="2700"/>
+            </a:pPr>
+            <a:r>
+              <a:t>A Stored procedure is a group of SQL statements that has been created and stored in the database.</a:t>
+            </a:r>
+          </a:p>
+          <a:p>
+            <a:pPr marL="311475" indent="-311475" algn="just" defTabSz="508254">
+              <a:spcBef>
+                <a:spcPts val="3400"/>
+              </a:spcBef>
+              <a:buSzPct val="80000"/>
+              <a:buFont typeface="Helvetica Light"/>
+              <a:buChar char="•"/>
+              <a:defRPr sz="2700"/>
+            </a:pPr>
+            <a:r>
+              <a:t>It will accept input parameters so that a single procedure can be used over the network by several clients using different input data.</a:t>
+            </a:r>
+          </a:p>
+          <a:p>
+            <a:pPr marL="311475" indent="-311475" algn="just" defTabSz="508254">
+              <a:spcBef>
+                <a:spcPts val="3400"/>
+              </a:spcBef>
+              <a:buSzPct val="80000"/>
+              <a:buFont typeface="Helvetica Light"/>
+              <a:buChar char="•"/>
+              <a:defRPr sz="2700"/>
+            </a:pPr>
+            <a:r>
+              <a:t>It will reduce network traffic and increase the performance.</a:t>
+            </a:r>
+          </a:p>
+          <a:p>
+            <a:pPr marL="311475" indent="-311475" algn="just" defTabSz="508254">
+              <a:spcBef>
+                <a:spcPts val="3400"/>
+              </a:spcBef>
+              <a:buSzPct val="80000"/>
+              <a:buFont typeface="Helvetica Light"/>
+              <a:buChar char="•"/>
+              <a:defRPr sz="2700"/>
+            </a:pPr>
+            <a:r>
+              <a:t>If we modify a stored procedure all the clients will get the updated stored procedure</a:t>
             </a:r>
           </a:p>
         </p:txBody>
@@ -6336,10 +6392,14 @@
           <p:cNvPr id="206" name="Slide Number"/>
           <p:cNvSpPr txBox="1"/>
           <p:nvPr>
-            <p:ph type="sldNum" sz="quarter" idx="2"/>
-          </p:nvPr>
-        </p:nvSpPr>
-        <p:spPr>
+            <p:ph type="sldNum" sz="quarter" idx="4294967295"/>
+          </p:nvPr>
+        </p:nvSpPr>
+        <p:spPr>
+          <a:xfrm>
+            <a:off x="6324598" y="9016999"/>
+            <a:ext cx="342901" cy="355601"/>
+          </a:xfrm>
           <a:prstGeom prst="rect">
             <a:avLst/>
           </a:prstGeom>
@@ -6386,10 +6446,46 @@
       </p:grpSpPr>
       <p:sp>
         <p:nvSpPr>
-          <p:cNvPr id="208" name="SQL Server String Functions"/>
+          <p:cNvPr id="208" name="Advantages of using Stored Procedures"/>
           <p:cNvSpPr txBox="1"/>
           <p:nvPr>
             <p:ph type="title"/>
+          </p:nvPr>
+        </p:nvSpPr>
+        <p:spPr>
+          <a:prstGeom prst="rect">
+            <a:avLst/>
+          </a:prstGeom>
+        </p:spPr>
+        <p:txBody>
+          <a:bodyPr/>
+          <a:lstStyle>
+            <a:lvl1pPr defTabSz="443991">
+              <a:defRPr sz="5600">
+                <a:effectLst>
+                  <a:outerShdw sx="100000" sy="100000" kx="0" ky="0" algn="b" rotWithShape="0" blurRad="25400" dist="19304" dir="15900000">
+                    <a:srgbClr val="595650">
+                      <a:alpha val="33000"/>
+                    </a:srgbClr>
+                  </a:outerShdw>
+                </a:effectLst>
+              </a:defRPr>
+            </a:lvl1pPr>
+          </a:lstStyle>
+          <a:p>
+            <a:pPr/>
+            <a:r>
+              <a:t>Advantages of using Stored Procedures</a:t>
+            </a:r>
+          </a:p>
+        </p:txBody>
+      </p:sp>
+      <p:sp>
+        <p:nvSpPr>
+          <p:cNvPr id="209" name="Enables modular programming…"/>
+          <p:cNvSpPr txBox="1"/>
+          <p:nvPr>
+            <p:ph type="body" idx="1"/>
           </p:nvPr>
         </p:nvSpPr>
         <p:spPr>
@@ -6401,243 +6497,59 @@
           <a:bodyPr/>
           <a:lstStyle/>
           <a:p>
-            <a:pPr/>
-            <a:r>
-              <a:t>SQL Server String Functions</a:t>
-            </a:r>
-          </a:p>
-        </p:txBody>
-      </p:sp>
-      <p:sp>
-        <p:nvSpPr>
-          <p:cNvPr id="209" name="CONCAT…"/>
-          <p:cNvSpPr txBox="1"/>
-          <p:nvPr>
-            <p:ph type="body" idx="1"/>
-          </p:nvPr>
-        </p:nvSpPr>
-        <p:spPr>
-          <a:prstGeom prst="rect">
-            <a:avLst/>
-          </a:prstGeom>
-        </p:spPr>
-        <p:txBody>
-          <a:bodyPr/>
-          <a:lstStyle/>
-          <a:p>
-            <a:pPr lvl="1" marL="570592" indent="-100692">
+            <a:pPr marL="375920" indent="-375920" defTabSz="467359">
               <a:spcBef>
-                <a:spcPts val="700"/>
+                <a:spcPts val="3300"/>
               </a:spcBef>
               <a:buSzPct val="80000"/>
               <a:buFont typeface="Helvetica Light"/>
               <a:buChar char="•"/>
-              <a:defRPr b="1" sz="2500">
-                <a:solidFill>
-                  <a:srgbClr val="000000"/>
-                </a:solidFill>
-              </a:defRPr>
+              <a:defRPr sz="3300"/>
             </a:pPr>
             <a:r>
-              <a:t>CONCAT</a:t>
-            </a:r>
-          </a:p>
-          <a:p>
-            <a:pPr lvl="1" marL="570592" indent="-100692">
+              <a:t>Enables modular programming</a:t>
+            </a:r>
+          </a:p>
+          <a:p>
+            <a:pPr marL="375920" indent="-375920" defTabSz="467359">
               <a:spcBef>
-                <a:spcPts val="700"/>
+                <a:spcPts val="3300"/>
               </a:spcBef>
               <a:buSzPct val="80000"/>
               <a:buFont typeface="Helvetica Light"/>
               <a:buChar char="•"/>
-              <a:defRPr b="1" sz="2500">
-                <a:solidFill>
-                  <a:srgbClr val="000000"/>
-                </a:solidFill>
-              </a:defRPr>
+              <a:defRPr sz="3300"/>
             </a:pPr>
             <a:r>
-              <a:t>CONCAT_WS</a:t>
-            </a:r>
-          </a:p>
-          <a:p>
-            <a:pPr lvl="1" marL="570592" indent="-100692">
+              <a:t>Allows faster execution</a:t>
+            </a:r>
+          </a:p>
+          <a:p>
+            <a:pPr marL="375920" indent="-375920" defTabSz="467359">
               <a:spcBef>
-                <a:spcPts val="700"/>
+                <a:spcPts val="3300"/>
               </a:spcBef>
               <a:buSzPct val="80000"/>
               <a:buFont typeface="Helvetica Light"/>
               <a:buChar char="•"/>
-              <a:defRPr b="1" sz="2500">
-                <a:solidFill>
-                  <a:srgbClr val="000000"/>
-                </a:solidFill>
-              </a:defRPr>
+              <a:defRPr sz="3300"/>
             </a:pPr>
             <a:r>
-              <a:t>FORMAT</a:t>
-            </a:r>
-          </a:p>
-          <a:p>
-            <a:pPr lvl="1" marL="570592" indent="-100692">
+              <a:t>Reduce network traffic</a:t>
+            </a:r>
+          </a:p>
+          <a:p>
+            <a:pPr marL="375920" indent="-375920" defTabSz="467359">
               <a:spcBef>
-                <a:spcPts val="700"/>
+                <a:spcPts val="3300"/>
               </a:spcBef>
               <a:buSzPct val="80000"/>
               <a:buFont typeface="Helvetica Light"/>
               <a:buChar char="•"/>
-              <a:defRPr b="1" sz="2500">
-                <a:solidFill>
-                  <a:srgbClr val="000000"/>
-                </a:solidFill>
-              </a:defRPr>
+              <a:defRPr sz="3300"/>
             </a:pPr>
             <a:r>
-              <a:t>LEFT</a:t>
-            </a:r>
-          </a:p>
-          <a:p>
-            <a:pPr lvl="1" marL="570592" indent="-100692">
-              <a:spcBef>
-                <a:spcPts val="700"/>
-              </a:spcBef>
-              <a:buSzPct val="80000"/>
-              <a:buFont typeface="Helvetica Light"/>
-              <a:buChar char="•"/>
-              <a:defRPr b="1" sz="2500">
-                <a:solidFill>
-                  <a:srgbClr val="000000"/>
-                </a:solidFill>
-              </a:defRPr>
-            </a:pPr>
-            <a:r>
-              <a:t>LEN</a:t>
-            </a:r>
-          </a:p>
-          <a:p>
-            <a:pPr lvl="1" marL="570592" indent="-100692">
-              <a:spcBef>
-                <a:spcPts val="700"/>
-              </a:spcBef>
-              <a:buSzPct val="80000"/>
-              <a:buFont typeface="Helvetica Light"/>
-              <a:buChar char="•"/>
-              <a:defRPr b="1" sz="2500">
-                <a:solidFill>
-                  <a:srgbClr val="000000"/>
-                </a:solidFill>
-              </a:defRPr>
-            </a:pPr>
-            <a:r>
-              <a:t>LOWER</a:t>
-            </a:r>
-          </a:p>
-          <a:p>
-            <a:pPr lvl="1" marL="570592" indent="-100692">
-              <a:spcBef>
-                <a:spcPts val="700"/>
-              </a:spcBef>
-              <a:buSzPct val="80000"/>
-              <a:buFont typeface="Helvetica Light"/>
-              <a:buChar char="•"/>
-              <a:defRPr b="1" sz="2500">
-                <a:solidFill>
-                  <a:srgbClr val="000000"/>
-                </a:solidFill>
-              </a:defRPr>
-            </a:pPr>
-            <a:r>
-              <a:t>LTRIM</a:t>
-            </a:r>
-          </a:p>
-          <a:p>
-            <a:pPr lvl="1" marL="570592" indent="-100692">
-              <a:spcBef>
-                <a:spcPts val="700"/>
-              </a:spcBef>
-              <a:buSzPct val="80000"/>
-              <a:buFont typeface="Helvetica Light"/>
-              <a:buChar char="•"/>
-              <a:defRPr b="1" sz="2500">
-                <a:solidFill>
-                  <a:srgbClr val="000000"/>
-                </a:solidFill>
-              </a:defRPr>
-            </a:pPr>
-            <a:r>
-              <a:t>RIGHT</a:t>
-            </a:r>
-          </a:p>
-          <a:p>
-            <a:pPr lvl="1" marL="570592" indent="-100692">
-              <a:spcBef>
-                <a:spcPts val="700"/>
-              </a:spcBef>
-              <a:buSzPct val="80000"/>
-              <a:buFont typeface="Helvetica Light"/>
-              <a:buChar char="•"/>
-              <a:defRPr b="1" sz="2500">
-                <a:solidFill>
-                  <a:srgbClr val="000000"/>
-                </a:solidFill>
-              </a:defRPr>
-            </a:pPr>
-            <a:r>
-              <a:t>RTRIM</a:t>
-            </a:r>
-          </a:p>
-          <a:p>
-            <a:pPr lvl="1" marL="570592" indent="-100692">
-              <a:spcBef>
-                <a:spcPts val="700"/>
-              </a:spcBef>
-              <a:buSzPct val="80000"/>
-              <a:buFont typeface="Helvetica Light"/>
-              <a:buChar char="•"/>
-              <a:defRPr b="1" sz="2500">
-                <a:solidFill>
-                  <a:srgbClr val="000000"/>
-                </a:solidFill>
-              </a:defRPr>
-            </a:pPr>
-            <a:r>
-              <a:t>SUBSTRING</a:t>
-            </a:r>
-          </a:p>
-          <a:p>
-            <a:pPr lvl="1" marL="570592" indent="-100692">
-              <a:spcBef>
-                <a:spcPts val="700"/>
-              </a:spcBef>
-              <a:buSzPct val="80000"/>
-              <a:buFont typeface="Helvetica Light"/>
-              <a:buChar char="•"/>
-              <a:defRPr b="1" sz="2500">
-                <a:solidFill>
-                  <a:srgbClr val="000000"/>
-                </a:solidFill>
-              </a:defRPr>
-            </a:pPr>
-            <a:r>
-              <a:t>TRIM</a:t>
-            </a:r>
-          </a:p>
-          <a:p>
-            <a:pPr lvl="1" marL="570592" indent="-100692">
-              <a:spcBef>
-                <a:spcPts val="700"/>
-              </a:spcBef>
-              <a:buSzPct val="80000"/>
-              <a:buFont typeface="Helvetica Light"/>
-              <a:buChar char="•"/>
-              <a:defRPr b="1" sz="2500">
-                <a:solidFill>
-                  <a:srgbClr val="000000"/>
-                </a:solidFill>
-              </a:defRPr>
-            </a:pPr>
-            <a:r>
-              <a:t>UPPER</a:t>
+              <a:t>Provides better security to your data</a:t>
             </a:r>
           </a:p>
         </p:txBody>
@@ -6647,10 +6559,14 @@
           <p:cNvPr id="210" name="Slide Number"/>
           <p:cNvSpPr txBox="1"/>
           <p:nvPr>
-            <p:ph type="sldNum" sz="quarter" idx="2"/>
-          </p:nvPr>
-        </p:nvSpPr>
-        <p:spPr>
+            <p:ph type="sldNum" sz="quarter" idx="4294967295"/>
+          </p:nvPr>
+        </p:nvSpPr>
+        <p:spPr>
+          <a:xfrm>
+            <a:off x="6324598" y="9016999"/>
+            <a:ext cx="342901" cy="355601"/>
+          </a:xfrm>
           <a:prstGeom prst="rect">
             <a:avLst/>
           </a:prstGeom>
@@ -6721,7 +6637,7 @@
       </p:sp>
       <p:sp>
         <p:nvSpPr>
-          <p:cNvPr id="213" name="String Functions"/>
+          <p:cNvPr id="213" name="Stored Procedure"/>
           <p:cNvSpPr txBox="1"/>
           <p:nvPr>
             <p:ph type="subTitle" sz="quarter" idx="1"/>
@@ -6738,7 +6654,7 @@
           <a:p>
             <a:pPr/>
             <a:r>
-              <a:t>String Functions</a:t>
+              <a:t>Stored Procedure</a:t>
             </a:r>
           </a:p>
         </p:txBody>
@@ -6748,10 +6664,14 @@
           <p:cNvPr id="214" name="Slide Number"/>
           <p:cNvSpPr txBox="1"/>
           <p:nvPr>
-            <p:ph type="sldNum" sz="quarter" idx="2"/>
-          </p:nvPr>
-        </p:nvSpPr>
-        <p:spPr>
+            <p:ph type="sldNum" sz="quarter" idx="4294967295"/>
+          </p:nvPr>
+        </p:nvSpPr>
+        <p:spPr>
+          <a:xfrm>
+            <a:off x="6565899" y="9029699"/>
+            <a:ext cx="342901" cy="355601"/>
+          </a:xfrm>
           <a:prstGeom prst="rect">
             <a:avLst/>
           </a:prstGeom>
@@ -6762,7 +6682,7 @@
           </a:extLst>
         </p:spPr>
         <p:txBody>
-          <a:bodyPr/>
+          <a:bodyPr anchor="ctr"/>
           <a:lstStyle/>
           <a:p>
             <a:pPr/>
@@ -6798,46 +6718,10 @@
       </p:grpSpPr>
       <p:sp>
         <p:nvSpPr>
-          <p:cNvPr id="216" name="SQL Server Numeric Functions"/>
+          <p:cNvPr id="216" name="SQL Server String Functions"/>
           <p:cNvSpPr txBox="1"/>
           <p:nvPr>
             <p:ph type="title"/>
-          </p:nvPr>
-        </p:nvSpPr>
-        <p:spPr>
-          <a:prstGeom prst="rect">
-            <a:avLst/>
-          </a:prstGeom>
-        </p:spPr>
-        <p:txBody>
-          <a:bodyPr/>
-          <a:lstStyle>
-            <a:lvl1pPr defTabSz="549148">
-              <a:defRPr sz="6956">
-                <a:effectLst>
-                  <a:outerShdw sx="100000" sy="100000" kx="0" ky="0" algn="b" rotWithShape="0" blurRad="23876" dist="23876" dir="15900000">
-                    <a:srgbClr val="595650">
-                      <a:alpha val="33000"/>
-                    </a:srgbClr>
-                  </a:outerShdw>
-                </a:effectLst>
-              </a:defRPr>
-            </a:lvl1pPr>
-          </a:lstStyle>
-          <a:p>
-            <a:pPr/>
-            <a:r>
-              <a:t>SQL Server Numeric Functions</a:t>
-            </a:r>
-          </a:p>
-        </p:txBody>
-      </p:sp>
-      <p:sp>
-        <p:nvSpPr>
-          <p:cNvPr id="217" name="MAX…"/>
-          <p:cNvSpPr txBox="1"/>
-          <p:nvPr>
-            <p:ph type="body" idx="1"/>
           </p:nvPr>
         </p:nvSpPr>
         <p:spPr>
@@ -6849,291 +6733,243 @@
           <a:bodyPr/>
           <a:lstStyle/>
           <a:p>
-            <a:pPr lvl="1" marL="427944" indent="-75519" defTabSz="438150">
+            <a:pPr/>
+            <a:r>
+              <a:t>SQL Server String Functions</a:t>
+            </a:r>
+          </a:p>
+        </p:txBody>
+      </p:sp>
+      <p:sp>
+        <p:nvSpPr>
+          <p:cNvPr id="217" name="CONCAT…"/>
+          <p:cNvSpPr txBox="1"/>
+          <p:nvPr>
+            <p:ph type="body" idx="1"/>
+          </p:nvPr>
+        </p:nvSpPr>
+        <p:spPr>
+          <a:prstGeom prst="rect">
+            <a:avLst/>
+          </a:prstGeom>
+        </p:spPr>
+        <p:txBody>
+          <a:bodyPr/>
+          <a:lstStyle/>
+          <a:p>
+            <a:pPr lvl="1" marL="570592" indent="-100692">
               <a:spcBef>
-                <a:spcPts val="500"/>
+                <a:spcPts val="700"/>
               </a:spcBef>
               <a:buSzPct val="80000"/>
               <a:buFont typeface="Helvetica Light"/>
               <a:buChar char="•"/>
-              <a:defRPr b="1" sz="1950">
+              <a:defRPr b="1" sz="2500">
                 <a:solidFill>
                   <a:srgbClr val="000000"/>
                 </a:solidFill>
               </a:defRPr>
             </a:pPr>
             <a:r>
-              <a:t>MAX</a:t>
-            </a:r>
-          </a:p>
-          <a:p>
-            <a:pPr lvl="1" marL="427944" indent="-75519" defTabSz="438150">
+              <a:t>CONCAT</a:t>
+            </a:r>
+          </a:p>
+          <a:p>
+            <a:pPr lvl="1" marL="570592" indent="-100692">
               <a:spcBef>
-                <a:spcPts val="500"/>
+                <a:spcPts val="700"/>
               </a:spcBef>
               <a:buSzPct val="80000"/>
               <a:buFont typeface="Helvetica Light"/>
               <a:buChar char="•"/>
-              <a:defRPr b="1" sz="1950">
+              <a:defRPr b="1" sz="2500">
                 <a:solidFill>
                   <a:srgbClr val="000000"/>
                 </a:solidFill>
               </a:defRPr>
             </a:pPr>
             <a:r>
-              <a:t>MIN</a:t>
-            </a:r>
-          </a:p>
-          <a:p>
-            <a:pPr lvl="1" marL="427944" indent="-75519" defTabSz="438150">
+              <a:t>CONCAT_WS</a:t>
+            </a:r>
+          </a:p>
+          <a:p>
+            <a:pPr lvl="1" marL="570592" indent="-100692">
               <a:spcBef>
-                <a:spcPts val="500"/>
+                <a:spcPts val="700"/>
               </a:spcBef>
               <a:buSzPct val="80000"/>
               <a:buFont typeface="Helvetica Light"/>
               <a:buChar char="•"/>
-              <a:defRPr b="1" sz="1950">
+              <a:defRPr b="1" sz="2500">
                 <a:solidFill>
                   <a:srgbClr val="000000"/>
                 </a:solidFill>
               </a:defRPr>
             </a:pPr>
             <a:r>
-              <a:t>ROUND</a:t>
-            </a:r>
-          </a:p>
-          <a:p>
-            <a:pPr lvl="1" marL="427944" indent="-75519" defTabSz="438150">
+              <a:t>FORMAT</a:t>
+            </a:r>
+          </a:p>
+          <a:p>
+            <a:pPr lvl="1" marL="570592" indent="-100692">
               <a:spcBef>
-                <a:spcPts val="500"/>
+                <a:spcPts val="700"/>
               </a:spcBef>
               <a:buSzPct val="80000"/>
               <a:buFont typeface="Helvetica Light"/>
               <a:buChar char="•"/>
-              <a:defRPr b="1" sz="1950">
+              <a:defRPr b="1" sz="2500">
                 <a:solidFill>
                   <a:srgbClr val="000000"/>
                 </a:solidFill>
               </a:defRPr>
             </a:pPr>
             <a:r>
-              <a:t>SUM</a:t>
-            </a:r>
-          </a:p>
-          <a:p>
-            <a:pPr lvl="1" marL="427944" indent="-75519" defTabSz="438150">
+              <a:t>LEFT</a:t>
+            </a:r>
+          </a:p>
+          <a:p>
+            <a:pPr lvl="1" marL="570592" indent="-100692">
               <a:spcBef>
-                <a:spcPts val="500"/>
+                <a:spcPts val="700"/>
               </a:spcBef>
               <a:buSzPct val="80000"/>
               <a:buFont typeface="Helvetica Light"/>
               <a:buChar char="•"/>
-              <a:defRPr b="1" sz="1950">
+              <a:defRPr b="1" sz="2500">
                 <a:solidFill>
                   <a:srgbClr val="000000"/>
                 </a:solidFill>
               </a:defRPr>
             </a:pPr>
             <a:r>
-              <a:t>ABS</a:t>
-            </a:r>
-          </a:p>
-          <a:p>
-            <a:pPr lvl="1" marL="427944" indent="-75519" defTabSz="438150">
+              <a:t>LEN</a:t>
+            </a:r>
+          </a:p>
+          <a:p>
+            <a:pPr lvl="1" marL="570592" indent="-100692">
               <a:spcBef>
-                <a:spcPts val="500"/>
+                <a:spcPts val="700"/>
               </a:spcBef>
               <a:buSzPct val="80000"/>
               <a:buFont typeface="Helvetica Light"/>
               <a:buChar char="•"/>
-              <a:defRPr b="1" sz="1950">
+              <a:defRPr b="1" sz="2500">
                 <a:solidFill>
                   <a:srgbClr val="000000"/>
                 </a:solidFill>
               </a:defRPr>
             </a:pPr>
             <a:r>
-              <a:t>CEILING</a:t>
-            </a:r>
-          </a:p>
-          <a:p>
-            <a:pPr lvl="1" marL="427944" indent="-75519" defTabSz="438150">
+              <a:t>LOWER</a:t>
+            </a:r>
+          </a:p>
+          <a:p>
+            <a:pPr lvl="1" marL="570592" indent="-100692">
               <a:spcBef>
-                <a:spcPts val="500"/>
+                <a:spcPts val="700"/>
               </a:spcBef>
               <a:buSzPct val="80000"/>
               <a:buFont typeface="Helvetica Light"/>
               <a:buChar char="•"/>
-              <a:defRPr b="1" sz="1950">
+              <a:defRPr b="1" sz="2500">
                 <a:solidFill>
                   <a:srgbClr val="000000"/>
                 </a:solidFill>
               </a:defRPr>
             </a:pPr>
             <a:r>
-              <a:t>AVG</a:t>
-            </a:r>
-          </a:p>
-          <a:p>
-            <a:pPr lvl="1" marL="427944" indent="-75519" defTabSz="438150">
+              <a:t>LTRIM</a:t>
+            </a:r>
+          </a:p>
+          <a:p>
+            <a:pPr lvl="1" marL="570592" indent="-100692">
               <a:spcBef>
-                <a:spcPts val="500"/>
+                <a:spcPts val="700"/>
               </a:spcBef>
               <a:buSzPct val="80000"/>
               <a:buFont typeface="Helvetica Light"/>
               <a:buChar char="•"/>
-              <a:defRPr b="1" sz="1950">
+              <a:defRPr b="1" sz="2500">
                 <a:solidFill>
                   <a:srgbClr val="000000"/>
                 </a:solidFill>
               </a:defRPr>
             </a:pPr>
             <a:r>
-              <a:t>COUNT</a:t>
-            </a:r>
-          </a:p>
-          <a:p>
-            <a:pPr lvl="1" marL="427944" indent="-75519" defTabSz="438150">
+              <a:t>RIGHT</a:t>
+            </a:r>
+          </a:p>
+          <a:p>
+            <a:pPr lvl="1" marL="570592" indent="-100692">
               <a:spcBef>
-                <a:spcPts val="500"/>
+                <a:spcPts val="700"/>
               </a:spcBef>
               <a:buSzPct val="80000"/>
               <a:buFont typeface="Helvetica Light"/>
               <a:buChar char="•"/>
-              <a:defRPr b="1" sz="1950">
+              <a:defRPr b="1" sz="2500">
                 <a:solidFill>
                   <a:srgbClr val="000000"/>
                 </a:solidFill>
               </a:defRPr>
             </a:pPr>
             <a:r>
-              <a:t>FLOOR</a:t>
-            </a:r>
-          </a:p>
-          <a:p>
-            <a:pPr lvl="1" marL="427944" indent="-75519" defTabSz="438150">
+              <a:t>RTRIM</a:t>
+            </a:r>
+          </a:p>
+          <a:p>
+            <a:pPr lvl="1" marL="570592" indent="-100692">
               <a:spcBef>
-                <a:spcPts val="500"/>
+                <a:spcPts val="700"/>
               </a:spcBef>
               <a:buSzPct val="80000"/>
               <a:buFont typeface="Helvetica Light"/>
               <a:buChar char="•"/>
-              <a:defRPr b="1" sz="1950">
+              <a:defRPr b="1" sz="2500">
                 <a:solidFill>
                   <a:srgbClr val="000000"/>
                 </a:solidFill>
               </a:defRPr>
             </a:pPr>
             <a:r>
-              <a:t>LOG</a:t>
-            </a:r>
-          </a:p>
-          <a:p>
-            <a:pPr lvl="1" marL="427944" indent="-75519" defTabSz="438150">
+              <a:t>SUBSTRING</a:t>
+            </a:r>
+          </a:p>
+          <a:p>
+            <a:pPr lvl="1" marL="570592" indent="-100692">
               <a:spcBef>
-                <a:spcPts val="500"/>
+                <a:spcPts val="700"/>
               </a:spcBef>
               <a:buSzPct val="80000"/>
               <a:buFont typeface="Helvetica Light"/>
               <a:buChar char="•"/>
-              <a:defRPr b="1" sz="1950">
+              <a:defRPr b="1" sz="2500">
                 <a:solidFill>
                   <a:srgbClr val="000000"/>
                 </a:solidFill>
               </a:defRPr>
             </a:pPr>
             <a:r>
-              <a:t>PI</a:t>
-            </a:r>
-          </a:p>
-          <a:p>
-            <a:pPr lvl="1" marL="427944" indent="-75519" defTabSz="438150">
+              <a:t>TRIM</a:t>
+            </a:r>
+          </a:p>
+          <a:p>
+            <a:pPr lvl="1" marL="570592" indent="-100692">
               <a:spcBef>
-                <a:spcPts val="500"/>
+                <a:spcPts val="700"/>
               </a:spcBef>
               <a:buSzPct val="80000"/>
               <a:buFont typeface="Helvetica Light"/>
               <a:buChar char="•"/>
-              <a:defRPr b="1" sz="1950">
+              <a:defRPr b="1" sz="2500">
                 <a:solidFill>
                   <a:srgbClr val="000000"/>
                 </a:solidFill>
               </a:defRPr>
             </a:pPr>
             <a:r>
-              <a:t>ROUND</a:t>
-            </a:r>
-          </a:p>
-          <a:p>
-            <a:pPr lvl="1" marL="427944" indent="-75519" defTabSz="438150">
-              <a:spcBef>
-                <a:spcPts val="500"/>
-              </a:spcBef>
-              <a:buSzPct val="80000"/>
-              <a:buFont typeface="Helvetica Light"/>
-              <a:buChar char="•"/>
-              <a:defRPr b="1" sz="1950">
-                <a:solidFill>
-                  <a:srgbClr val="000000"/>
-                </a:solidFill>
-              </a:defRPr>
-            </a:pPr>
-            <a:r>
-              <a:t>SQAURE</a:t>
-            </a:r>
-          </a:p>
-          <a:p>
-            <a:pPr lvl="1" marL="427944" indent="-75519" defTabSz="438150">
-              <a:spcBef>
-                <a:spcPts val="500"/>
-              </a:spcBef>
-              <a:buSzPct val="80000"/>
-              <a:buFont typeface="Helvetica Light"/>
-              <a:buChar char="•"/>
-              <a:defRPr b="1" sz="1950">
-                <a:solidFill>
-                  <a:srgbClr val="000000"/>
-                </a:solidFill>
-              </a:defRPr>
-            </a:pPr>
-            <a:r>
-              <a:t>SQRT</a:t>
-            </a:r>
-          </a:p>
-          <a:p>
-            <a:pPr lvl="1" marL="427944" indent="-75519" defTabSz="438150">
-              <a:spcBef>
-                <a:spcPts val="500"/>
-              </a:spcBef>
-              <a:buSzPct val="80000"/>
-              <a:buFont typeface="Helvetica Light"/>
-              <a:buChar char="•"/>
-              <a:defRPr b="1" sz="1950">
-                <a:solidFill>
-                  <a:srgbClr val="000000"/>
-                </a:solidFill>
-              </a:defRPr>
-            </a:pPr>
-            <a:r>
-              <a:t>SIN</a:t>
-            </a:r>
-          </a:p>
-          <a:p>
-            <a:pPr lvl="1" marL="427944" indent="-75519" defTabSz="438150">
-              <a:spcBef>
-                <a:spcPts val="500"/>
-              </a:spcBef>
-              <a:buSzPct val="80000"/>
-              <a:buFont typeface="Helvetica Light"/>
-              <a:buChar char="•"/>
-              <a:defRPr b="1" sz="1950">
-                <a:solidFill>
-                  <a:srgbClr val="000000"/>
-                </a:solidFill>
-              </a:defRPr>
-            </a:pPr>
-            <a:r>
-              <a:t>TAN</a:t>
+              <a:t>UPPER</a:t>
             </a:r>
           </a:p>
         </p:txBody>
@@ -7143,10 +6979,14 @@
           <p:cNvPr id="218" name="Slide Number"/>
           <p:cNvSpPr txBox="1"/>
           <p:nvPr>
-            <p:ph type="sldNum" sz="quarter" idx="2"/>
-          </p:nvPr>
-        </p:nvSpPr>
-        <p:spPr>
+            <p:ph type="sldNum" sz="quarter" idx="4294967295"/>
+          </p:nvPr>
+        </p:nvSpPr>
+        <p:spPr>
+          <a:xfrm>
+            <a:off x="6324598" y="9016999"/>
+            <a:ext cx="342901" cy="355601"/>
+          </a:xfrm>
           <a:prstGeom prst="rect">
             <a:avLst/>
           </a:prstGeom>
@@ -7217,7 +7057,7 @@
       </p:sp>
       <p:sp>
         <p:nvSpPr>
-          <p:cNvPr id="221" name="Numeric Functions"/>
+          <p:cNvPr id="221" name="String Functions"/>
           <p:cNvSpPr txBox="1"/>
           <p:nvPr>
             <p:ph type="subTitle" sz="quarter" idx="1"/>
@@ -7234,7 +7074,7 @@
           <a:p>
             <a:pPr/>
             <a:r>
-              <a:t>Numeric Functions</a:t>
+              <a:t>String Functions</a:t>
             </a:r>
           </a:p>
         </p:txBody>
@@ -7244,10 +7084,14 @@
           <p:cNvPr id="222" name="Slide Number"/>
           <p:cNvSpPr txBox="1"/>
           <p:nvPr>
-            <p:ph type="sldNum" sz="quarter" idx="2"/>
-          </p:nvPr>
-        </p:nvSpPr>
-        <p:spPr>
+            <p:ph type="sldNum" sz="quarter" idx="4294967295"/>
+          </p:nvPr>
+        </p:nvSpPr>
+        <p:spPr>
+          <a:xfrm>
+            <a:off x="6565899" y="9029699"/>
+            <a:ext cx="342901" cy="355601"/>
+          </a:xfrm>
           <a:prstGeom prst="rect">
             <a:avLst/>
           </a:prstGeom>
@@ -7258,7 +7102,7 @@
           </a:extLst>
         </p:spPr>
         <p:txBody>
-          <a:bodyPr/>
+          <a:bodyPr anchor="ctr"/>
           <a:lstStyle/>
           <a:p>
             <a:pPr/>
@@ -7294,10 +7138,46 @@
       </p:grpSpPr>
       <p:sp>
         <p:nvSpPr>
-          <p:cNvPr id="224" name="SQL Server Date Functions"/>
+          <p:cNvPr id="224" name="SQL Server Numeric Functions"/>
           <p:cNvSpPr txBox="1"/>
           <p:nvPr>
             <p:ph type="title"/>
+          </p:nvPr>
+        </p:nvSpPr>
+        <p:spPr>
+          <a:prstGeom prst="rect">
+            <a:avLst/>
+          </a:prstGeom>
+        </p:spPr>
+        <p:txBody>
+          <a:bodyPr/>
+          <a:lstStyle>
+            <a:lvl1pPr defTabSz="549148">
+              <a:defRPr sz="6900">
+                <a:effectLst>
+                  <a:outerShdw sx="100000" sy="100000" kx="0" ky="0" algn="b" rotWithShape="0" blurRad="25400" dist="23876" dir="15900000">
+                    <a:srgbClr val="595650">
+                      <a:alpha val="33000"/>
+                    </a:srgbClr>
+                  </a:outerShdw>
+                </a:effectLst>
+              </a:defRPr>
+            </a:lvl1pPr>
+          </a:lstStyle>
+          <a:p>
+            <a:pPr/>
+            <a:r>
+              <a:t>SQL Server Numeric Functions</a:t>
+            </a:r>
+          </a:p>
+        </p:txBody>
+      </p:sp>
+      <p:sp>
+        <p:nvSpPr>
+          <p:cNvPr id="225" name="MAX…"/>
+          <p:cNvSpPr txBox="1"/>
+          <p:nvPr>
+            <p:ph type="body" idx="1"/>
           </p:nvPr>
         </p:nvSpPr>
         <p:spPr>
@@ -7309,243 +7189,291 @@
           <a:bodyPr/>
           <a:lstStyle/>
           <a:p>
-            <a:pPr/>
-            <a:r>
-              <a:t>SQL Server Date Functions</a:t>
-            </a:r>
-          </a:p>
-        </p:txBody>
-      </p:sp>
-      <p:sp>
-        <p:nvSpPr>
-          <p:cNvPr id="225" name="CURRENT_TIMESTAMP…"/>
-          <p:cNvSpPr txBox="1"/>
-          <p:nvPr>
-            <p:ph type="body" idx="1"/>
-          </p:nvPr>
-        </p:nvSpPr>
-        <p:spPr>
-          <a:prstGeom prst="rect">
-            <a:avLst/>
-          </a:prstGeom>
-        </p:spPr>
-        <p:txBody>
-          <a:bodyPr/>
-          <a:lstStyle/>
-          <a:p>
-            <a:pPr lvl="1" marL="570592" indent="-100692">
+            <a:pPr lvl="1" marL="427943" indent="-75518" defTabSz="438150">
               <a:spcBef>
-                <a:spcPts val="700"/>
+                <a:spcPts val="500"/>
               </a:spcBef>
               <a:buSzPct val="80000"/>
               <a:buFont typeface="Helvetica Light"/>
               <a:buChar char="•"/>
-              <a:defRPr b="1" sz="2500">
+              <a:defRPr b="1" sz="1900">
                 <a:solidFill>
                   <a:srgbClr val="000000"/>
                 </a:solidFill>
               </a:defRPr>
             </a:pPr>
             <a:r>
-              <a:t>CURRENT_TIMESTAMP</a:t>
-            </a:r>
-          </a:p>
-          <a:p>
-            <a:pPr lvl="1" marL="570592" indent="-100692">
+              <a:t>MAX</a:t>
+            </a:r>
+          </a:p>
+          <a:p>
+            <a:pPr lvl="1" marL="427943" indent="-75518" defTabSz="438150">
               <a:spcBef>
-                <a:spcPts val="700"/>
+                <a:spcPts val="500"/>
               </a:spcBef>
               <a:buSzPct val="80000"/>
               <a:buFont typeface="Helvetica Light"/>
               <a:buChar char="•"/>
-              <a:defRPr b="1" sz="2500">
+              <a:defRPr b="1" sz="1900">
                 <a:solidFill>
                   <a:srgbClr val="000000"/>
                 </a:solidFill>
               </a:defRPr>
             </a:pPr>
             <a:r>
-              <a:t>DATEADD</a:t>
-            </a:r>
-          </a:p>
-          <a:p>
-            <a:pPr lvl="1" marL="570592" indent="-100692">
+              <a:t>MIN</a:t>
+            </a:r>
+          </a:p>
+          <a:p>
+            <a:pPr lvl="1" marL="427943" indent="-75518" defTabSz="438150">
               <a:spcBef>
-                <a:spcPts val="700"/>
+                <a:spcPts val="500"/>
               </a:spcBef>
               <a:buSzPct val="80000"/>
               <a:buFont typeface="Helvetica Light"/>
               <a:buChar char="•"/>
-              <a:defRPr b="1" sz="2500">
+              <a:defRPr b="1" sz="1900">
                 <a:solidFill>
                   <a:srgbClr val="000000"/>
                 </a:solidFill>
               </a:defRPr>
             </a:pPr>
             <a:r>
-              <a:t>DATEDIFF</a:t>
-            </a:r>
-          </a:p>
-          <a:p>
-            <a:pPr lvl="1" marL="570592" indent="-100692">
+              <a:t>ROUND</a:t>
+            </a:r>
+          </a:p>
+          <a:p>
+            <a:pPr lvl="1" marL="427943" indent="-75518" defTabSz="438150">
               <a:spcBef>
-                <a:spcPts val="700"/>
+                <a:spcPts val="500"/>
               </a:spcBef>
               <a:buSzPct val="80000"/>
               <a:buFont typeface="Helvetica Light"/>
               <a:buChar char="•"/>
-              <a:defRPr b="1" sz="2500">
+              <a:defRPr b="1" sz="1900">
                 <a:solidFill>
                   <a:srgbClr val="000000"/>
                 </a:solidFill>
               </a:defRPr>
             </a:pPr>
             <a:r>
-              <a:t>DATEFROMPARTS</a:t>
-            </a:r>
-          </a:p>
-          <a:p>
-            <a:pPr lvl="1" marL="570592" indent="-100692">
+              <a:t>SUM</a:t>
+            </a:r>
+          </a:p>
+          <a:p>
+            <a:pPr lvl="1" marL="427943" indent="-75518" defTabSz="438150">
               <a:spcBef>
-                <a:spcPts val="700"/>
+                <a:spcPts val="500"/>
               </a:spcBef>
               <a:buSzPct val="80000"/>
               <a:buFont typeface="Helvetica Light"/>
               <a:buChar char="•"/>
-              <a:defRPr b="1" sz="2500">
+              <a:defRPr b="1" sz="1900">
                 <a:solidFill>
                   <a:srgbClr val="000000"/>
                 </a:solidFill>
               </a:defRPr>
             </a:pPr>
             <a:r>
-              <a:t>DATEPART</a:t>
-            </a:r>
-          </a:p>
-          <a:p>
-            <a:pPr lvl="1" marL="570592" indent="-100692">
+              <a:t>ABS</a:t>
+            </a:r>
+          </a:p>
+          <a:p>
+            <a:pPr lvl="1" marL="427943" indent="-75518" defTabSz="438150">
               <a:spcBef>
-                <a:spcPts val="700"/>
+                <a:spcPts val="500"/>
               </a:spcBef>
               <a:buSzPct val="80000"/>
               <a:buFont typeface="Helvetica Light"/>
               <a:buChar char="•"/>
-              <a:defRPr b="1" sz="2500">
+              <a:defRPr b="1" sz="1900">
                 <a:solidFill>
                   <a:srgbClr val="000000"/>
                 </a:solidFill>
               </a:defRPr>
             </a:pPr>
             <a:r>
-              <a:t>DAY</a:t>
-            </a:r>
-          </a:p>
-          <a:p>
-            <a:pPr lvl="1" marL="570592" indent="-100692">
+              <a:t>CEILING</a:t>
+            </a:r>
+          </a:p>
+          <a:p>
+            <a:pPr lvl="1" marL="427943" indent="-75518" defTabSz="438150">
               <a:spcBef>
-                <a:spcPts val="700"/>
+                <a:spcPts val="500"/>
               </a:spcBef>
               <a:buSzPct val="80000"/>
               <a:buFont typeface="Helvetica Light"/>
               <a:buChar char="•"/>
-              <a:defRPr b="1" sz="2500">
+              <a:defRPr b="1" sz="1900">
                 <a:solidFill>
                   <a:srgbClr val="000000"/>
                 </a:solidFill>
               </a:defRPr>
             </a:pPr>
             <a:r>
-              <a:t>GETDATE</a:t>
-            </a:r>
-          </a:p>
-          <a:p>
-            <a:pPr lvl="1" marL="570592" indent="-100692">
+              <a:t>AVG</a:t>
+            </a:r>
+          </a:p>
+          <a:p>
+            <a:pPr lvl="1" marL="427943" indent="-75518" defTabSz="438150">
               <a:spcBef>
-                <a:spcPts val="700"/>
+                <a:spcPts val="500"/>
               </a:spcBef>
               <a:buSzPct val="80000"/>
               <a:buFont typeface="Helvetica Light"/>
               <a:buChar char="•"/>
-              <a:defRPr b="1" sz="2500">
+              <a:defRPr b="1" sz="1900">
                 <a:solidFill>
                   <a:srgbClr val="000000"/>
                 </a:solidFill>
               </a:defRPr>
             </a:pPr>
             <a:r>
-              <a:t>GETUTCDATE</a:t>
-            </a:r>
-          </a:p>
-          <a:p>
-            <a:pPr lvl="1" marL="570592" indent="-100692">
+              <a:t>COUNT</a:t>
+            </a:r>
+          </a:p>
+          <a:p>
+            <a:pPr lvl="1" marL="427943" indent="-75518" defTabSz="438150">
               <a:spcBef>
-                <a:spcPts val="700"/>
+                <a:spcPts val="500"/>
               </a:spcBef>
               <a:buSzPct val="80000"/>
               <a:buFont typeface="Helvetica Light"/>
               <a:buChar char="•"/>
-              <a:defRPr b="1" sz="2500">
+              <a:defRPr b="1" sz="1900">
                 <a:solidFill>
                   <a:srgbClr val="000000"/>
                 </a:solidFill>
               </a:defRPr>
             </a:pPr>
             <a:r>
-              <a:t>ISDATE</a:t>
-            </a:r>
-          </a:p>
-          <a:p>
-            <a:pPr lvl="1" marL="570592" indent="-100692">
+              <a:t>FLOOR</a:t>
+            </a:r>
+          </a:p>
+          <a:p>
+            <a:pPr lvl="1" marL="427943" indent="-75518" defTabSz="438150">
               <a:spcBef>
-                <a:spcPts val="700"/>
+                <a:spcPts val="500"/>
               </a:spcBef>
               <a:buSzPct val="80000"/>
               <a:buFont typeface="Helvetica Light"/>
               <a:buChar char="•"/>
-              <a:defRPr b="1" sz="2500">
+              <a:defRPr b="1" sz="1900">
                 <a:solidFill>
                   <a:srgbClr val="000000"/>
                 </a:solidFill>
               </a:defRPr>
             </a:pPr>
             <a:r>
-              <a:t>MONTH</a:t>
-            </a:r>
-          </a:p>
-          <a:p>
-            <a:pPr lvl="1" marL="570592" indent="-100692">
+              <a:t>LOG</a:t>
+            </a:r>
+          </a:p>
+          <a:p>
+            <a:pPr lvl="1" marL="427943" indent="-75518" defTabSz="438150">
               <a:spcBef>
-                <a:spcPts val="700"/>
+                <a:spcPts val="500"/>
               </a:spcBef>
               <a:buSzPct val="80000"/>
               <a:buFont typeface="Helvetica Light"/>
               <a:buChar char="•"/>
-              <a:defRPr b="1" sz="2500">
+              <a:defRPr b="1" sz="1900">
                 <a:solidFill>
                   <a:srgbClr val="000000"/>
                 </a:solidFill>
               </a:defRPr>
             </a:pPr>
             <a:r>
-              <a:t>SYSDATETIME</a:t>
-            </a:r>
-          </a:p>
-          <a:p>
-            <a:pPr lvl="1" marL="570592" indent="-100692">
+              <a:t>PI</a:t>
+            </a:r>
+          </a:p>
+          <a:p>
+            <a:pPr lvl="1" marL="427943" indent="-75518" defTabSz="438150">
               <a:spcBef>
-                <a:spcPts val="700"/>
+                <a:spcPts val="500"/>
               </a:spcBef>
               <a:buSzPct val="80000"/>
               <a:buFont typeface="Helvetica Light"/>
               <a:buChar char="•"/>
-              <a:defRPr b="1" sz="2500">
+              <a:defRPr b="1" sz="1900">
                 <a:solidFill>
                   <a:srgbClr val="000000"/>
                 </a:solidFill>
               </a:defRPr>
             </a:pPr>
             <a:r>
-              <a:t>YEAR</a:t>
+              <a:t>ROUND</a:t>
+            </a:r>
+          </a:p>
+          <a:p>
+            <a:pPr lvl="1" marL="427943" indent="-75518" defTabSz="438150">
+              <a:spcBef>
+                <a:spcPts val="500"/>
+              </a:spcBef>
+              <a:buSzPct val="80000"/>
+              <a:buFont typeface="Helvetica Light"/>
+              <a:buChar char="•"/>
+              <a:defRPr b="1" sz="1900">
+                <a:solidFill>
+                  <a:srgbClr val="000000"/>
+                </a:solidFill>
+              </a:defRPr>
+            </a:pPr>
+            <a:r>
+              <a:t>SQAURE</a:t>
+            </a:r>
+          </a:p>
+          <a:p>
+            <a:pPr lvl="1" marL="427943" indent="-75518" defTabSz="438150">
+              <a:spcBef>
+                <a:spcPts val="500"/>
+              </a:spcBef>
+              <a:buSzPct val="80000"/>
+              <a:buFont typeface="Helvetica Light"/>
+              <a:buChar char="•"/>
+              <a:defRPr b="1" sz="1900">
+                <a:solidFill>
+                  <a:srgbClr val="000000"/>
+                </a:solidFill>
+              </a:defRPr>
+            </a:pPr>
+            <a:r>
+              <a:t>SQRT</a:t>
+            </a:r>
+          </a:p>
+          <a:p>
+            <a:pPr lvl="1" marL="427943" indent="-75518" defTabSz="438150">
+              <a:spcBef>
+                <a:spcPts val="500"/>
+              </a:spcBef>
+              <a:buSzPct val="80000"/>
+              <a:buFont typeface="Helvetica Light"/>
+              <a:buChar char="•"/>
+              <a:defRPr b="1" sz="1900">
+                <a:solidFill>
+                  <a:srgbClr val="000000"/>
+                </a:solidFill>
+              </a:defRPr>
+            </a:pPr>
+            <a:r>
+              <a:t>SIN</a:t>
+            </a:r>
+          </a:p>
+          <a:p>
+            <a:pPr lvl="1" marL="427943" indent="-75518" defTabSz="438150">
+              <a:spcBef>
+                <a:spcPts val="500"/>
+              </a:spcBef>
+              <a:buSzPct val="80000"/>
+              <a:buFont typeface="Helvetica Light"/>
+              <a:buChar char="•"/>
+              <a:defRPr b="1" sz="1900">
+                <a:solidFill>
+                  <a:srgbClr val="000000"/>
+                </a:solidFill>
+              </a:defRPr>
+            </a:pPr>
+            <a:r>
+              <a:t>TAN</a:t>
             </a:r>
           </a:p>
         </p:txBody>
@@ -7555,10 +7483,14 @@
           <p:cNvPr id="226" name="Slide Number"/>
           <p:cNvSpPr txBox="1"/>
           <p:nvPr>
-            <p:ph type="sldNum" sz="quarter" idx="2"/>
-          </p:nvPr>
-        </p:nvSpPr>
-        <p:spPr>
+            <p:ph type="sldNum" sz="quarter" idx="4294967295"/>
+          </p:nvPr>
+        </p:nvSpPr>
+        <p:spPr>
+          <a:xfrm>
+            <a:off x="6324598" y="9016999"/>
+            <a:ext cx="342901" cy="355601"/>
+          </a:xfrm>
           <a:prstGeom prst="rect">
             <a:avLst/>
           </a:prstGeom>
@@ -7629,7 +7561,7 @@
       </p:sp>
       <p:sp>
         <p:nvSpPr>
-          <p:cNvPr id="229" name="Date Functions"/>
+          <p:cNvPr id="229" name="Numeric Functions"/>
           <p:cNvSpPr txBox="1"/>
           <p:nvPr>
             <p:ph type="subTitle" sz="quarter" idx="1"/>
@@ -7646,7 +7578,7 @@
           <a:p>
             <a:pPr/>
             <a:r>
-              <a:t>Date Functions</a:t>
+              <a:t>Numeric Functions</a:t>
             </a:r>
           </a:p>
         </p:txBody>
@@ -7656,10 +7588,14 @@
           <p:cNvPr id="230" name="Slide Number"/>
           <p:cNvSpPr txBox="1"/>
           <p:nvPr>
-            <p:ph type="sldNum" sz="quarter" idx="2"/>
-          </p:nvPr>
-        </p:nvSpPr>
-        <p:spPr>
+            <p:ph type="sldNum" sz="quarter" idx="4294967295"/>
+          </p:nvPr>
+        </p:nvSpPr>
+        <p:spPr>
+          <a:xfrm>
+            <a:off x="6565899" y="9029699"/>
+            <a:ext cx="342901" cy="355601"/>
+          </a:xfrm>
           <a:prstGeom prst="rect">
             <a:avLst/>
           </a:prstGeom>
@@ -7670,7 +7606,7 @@
           </a:extLst>
         </p:spPr>
         <p:txBody>
-          <a:bodyPr/>
+          <a:bodyPr anchor="ctr"/>
           <a:lstStyle/>
           <a:p>
             <a:pPr/>
@@ -7706,7 +7642,7 @@
       </p:grpSpPr>
       <p:sp>
         <p:nvSpPr>
-          <p:cNvPr id="232" name="Other Important Functions"/>
+          <p:cNvPr id="232" name="SQL Server Date Functions"/>
           <p:cNvSpPr txBox="1"/>
           <p:nvPr>
             <p:ph type="title"/>
@@ -7723,14 +7659,14 @@
           <a:p>
             <a:pPr/>
             <a:r>
-              <a:t>Other Important Functions</a:t>
-            </a:r>
-          </a:p>
-        </p:txBody>
-      </p:sp>
-      <p:sp>
-        <p:nvSpPr>
-          <p:cNvPr id="233" name="CAST…"/>
+              <a:t>SQL Server Date Functions</a:t>
+            </a:r>
+          </a:p>
+        </p:txBody>
+      </p:sp>
+      <p:sp>
+        <p:nvSpPr>
+          <p:cNvPr id="233" name="CURRENT_TIMESTAMP…"/>
           <p:cNvSpPr txBox="1"/>
           <p:nvPr>
             <p:ph type="body" idx="1"/>
@@ -7752,14 +7688,14 @@
               <a:buSzPct val="80000"/>
               <a:buFont typeface="Helvetica Light"/>
               <a:buChar char="•"/>
-              <a:defRPr b="1" sz="3100">
+              <a:defRPr b="1" sz="2500">
                 <a:solidFill>
                   <a:srgbClr val="000000"/>
                 </a:solidFill>
               </a:defRPr>
             </a:pPr>
             <a:r>
-              <a:t>CAST</a:t>
+              <a:t>CURRENT_TIMESTAMP</a:t>
             </a:r>
           </a:p>
           <a:p>
@@ -7770,14 +7706,14 @@
               <a:buSzPct val="80000"/>
               <a:buFont typeface="Helvetica Light"/>
               <a:buChar char="•"/>
-              <a:defRPr b="1" sz="3100">
+              <a:defRPr b="1" sz="2500">
                 <a:solidFill>
                   <a:srgbClr val="000000"/>
                 </a:solidFill>
               </a:defRPr>
             </a:pPr>
             <a:r>
-              <a:t>COALESCE</a:t>
+              <a:t>DATEADD</a:t>
             </a:r>
           </a:p>
           <a:p>
@@ -7788,14 +7724,14 @@
               <a:buSzPct val="80000"/>
               <a:buFont typeface="Helvetica Light"/>
               <a:buChar char="•"/>
-              <a:defRPr b="1" sz="3100">
+              <a:defRPr b="1" sz="2500">
                 <a:solidFill>
                   <a:srgbClr val="000000"/>
                 </a:solidFill>
               </a:defRPr>
             </a:pPr>
             <a:r>
-              <a:t>CONVERT</a:t>
+              <a:t>DATEDIFF</a:t>
             </a:r>
           </a:p>
           <a:p>
@@ -7806,14 +7742,14 @@
               <a:buSzPct val="80000"/>
               <a:buFont typeface="Helvetica Light"/>
               <a:buChar char="•"/>
-              <a:defRPr b="1" sz="3100">
+              <a:defRPr b="1" sz="2500">
                 <a:solidFill>
                   <a:srgbClr val="000000"/>
                 </a:solidFill>
               </a:defRPr>
             </a:pPr>
             <a:r>
-              <a:t>CURRENT_USER</a:t>
+              <a:t>DATEFROMPARTS</a:t>
             </a:r>
           </a:p>
           <a:p>
@@ -7824,14 +7760,14 @@
               <a:buSzPct val="80000"/>
               <a:buFont typeface="Helvetica Light"/>
               <a:buChar char="•"/>
-              <a:defRPr b="1" sz="3100">
+              <a:defRPr b="1" sz="2500">
                 <a:solidFill>
                   <a:srgbClr val="000000"/>
                 </a:solidFill>
               </a:defRPr>
             </a:pPr>
             <a:r>
-              <a:t>ISNULL</a:t>
+              <a:t>DATEPART</a:t>
             </a:r>
           </a:p>
           <a:p>
@@ -7842,14 +7778,14 @@
               <a:buSzPct val="80000"/>
               <a:buFont typeface="Helvetica Light"/>
               <a:buChar char="•"/>
-              <a:defRPr b="1" sz="3100">
+              <a:defRPr b="1" sz="2500">
                 <a:solidFill>
                   <a:srgbClr val="000000"/>
                 </a:solidFill>
               </a:defRPr>
             </a:pPr>
             <a:r>
-              <a:t>ISNUMERIC</a:t>
+              <a:t>DAY</a:t>
             </a:r>
           </a:p>
           <a:p>
@@ -7860,14 +7796,14 @@
               <a:buSzPct val="80000"/>
               <a:buFont typeface="Helvetica Light"/>
               <a:buChar char="•"/>
-              <a:defRPr b="1" sz="3100">
+              <a:defRPr b="1" sz="2500">
                 <a:solidFill>
                   <a:srgbClr val="000000"/>
                 </a:solidFill>
               </a:defRPr>
             </a:pPr>
             <a:r>
-              <a:t>NULLIF</a:t>
+              <a:t>GETDATE</a:t>
             </a:r>
           </a:p>
           <a:p>
@@ -7878,14 +7814,14 @@
               <a:buSzPct val="80000"/>
               <a:buFont typeface="Helvetica Light"/>
               <a:buChar char="•"/>
-              <a:defRPr b="1" sz="3100">
+              <a:defRPr b="1" sz="2500">
                 <a:solidFill>
                   <a:srgbClr val="000000"/>
                 </a:solidFill>
               </a:defRPr>
             </a:pPr>
             <a:r>
-              <a:t>SESSION_USER</a:t>
+              <a:t>GETUTCDATE</a:t>
             </a:r>
           </a:p>
           <a:p>
@@ -7896,14 +7832,14 @@
               <a:buSzPct val="80000"/>
               <a:buFont typeface="Helvetica Light"/>
               <a:buChar char="•"/>
-              <a:defRPr b="1" sz="3100">
+              <a:defRPr b="1" sz="2500">
                 <a:solidFill>
                   <a:srgbClr val="000000"/>
                 </a:solidFill>
               </a:defRPr>
             </a:pPr>
             <a:r>
-              <a:t>SYSTEM_USER</a:t>
+              <a:t>ISDATE</a:t>
             </a:r>
           </a:p>
           <a:p>
@@ -7914,14 +7850,50 @@
               <a:buSzPct val="80000"/>
               <a:buFont typeface="Helvetica Light"/>
               <a:buChar char="•"/>
-              <a:defRPr b="1" sz="3100">
+              <a:defRPr b="1" sz="2500">
                 <a:solidFill>
                   <a:srgbClr val="000000"/>
                 </a:solidFill>
               </a:defRPr>
             </a:pPr>
             <a:r>
-              <a:t>USER_NAME</a:t>
+              <a:t>MONTH</a:t>
+            </a:r>
+          </a:p>
+          <a:p>
+            <a:pPr lvl="1" marL="570592" indent="-100692">
+              <a:spcBef>
+                <a:spcPts val="700"/>
+              </a:spcBef>
+              <a:buSzPct val="80000"/>
+              <a:buFont typeface="Helvetica Light"/>
+              <a:buChar char="•"/>
+              <a:defRPr b="1" sz="2500">
+                <a:solidFill>
+                  <a:srgbClr val="000000"/>
+                </a:solidFill>
+              </a:defRPr>
+            </a:pPr>
+            <a:r>
+              <a:t>SYSDATETIME</a:t>
+            </a:r>
+          </a:p>
+          <a:p>
+            <a:pPr lvl="1" marL="570592" indent="-100692">
+              <a:spcBef>
+                <a:spcPts val="700"/>
+              </a:spcBef>
+              <a:buSzPct val="80000"/>
+              <a:buFont typeface="Helvetica Light"/>
+              <a:buChar char="•"/>
+              <a:defRPr b="1" sz="2500">
+                <a:solidFill>
+                  <a:srgbClr val="000000"/>
+                </a:solidFill>
+              </a:defRPr>
+            </a:pPr>
+            <a:r>
+              <a:t>YEAR</a:t>
             </a:r>
           </a:p>
         </p:txBody>
@@ -7931,10 +7903,14 @@
           <p:cNvPr id="234" name="Slide Number"/>
           <p:cNvSpPr txBox="1"/>
           <p:nvPr>
-            <p:ph type="sldNum" sz="quarter" idx="2"/>
-          </p:nvPr>
-        </p:nvSpPr>
-        <p:spPr>
+            <p:ph type="sldNum" sz="quarter" idx="4294967295"/>
+          </p:nvPr>
+        </p:nvSpPr>
+        <p:spPr>
+          <a:xfrm>
+            <a:off x="6324598" y="9016999"/>
+            <a:ext cx="342901" cy="355601"/>
+          </a:xfrm>
           <a:prstGeom prst="rect">
             <a:avLst/>
           </a:prstGeom>
@@ -8005,7 +7981,7 @@
       </p:sp>
       <p:sp>
         <p:nvSpPr>
-          <p:cNvPr id="237" name="Other SQL Server Functions"/>
+          <p:cNvPr id="237" name="Date Functions"/>
           <p:cNvSpPr txBox="1"/>
           <p:nvPr>
             <p:ph type="subTitle" sz="quarter" idx="1"/>
@@ -8022,7 +7998,7 @@
           <a:p>
             <a:pPr/>
             <a:r>
-              <a:t>Other SQL Server Functions</a:t>
+              <a:t>Date Functions</a:t>
             </a:r>
           </a:p>
         </p:txBody>
@@ -8032,10 +8008,14 @@
           <p:cNvPr id="238" name="Slide Number"/>
           <p:cNvSpPr txBox="1"/>
           <p:nvPr>
-            <p:ph type="sldNum" sz="quarter" idx="2"/>
-          </p:nvPr>
-        </p:nvSpPr>
-        <p:spPr>
+            <p:ph type="sldNum" sz="quarter" idx="4294967295"/>
+          </p:nvPr>
+        </p:nvSpPr>
+        <p:spPr>
+          <a:xfrm>
+            <a:off x="6565899" y="9029699"/>
+            <a:ext cx="342901" cy="355601"/>
+          </a:xfrm>
           <a:prstGeom prst="rect">
             <a:avLst/>
           </a:prstGeom>
@@ -8046,7 +8026,7 @@
           </a:extLst>
         </p:spPr>
         <p:txBody>
-          <a:bodyPr/>
+          <a:bodyPr anchor="ctr"/>
           <a:lstStyle/>
           <a:p>
             <a:pPr/>
@@ -8082,7 +8062,7 @@
       </p:grpSpPr>
       <p:sp>
         <p:nvSpPr>
-          <p:cNvPr id="240" name="SQL Database Statements"/>
+          <p:cNvPr id="240" name="Other Important Functions"/>
           <p:cNvSpPr txBox="1"/>
           <p:nvPr>
             <p:ph type="title"/>
@@ -8099,14 +8079,14 @@
           <a:p>
             <a:pPr/>
             <a:r>
-              <a:t>SQL Database Statements</a:t>
-            </a:r>
-          </a:p>
-        </p:txBody>
-      </p:sp>
-      <p:sp>
-        <p:nvSpPr>
-          <p:cNvPr id="241" name="Create DB…"/>
+              <a:t>Other Important Functions</a:t>
+            </a:r>
+          </a:p>
+        </p:txBody>
+      </p:sp>
+      <p:sp>
+        <p:nvSpPr>
+          <p:cNvPr id="241" name="CAST…"/>
           <p:cNvSpPr txBox="1"/>
           <p:nvPr>
             <p:ph type="body" idx="1"/>
@@ -8121,345 +8101,183 @@
           <a:bodyPr/>
           <a:lstStyle/>
           <a:p>
-            <a:pPr lvl="1" marL="313826" indent="-55381" defTabSz="321310">
+            <a:pPr lvl="1" marL="570592" indent="-100692">
               <a:spcBef>
-                <a:spcPts val="300"/>
+                <a:spcPts val="700"/>
               </a:spcBef>
               <a:buSzPct val="80000"/>
               <a:buFont typeface="Helvetica Light"/>
               <a:buChar char="•"/>
-              <a:defRPr b="1" sz="1705">
+              <a:defRPr b="1" sz="3100">
                 <a:solidFill>
                   <a:srgbClr val="000000"/>
                 </a:solidFill>
               </a:defRPr>
             </a:pPr>
             <a:r>
-              <a:t>Create DB</a:t>
-            </a:r>
-          </a:p>
-          <a:p>
-            <a:pPr lvl="1" marL="313826" indent="-55381" defTabSz="321310">
+              <a:t>CAST</a:t>
+            </a:r>
+          </a:p>
+          <a:p>
+            <a:pPr lvl="1" marL="570592" indent="-100692">
               <a:spcBef>
-                <a:spcPts val="300"/>
+                <a:spcPts val="700"/>
               </a:spcBef>
               <a:buSzPct val="80000"/>
               <a:buFont typeface="Helvetica Light"/>
               <a:buChar char="•"/>
-              <a:defRPr b="1" sz="1705">
+              <a:defRPr b="1" sz="3100">
                 <a:solidFill>
                   <a:srgbClr val="000000"/>
                 </a:solidFill>
               </a:defRPr>
             </a:pPr>
             <a:r>
-              <a:t>Drop DB</a:t>
-            </a:r>
-          </a:p>
-          <a:p>
-            <a:pPr lvl="1" marL="313826" indent="-55381" defTabSz="321310">
+              <a:t>COALESCE</a:t>
+            </a:r>
+          </a:p>
+          <a:p>
+            <a:pPr lvl="1" marL="570592" indent="-100692">
               <a:spcBef>
-                <a:spcPts val="300"/>
+                <a:spcPts val="700"/>
               </a:spcBef>
               <a:buSzPct val="80000"/>
               <a:buFont typeface="Helvetica Light"/>
               <a:buChar char="•"/>
-              <a:defRPr b="1" sz="1705">
+              <a:defRPr b="1" sz="3100">
                 <a:solidFill>
                   <a:srgbClr val="000000"/>
                 </a:solidFill>
               </a:defRPr>
             </a:pPr>
             <a:r>
-              <a:t>Backup DB</a:t>
-            </a:r>
-          </a:p>
-          <a:p>
-            <a:pPr lvl="1" marL="313826" indent="-55381" defTabSz="321310">
+              <a:t>CONVERT</a:t>
+            </a:r>
+          </a:p>
+          <a:p>
+            <a:pPr lvl="1" marL="570592" indent="-100692">
               <a:spcBef>
-                <a:spcPts val="300"/>
+                <a:spcPts val="700"/>
               </a:spcBef>
               <a:buSzPct val="80000"/>
               <a:buFont typeface="Helvetica Light"/>
               <a:buChar char="•"/>
-              <a:defRPr b="1" sz="1705">
+              <a:defRPr b="1" sz="3100">
                 <a:solidFill>
                   <a:srgbClr val="000000"/>
                 </a:solidFill>
               </a:defRPr>
             </a:pPr>
             <a:r>
-              <a:t>Create Table</a:t>
-            </a:r>
-          </a:p>
-          <a:p>
-            <a:pPr lvl="1" marL="313826" indent="-55381" defTabSz="321310">
+              <a:t>CURRENT_USER</a:t>
+            </a:r>
+          </a:p>
+          <a:p>
+            <a:pPr lvl="1" marL="570592" indent="-100692">
               <a:spcBef>
-                <a:spcPts val="300"/>
+                <a:spcPts val="700"/>
               </a:spcBef>
               <a:buSzPct val="80000"/>
               <a:buFont typeface="Helvetica Light"/>
               <a:buChar char="•"/>
-              <a:defRPr b="1" sz="1705">
+              <a:defRPr b="1" sz="3100">
                 <a:solidFill>
                   <a:srgbClr val="000000"/>
                 </a:solidFill>
               </a:defRPr>
             </a:pPr>
             <a:r>
-              <a:t>Drop Table</a:t>
-            </a:r>
-          </a:p>
-          <a:p>
-            <a:pPr lvl="1" marL="313826" indent="-55381" defTabSz="321310">
+              <a:t>ISNULL</a:t>
+            </a:r>
+          </a:p>
+          <a:p>
+            <a:pPr lvl="1" marL="570592" indent="-100692">
               <a:spcBef>
-                <a:spcPts val="300"/>
+                <a:spcPts val="700"/>
               </a:spcBef>
               <a:buSzPct val="80000"/>
               <a:buFont typeface="Helvetica Light"/>
               <a:buChar char="•"/>
-              <a:defRPr b="1" sz="1705">
+              <a:defRPr b="1" sz="3100">
                 <a:solidFill>
                   <a:srgbClr val="000000"/>
                 </a:solidFill>
               </a:defRPr>
             </a:pPr>
             <a:r>
-              <a:t>Alter Table</a:t>
-            </a:r>
-          </a:p>
-          <a:p>
-            <a:pPr lvl="1" marL="313826" indent="-55381" defTabSz="321310">
+              <a:t>ISNUMERIC</a:t>
+            </a:r>
+          </a:p>
+          <a:p>
+            <a:pPr lvl="1" marL="570592" indent="-100692">
               <a:spcBef>
-                <a:spcPts val="300"/>
+                <a:spcPts val="700"/>
               </a:spcBef>
               <a:buSzPct val="80000"/>
               <a:buFont typeface="Helvetica Light"/>
               <a:buChar char="•"/>
-              <a:defRPr b="1" sz="1705">
+              <a:defRPr b="1" sz="3100">
                 <a:solidFill>
                   <a:srgbClr val="000000"/>
                 </a:solidFill>
               </a:defRPr>
             </a:pPr>
             <a:r>
-              <a:t>SQL Constraints</a:t>
-            </a:r>
-          </a:p>
-          <a:p>
-            <a:pPr lvl="1" marL="313826" indent="-55381" defTabSz="321310">
+              <a:t>NULLIF</a:t>
+            </a:r>
+          </a:p>
+          <a:p>
+            <a:pPr lvl="1" marL="570592" indent="-100692">
               <a:spcBef>
-                <a:spcPts val="300"/>
+                <a:spcPts val="700"/>
               </a:spcBef>
               <a:buSzPct val="80000"/>
               <a:buFont typeface="Helvetica Light"/>
               <a:buChar char="•"/>
-              <a:defRPr b="1" sz="1705">
+              <a:defRPr b="1" sz="3100">
                 <a:solidFill>
                   <a:srgbClr val="000000"/>
                 </a:solidFill>
               </a:defRPr>
             </a:pPr>
             <a:r>
-              <a:t>SQL Not NULL</a:t>
-            </a:r>
-          </a:p>
-          <a:p>
-            <a:pPr lvl="1" marL="313826" indent="-55381" defTabSz="321310">
+              <a:t>SESSION_USER</a:t>
+            </a:r>
+          </a:p>
+          <a:p>
+            <a:pPr lvl="1" marL="570592" indent="-100692">
               <a:spcBef>
-                <a:spcPts val="300"/>
+                <a:spcPts val="700"/>
               </a:spcBef>
               <a:buSzPct val="80000"/>
               <a:buFont typeface="Helvetica Light"/>
               <a:buChar char="•"/>
-              <a:defRPr b="1" sz="1705">
+              <a:defRPr b="1" sz="3100">
                 <a:solidFill>
                   <a:srgbClr val="000000"/>
                 </a:solidFill>
               </a:defRPr>
             </a:pPr>
             <a:r>
-              <a:t>SQL Unique</a:t>
-            </a:r>
-          </a:p>
-          <a:p>
-            <a:pPr lvl="1" marL="313826" indent="-55381" defTabSz="321310">
+              <a:t>SYSTEM_USER</a:t>
+            </a:r>
+          </a:p>
+          <a:p>
+            <a:pPr lvl="1" marL="570592" indent="-100692">
               <a:spcBef>
-                <a:spcPts val="300"/>
+                <a:spcPts val="700"/>
               </a:spcBef>
               <a:buSzPct val="80000"/>
               <a:buFont typeface="Helvetica Light"/>
               <a:buChar char="•"/>
-              <a:defRPr b="1" sz="1705">
+              <a:defRPr b="1" sz="3100">
                 <a:solidFill>
                   <a:srgbClr val="000000"/>
                 </a:solidFill>
               </a:defRPr>
             </a:pPr>
             <a:r>
-              <a:t>SQL Primary Key</a:t>
-            </a:r>
-          </a:p>
-          <a:p>
-            <a:pPr lvl="1" marL="313826" indent="-55381" defTabSz="321310">
-              <a:spcBef>
-                <a:spcPts val="300"/>
-              </a:spcBef>
-              <a:buSzPct val="80000"/>
-              <a:buFont typeface="Helvetica Light"/>
-              <a:buChar char="•"/>
-              <a:defRPr b="1" sz="1705">
-                <a:solidFill>
-                  <a:srgbClr val="000000"/>
-                </a:solidFill>
-              </a:defRPr>
-            </a:pPr>
-            <a:r>
-              <a:t>SQL Foreign Key</a:t>
-            </a:r>
-          </a:p>
-          <a:p>
-            <a:pPr lvl="1" marL="313826" indent="-55381" defTabSz="321310">
-              <a:spcBef>
-                <a:spcPts val="300"/>
-              </a:spcBef>
-              <a:buSzPct val="80000"/>
-              <a:buFont typeface="Helvetica Light"/>
-              <a:buChar char="•"/>
-              <a:defRPr b="1" sz="1705">
-                <a:solidFill>
-                  <a:srgbClr val="000000"/>
-                </a:solidFill>
-              </a:defRPr>
-            </a:pPr>
-            <a:r>
-              <a:t>SQL Check</a:t>
-            </a:r>
-          </a:p>
-          <a:p>
-            <a:pPr lvl="1" marL="313826" indent="-55381" defTabSz="321310">
-              <a:spcBef>
-                <a:spcPts val="300"/>
-              </a:spcBef>
-              <a:buSzPct val="80000"/>
-              <a:buFont typeface="Helvetica Light"/>
-              <a:buChar char="•"/>
-              <a:defRPr b="1" sz="1705">
-                <a:solidFill>
-                  <a:srgbClr val="000000"/>
-                </a:solidFill>
-              </a:defRPr>
-            </a:pPr>
-            <a:r>
-              <a:t>SQL Default</a:t>
-            </a:r>
-          </a:p>
-          <a:p>
-            <a:pPr lvl="1" marL="313826" indent="-55381" defTabSz="321310">
-              <a:spcBef>
-                <a:spcPts val="300"/>
-              </a:spcBef>
-              <a:buSzPct val="80000"/>
-              <a:buFont typeface="Helvetica Light"/>
-              <a:buChar char="•"/>
-              <a:defRPr b="1" sz="1705">
-                <a:solidFill>
-                  <a:srgbClr val="000000"/>
-                </a:solidFill>
-              </a:defRPr>
-            </a:pPr>
-            <a:r>
-              <a:t>SQL Index</a:t>
-            </a:r>
-          </a:p>
-          <a:p>
-            <a:pPr lvl="1" marL="313826" indent="-55381" defTabSz="321310">
-              <a:spcBef>
-                <a:spcPts val="300"/>
-              </a:spcBef>
-              <a:buSzPct val="80000"/>
-              <a:buFont typeface="Helvetica Light"/>
-              <a:buChar char="•"/>
-              <a:defRPr b="1" sz="1705">
-                <a:solidFill>
-                  <a:srgbClr val="000000"/>
-                </a:solidFill>
-              </a:defRPr>
-            </a:pPr>
-            <a:r>
-              <a:t>SQL Auto Increment</a:t>
-            </a:r>
-          </a:p>
-          <a:p>
-            <a:pPr lvl="1" marL="313826" indent="-55381" defTabSz="321310">
-              <a:spcBef>
-                <a:spcPts val="300"/>
-              </a:spcBef>
-              <a:buSzPct val="80000"/>
-              <a:buFont typeface="Helvetica Light"/>
-              <a:buChar char="•"/>
-              <a:defRPr b="1" sz="1705">
-                <a:solidFill>
-                  <a:srgbClr val="000000"/>
-                </a:solidFill>
-              </a:defRPr>
-            </a:pPr>
-            <a:r>
-              <a:t>SQL Dates</a:t>
-            </a:r>
-          </a:p>
-          <a:p>
-            <a:pPr lvl="1" marL="313826" indent="-55381" defTabSz="321310">
-              <a:spcBef>
-                <a:spcPts val="300"/>
-              </a:spcBef>
-              <a:buSzPct val="80000"/>
-              <a:buFont typeface="Helvetica Light"/>
-              <a:buChar char="•"/>
-              <a:defRPr b="1" sz="1705">
-                <a:solidFill>
-                  <a:srgbClr val="000000"/>
-                </a:solidFill>
-              </a:defRPr>
-            </a:pPr>
-            <a:r>
-              <a:t>SQL Views</a:t>
-            </a:r>
-          </a:p>
-          <a:p>
-            <a:pPr lvl="1" marL="313826" indent="-55381" defTabSz="321310">
-              <a:spcBef>
-                <a:spcPts val="300"/>
-              </a:spcBef>
-              <a:buSzPct val="80000"/>
-              <a:buFont typeface="Helvetica Light"/>
-              <a:buChar char="•"/>
-              <a:defRPr b="1" sz="1705">
-                <a:solidFill>
-                  <a:srgbClr val="000000"/>
-                </a:solidFill>
-              </a:defRPr>
-            </a:pPr>
-            <a:r>
-              <a:t>SQL Injection</a:t>
-            </a:r>
-          </a:p>
-          <a:p>
-            <a:pPr lvl="1" marL="313826" indent="-55381" defTabSz="321310">
-              <a:spcBef>
-                <a:spcPts val="300"/>
-              </a:spcBef>
-              <a:buSzPct val="80000"/>
-              <a:buFont typeface="Helvetica Light"/>
-              <a:buChar char="•"/>
-              <a:defRPr b="1" sz="1705">
-                <a:solidFill>
-                  <a:srgbClr val="000000"/>
-                </a:solidFill>
-              </a:defRPr>
-            </a:pPr>
-            <a:r>
-              <a:t>SQL Data Types</a:t>
+              <a:t>USER_NAME</a:t>
             </a:r>
           </a:p>
         </p:txBody>
@@ -8469,10 +8287,14 @@
           <p:cNvPr id="242" name="Slide Number"/>
           <p:cNvSpPr txBox="1"/>
           <p:nvPr>
-            <p:ph type="sldNum" sz="quarter" idx="2"/>
-          </p:nvPr>
-        </p:nvSpPr>
-        <p:spPr>
+            <p:ph type="sldNum" sz="quarter" idx="4294967295"/>
+          </p:nvPr>
+        </p:nvSpPr>
+        <p:spPr>
+          <a:xfrm>
+            <a:off x="6324598" y="9016999"/>
+            <a:ext cx="342901" cy="355601"/>
+          </a:xfrm>
           <a:prstGeom prst="rect">
             <a:avLst/>
           </a:prstGeom>
@@ -8780,12 +8602,12 @@
           <p:cNvPr id="135" name="Slide Number"/>
           <p:cNvSpPr txBox="1"/>
           <p:nvPr>
-            <p:ph type="sldNum" sz="quarter" idx="2"/>
+            <p:ph type="sldNum" sz="quarter" idx="4294967295"/>
           </p:nvPr>
         </p:nvSpPr>
         <p:spPr>
           <a:xfrm>
-            <a:off x="6381749" y="9016999"/>
+            <a:off x="6381748" y="9016999"/>
             <a:ext cx="228601" cy="355601"/>
           </a:xfrm>
           <a:prstGeom prst="rect">
@@ -8858,7 +8680,7 @@
       </p:sp>
       <p:sp>
         <p:nvSpPr>
-          <p:cNvPr id="245" name="Database Statements"/>
+          <p:cNvPr id="245" name="Other SQL Server Functions"/>
           <p:cNvSpPr txBox="1"/>
           <p:nvPr>
             <p:ph type="subTitle" sz="quarter" idx="1"/>
@@ -8875,7 +8697,7 @@
           <a:p>
             <a:pPr/>
             <a:r>
-              <a:t>Database Statements</a:t>
+              <a:t>Other SQL Server Functions</a:t>
             </a:r>
           </a:p>
         </p:txBody>
@@ -8885,10 +8707,14 @@
           <p:cNvPr id="246" name="Slide Number"/>
           <p:cNvSpPr txBox="1"/>
           <p:nvPr>
-            <p:ph type="sldNum" sz="quarter" idx="2"/>
-          </p:nvPr>
-        </p:nvSpPr>
-        <p:spPr>
+            <p:ph type="sldNum" sz="quarter" idx="4294967295"/>
+          </p:nvPr>
+        </p:nvSpPr>
+        <p:spPr>
+          <a:xfrm>
+            <a:off x="6565899" y="9029699"/>
+            <a:ext cx="342901" cy="355601"/>
+          </a:xfrm>
           <a:prstGeom prst="rect">
             <a:avLst/>
           </a:prstGeom>
@@ -8899,7 +8725,7 @@
           </a:extLst>
         </p:spPr>
         <p:txBody>
-          <a:bodyPr/>
+          <a:bodyPr anchor="ctr"/>
           <a:lstStyle/>
           <a:p>
             <a:pPr/>
@@ -8935,7 +8761,7 @@
       </p:grpSpPr>
       <p:sp>
         <p:nvSpPr>
-          <p:cNvPr id="248" name="Important Concepts for Interview"/>
+          <p:cNvPr id="248" name="SQL Database Statements"/>
           <p:cNvSpPr txBox="1"/>
           <p:nvPr>
             <p:ph type="title"/>
@@ -8948,30 +8774,18 @@
         </p:spPr>
         <p:txBody>
           <a:bodyPr/>
-          <a:lstStyle>
-            <a:lvl1pPr defTabSz="519937">
-              <a:defRPr sz="6586">
-                <a:effectLst>
-                  <a:outerShdw sx="100000" sy="100000" kx="0" ky="0" algn="b" rotWithShape="0" blurRad="22606" dist="22606" dir="15900000">
-                    <a:srgbClr val="595650">
-                      <a:alpha val="33000"/>
-                    </a:srgbClr>
-                  </a:outerShdw>
-                </a:effectLst>
-              </a:defRPr>
-            </a:lvl1pPr>
-          </a:lstStyle>
+          <a:lstStyle/>
           <a:p>
             <a:pPr/>
             <a:r>
-              <a:t>Important Concepts for Interview</a:t>
-            </a:r>
-          </a:p>
-        </p:txBody>
-      </p:sp>
-      <p:sp>
-        <p:nvSpPr>
-          <p:cNvPr id="249" name="Conditional Selects…"/>
+              <a:t>SQL Database Concepts</a:t>
+            </a:r>
+          </a:p>
+        </p:txBody>
+      </p:sp>
+      <p:sp>
+        <p:nvSpPr>
+          <p:cNvPr id="249" name="Create DB…"/>
           <p:cNvSpPr txBox="1"/>
           <p:nvPr>
             <p:ph type="body" idx="1"/>
@@ -8983,183 +8797,312 @@
           </a:prstGeom>
         </p:spPr>
         <p:txBody>
-          <a:bodyPr anchor="t"/>
+          <a:bodyPr/>
           <a:lstStyle/>
           <a:p>
-            <a:pPr marL="100692" indent="-100692">
+            <a:pPr lvl="1" marL="298134" indent="-52611" defTabSz="305244">
               <a:spcBef>
-                <a:spcPts val="700"/>
+                <a:spcPts val="200"/>
               </a:spcBef>
               <a:buSzPct val="80000"/>
               <a:buFont typeface="Helvetica Light"/>
               <a:buChar char="•"/>
-              <a:defRPr b="1" sz="1600">
+              <a:defRPr b="1" sz="1615">
                 <a:solidFill>
                   <a:srgbClr val="000000"/>
                 </a:solidFill>
               </a:defRPr>
             </a:pPr>
-          </a:p>
-          <a:p>
-            <a:pPr lvl="1" marL="570592" indent="-100692">
+            <a:r>
+              <a:t>Create DB - used to create new SQL Database</a:t>
+            </a:r>
+          </a:p>
+          <a:p>
+            <a:pPr lvl="1" marL="298134" indent="-52611" defTabSz="305244">
               <a:spcBef>
-                <a:spcPts val="700"/>
+                <a:spcPts val="200"/>
               </a:spcBef>
               <a:buSzPct val="80000"/>
               <a:buFont typeface="Helvetica Light"/>
               <a:buChar char="•"/>
-              <a:defRPr b="1" sz="1600">
+              <a:defRPr b="1" sz="1615">
                 <a:solidFill>
                   <a:srgbClr val="000000"/>
                 </a:solidFill>
               </a:defRPr>
             </a:pPr>
             <a:r>
-              <a:t>Conditional Selects</a:t>
-            </a:r>
-          </a:p>
-          <a:p>
-            <a:pPr lvl="1" marL="570592" indent="-100692">
+              <a:t>Drop DB - used to drop SQL Database</a:t>
+            </a:r>
+          </a:p>
+          <a:p>
+            <a:pPr lvl="1" marL="298134" indent="-52611" defTabSz="305244">
               <a:spcBef>
-                <a:spcPts val="700"/>
+                <a:spcPts val="200"/>
               </a:spcBef>
               <a:buSzPct val="80000"/>
               <a:buFont typeface="Helvetica Light"/>
               <a:buChar char="•"/>
-              <a:defRPr b="1" sz="1600">
+              <a:defRPr b="1" sz="1615">
                 <a:solidFill>
                   <a:srgbClr val="000000"/>
                 </a:solidFill>
               </a:defRPr>
             </a:pPr>
             <a:r>
-              <a:t>SQL Windows Functions</a:t>
-            </a:r>
-          </a:p>
-          <a:p>
-            <a:pPr lvl="1" marL="570592" indent="-100692">
+              <a:t>Backup DB - used to create a full back up of an existing SQL Database</a:t>
+            </a:r>
+          </a:p>
+          <a:p>
+            <a:pPr lvl="1" marL="298134" indent="-52611" defTabSz="305244">
               <a:spcBef>
-                <a:spcPts val="700"/>
+                <a:spcPts val="200"/>
               </a:spcBef>
               <a:buSzPct val="80000"/>
               <a:buFont typeface="Helvetica Light"/>
               <a:buChar char="•"/>
-              <a:defRPr b="1" sz="1600">
+              <a:defRPr b="1" sz="1615">
                 <a:solidFill>
                   <a:srgbClr val="000000"/>
                 </a:solidFill>
               </a:defRPr>
             </a:pPr>
             <a:r>
-              <a:t>Removing Duplicates</a:t>
-            </a:r>
-          </a:p>
-          <a:p>
-            <a:pPr lvl="1" marL="570592" indent="-100692">
+              <a:t>Create Table - used to create new table</a:t>
+            </a:r>
+          </a:p>
+          <a:p>
+            <a:pPr lvl="1" marL="298134" indent="-52611" defTabSz="305244">
               <a:spcBef>
-                <a:spcPts val="700"/>
+                <a:spcPts val="200"/>
               </a:spcBef>
               <a:buSzPct val="80000"/>
               <a:buFont typeface="Helvetica Light"/>
               <a:buChar char="•"/>
-              <a:defRPr b="1" sz="1600">
+              <a:defRPr b="1" sz="1615">
                 <a:solidFill>
                   <a:srgbClr val="000000"/>
                 </a:solidFill>
               </a:defRPr>
             </a:pPr>
             <a:r>
-              <a:t>Case statement</a:t>
-            </a:r>
-          </a:p>
-          <a:p>
-            <a:pPr lvl="1" marL="570592" indent="-100692">
+              <a:t>Drop Table - used to drop table</a:t>
+            </a:r>
+          </a:p>
+          <a:p>
+            <a:pPr lvl="1" marL="298134" indent="-52611" defTabSz="305244">
               <a:spcBef>
-                <a:spcPts val="700"/>
+                <a:spcPts val="200"/>
               </a:spcBef>
               <a:buSzPct val="80000"/>
               <a:buFont typeface="Helvetica Light"/>
               <a:buChar char="•"/>
-              <a:defRPr b="1" sz="1600">
+              <a:defRPr b="1" sz="1615">
                 <a:solidFill>
                   <a:srgbClr val="000000"/>
                 </a:solidFill>
               </a:defRPr>
             </a:pPr>
             <a:r>
-              <a:t>SQL Joins</a:t>
-            </a:r>
-          </a:p>
-          <a:p>
-            <a:pPr lvl="1" marL="570592" indent="-100692">
+              <a:t>Alter Table - used to alter table</a:t>
+            </a:r>
+          </a:p>
+          <a:p>
+            <a:pPr lvl="1" marL="298134" indent="-52611" defTabSz="305244">
               <a:spcBef>
-                <a:spcPts val="700"/>
+                <a:spcPts val="200"/>
               </a:spcBef>
               <a:buSzPct val="80000"/>
               <a:buFont typeface="Helvetica Light"/>
               <a:buChar char="•"/>
-              <a:defRPr b="1" sz="1600">
+              <a:defRPr b="1" sz="1615">
                 <a:solidFill>
                   <a:srgbClr val="000000"/>
                 </a:solidFill>
               </a:defRPr>
             </a:pPr>
             <a:r>
-              <a:t>Select Distinct Statement</a:t>
-            </a:r>
-          </a:p>
-          <a:p>
-            <a:pPr lvl="1" marL="570592" indent="-100692">
+              <a:t>SQL Constraints - used to specify rules for data in a table</a:t>
+            </a:r>
+          </a:p>
+          <a:p>
+            <a:pPr lvl="1" marL="298134" indent="-52611" defTabSz="305244">
               <a:spcBef>
-                <a:spcPts val="700"/>
+                <a:spcPts val="200"/>
               </a:spcBef>
               <a:buSzPct val="80000"/>
               <a:buFont typeface="Helvetica Light"/>
               <a:buChar char="•"/>
-              <a:defRPr b="1" sz="1600">
+              <a:defRPr b="1" sz="1615">
                 <a:solidFill>
                   <a:srgbClr val="000000"/>
                 </a:solidFill>
               </a:defRPr>
             </a:pPr>
             <a:r>
-              <a:t>Union and Union All</a:t>
-            </a:r>
-          </a:p>
-          <a:p>
-            <a:pPr lvl="1" marL="570592" indent="-100692">
+              <a:t>SQL Not NULL - NOT NULL constrain enforces a column to NOT accept NULL values</a:t>
+            </a:r>
+          </a:p>
+          <a:p>
+            <a:pPr lvl="1" marL="298134" indent="-52611" defTabSz="305244">
               <a:spcBef>
-                <a:spcPts val="700"/>
+                <a:spcPts val="200"/>
               </a:spcBef>
               <a:buSzPct val="80000"/>
               <a:buFont typeface="Helvetica Light"/>
               <a:buChar char="•"/>
-              <a:defRPr b="1" sz="1600">
+              <a:defRPr b="1" sz="1615">
                 <a:solidFill>
                   <a:srgbClr val="000000"/>
                 </a:solidFill>
               </a:defRPr>
             </a:pPr>
             <a:r>
-              <a:t>SQL Aggregate Functions</a:t>
-            </a:r>
-          </a:p>
-          <a:p>
-            <a:pPr lvl="1" marL="570592" indent="-100692">
+              <a:t>SQL Unique - ensures all values in this column are unique</a:t>
+            </a:r>
+          </a:p>
+          <a:p>
+            <a:pPr lvl="1" marL="298134" indent="-52611" defTabSz="305244">
               <a:spcBef>
-                <a:spcPts val="700"/>
+                <a:spcPts val="200"/>
               </a:spcBef>
               <a:buSzPct val="80000"/>
               <a:buFont typeface="Helvetica Light"/>
               <a:buChar char="•"/>
-              <a:defRPr b="1" sz="1600">
+              <a:defRPr b="1" sz="1615">
                 <a:solidFill>
                   <a:srgbClr val="000000"/>
                 </a:solidFill>
               </a:defRPr>
             </a:pPr>
             <a:r>
-              <a:t>https://medium.com/swlh/5-important-sql-concepts-for-your-next-data-science-interview-27e8bcf3d045</a:t>
+              <a:t>SQL Primary Key - this constraint uniquely identified each record in a table</a:t>
+            </a:r>
+          </a:p>
+          <a:p>
+            <a:pPr lvl="1" marL="298134" indent="-52611" defTabSz="305244">
+              <a:spcBef>
+                <a:spcPts val="200"/>
+              </a:spcBef>
+              <a:buSzPct val="80000"/>
+              <a:buFont typeface="Helvetica Light"/>
+              <a:buChar char="•"/>
+              <a:defRPr b="1" sz="1615">
+                <a:solidFill>
+                  <a:srgbClr val="000000"/>
+                </a:solidFill>
+              </a:defRPr>
+            </a:pPr>
+            <a:r>
+              <a:t>SQL Foreign Key - this is a field or a collection of field in one table, that refers to the primary key in another table. The table with Foreign key is referenced as a child table while the one with primary key is called parent table.</a:t>
+            </a:r>
+          </a:p>
+          <a:p>
+            <a:pPr lvl="1" marL="298134" indent="-52611" defTabSz="305244">
+              <a:spcBef>
+                <a:spcPts val="200"/>
+              </a:spcBef>
+              <a:buSzPct val="80000"/>
+              <a:buFont typeface="Helvetica Light"/>
+              <a:buChar char="•"/>
+              <a:defRPr b="1" sz="1615">
+                <a:solidFill>
+                  <a:srgbClr val="000000"/>
+                </a:solidFill>
+              </a:defRPr>
+            </a:pPr>
+            <a:r>
+              <a:t>SQL Check - this constraint is used to limit the value range that can be used to be placed in a column</a:t>
+            </a:r>
+          </a:p>
+          <a:p>
+            <a:pPr lvl="1" marL="298134" indent="-52611" defTabSz="305244">
+              <a:spcBef>
+                <a:spcPts val="200"/>
+              </a:spcBef>
+              <a:buSzPct val="80000"/>
+              <a:buFont typeface="Helvetica Light"/>
+              <a:buChar char="•"/>
+              <a:defRPr b="1" sz="1615">
+                <a:solidFill>
+                  <a:srgbClr val="000000"/>
+                </a:solidFill>
+              </a:defRPr>
+            </a:pPr>
+            <a:r>
+              <a:t>SQL Default - this constraint is used to set a default value for a column</a:t>
+            </a:r>
+          </a:p>
+          <a:p>
+            <a:pPr lvl="1" marL="298134" indent="-52611" defTabSz="305244">
+              <a:spcBef>
+                <a:spcPts val="200"/>
+              </a:spcBef>
+              <a:buSzPct val="80000"/>
+              <a:buFont typeface="Helvetica Light"/>
+              <a:buChar char="•"/>
+              <a:defRPr b="1" sz="1615">
+                <a:solidFill>
+                  <a:srgbClr val="000000"/>
+                </a:solidFill>
+              </a:defRPr>
+            </a:pPr>
+            <a:r>
+              <a:t>SQL Index - is used to create indexes in tables</a:t>
+            </a:r>
+          </a:p>
+          <a:p>
+            <a:pPr lvl="1" marL="298134" indent="-52611" defTabSz="305244">
+              <a:spcBef>
+                <a:spcPts val="200"/>
+              </a:spcBef>
+              <a:buSzPct val="80000"/>
+              <a:buFont typeface="Helvetica Light"/>
+              <a:buChar char="•"/>
+              <a:defRPr b="1" sz="1615">
+                <a:solidFill>
+                  <a:srgbClr val="000000"/>
+                </a:solidFill>
+              </a:defRPr>
+            </a:pPr>
+            <a:r>
+              <a:t>SQL Auto Increment - this allows a unique number to be generated automatically when a new record is inserted into a table</a:t>
+            </a:r>
+          </a:p>
+          <a:p>
+            <a:pPr lvl="1" marL="298134" indent="-52611" defTabSz="305244">
+              <a:spcBef>
+                <a:spcPts val="200"/>
+              </a:spcBef>
+              <a:buSzPct val="80000"/>
+              <a:buFont typeface="Helvetica Light"/>
+              <a:buChar char="•"/>
+              <a:defRPr b="1" sz="1615">
+                <a:solidFill>
+                  <a:srgbClr val="000000"/>
+                </a:solidFill>
+              </a:defRPr>
+            </a:pPr>
+            <a:r>
+              <a:t>SQL View - view is a virtual table based on the result set of a SQL statement</a:t>
+            </a:r>
+          </a:p>
+          <a:p>
+            <a:pPr lvl="1" marL="298134" indent="-52611" defTabSz="305244">
+              <a:spcBef>
+                <a:spcPts val="200"/>
+              </a:spcBef>
+              <a:buSzPct val="80000"/>
+              <a:buFont typeface="Helvetica Light"/>
+              <a:buChar char="•"/>
+              <a:defRPr b="1" sz="1615">
+                <a:solidFill>
+                  <a:srgbClr val="000000"/>
+                </a:solidFill>
+              </a:defRPr>
+            </a:pPr>
+            <a:r>
+              <a:t>SQL Injection - SQL injection usually occurs when you ask a user to input their username, pwd but instead they give you a SQL statement that will run on your database and can potentially be malicious</a:t>
             </a:r>
           </a:p>
         </p:txBody>
@@ -9169,10 +9112,14 @@
           <p:cNvPr id="250" name="Slide Number"/>
           <p:cNvSpPr txBox="1"/>
           <p:nvPr>
-            <p:ph type="sldNum" sz="quarter" idx="2"/>
-          </p:nvPr>
-        </p:nvSpPr>
-        <p:spPr>
+            <p:ph type="sldNum" sz="quarter" idx="4294967295"/>
+          </p:nvPr>
+        </p:nvSpPr>
+        <p:spPr>
+          <a:xfrm>
+            <a:off x="6324598" y="9016999"/>
+            <a:ext cx="342901" cy="355601"/>
+          </a:xfrm>
           <a:prstGeom prst="rect">
             <a:avLst/>
           </a:prstGeom>
@@ -9219,7 +9166,7 @@
       </p:grpSpPr>
       <p:sp>
         <p:nvSpPr>
-          <p:cNvPr id="252" name="Conditional Selects"/>
+          <p:cNvPr id="252" name="Important Concepts for Interview"/>
           <p:cNvSpPr txBox="1"/>
           <p:nvPr>
             <p:ph type="title"/>
@@ -9232,37 +9179,201 @@
         </p:spPr>
         <p:txBody>
           <a:bodyPr/>
+          <a:lstStyle>
+            <a:lvl1pPr defTabSz="519937">
+              <a:defRPr sz="6500">
+                <a:effectLst>
+                  <a:outerShdw sx="100000" sy="100000" kx="0" ky="0" algn="b" rotWithShape="0" blurRad="25400" dist="22606" dir="15900000">
+                    <a:srgbClr val="595650">
+                      <a:alpha val="33000"/>
+                    </a:srgbClr>
+                  </a:outerShdw>
+                </a:effectLst>
+              </a:defRPr>
+            </a:lvl1pPr>
+          </a:lstStyle>
+          <a:p>
+            <a:pPr/>
+            <a:r>
+              <a:t>Important Concepts for Interview</a:t>
+            </a:r>
+          </a:p>
+        </p:txBody>
+      </p:sp>
+      <p:sp>
+        <p:nvSpPr>
+          <p:cNvPr id="253" name="Conditional Selects…"/>
+          <p:cNvSpPr txBox="1"/>
+          <p:nvPr>
+            <p:ph type="body" idx="1"/>
+          </p:nvPr>
+        </p:nvSpPr>
+        <p:spPr>
+          <a:prstGeom prst="rect">
+            <a:avLst/>
+          </a:prstGeom>
+        </p:spPr>
+        <p:txBody>
+          <a:bodyPr anchor="t"/>
           <a:lstStyle/>
           <a:p>
-            <a:pPr/>
+            <a:pPr marL="100692" indent="-100692">
+              <a:spcBef>
+                <a:spcPts val="700"/>
+              </a:spcBef>
+              <a:buSzPct val="80000"/>
+              <a:buFont typeface="Helvetica Light"/>
+              <a:buChar char="•"/>
+              <a:defRPr b="1" sz="3600">
+                <a:solidFill>
+                  <a:srgbClr val="000000"/>
+                </a:solidFill>
+              </a:defRPr>
+            </a:pPr>
+          </a:p>
+          <a:p>
+            <a:pPr lvl="1" marL="570592" indent="-100692">
+              <a:spcBef>
+                <a:spcPts val="700"/>
+              </a:spcBef>
+              <a:buSzPct val="80000"/>
+              <a:buFont typeface="Helvetica Light"/>
+              <a:buChar char="•"/>
+              <a:defRPr b="1" sz="3600">
+                <a:solidFill>
+                  <a:srgbClr val="000000"/>
+                </a:solidFill>
+              </a:defRPr>
+            </a:pPr>
             <a:r>
               <a:t>Conditional Selects</a:t>
             </a:r>
           </a:p>
-        </p:txBody>
-      </p:sp>
-      <p:sp>
-        <p:nvSpPr>
-          <p:cNvPr id="253" name="Body"/>
-          <p:cNvSpPr txBox="1"/>
-          <p:nvPr>
-            <p:ph type="body" idx="1"/>
-          </p:nvPr>
-        </p:nvSpPr>
-        <p:spPr>
-          <a:prstGeom prst="rect">
-            <a:avLst/>
-          </a:prstGeom>
-        </p:spPr>
-        <p:txBody>
-          <a:bodyPr/>
-          <a:lstStyle/>
-          <a:p>
-            <a:pPr>
-              <a:buBlip>
-                <a:blip r:embed="rId2"/>
-              </a:buBlip>
+          <a:p>
+            <a:pPr lvl="1" marL="570592" indent="-100692">
+              <a:spcBef>
+                <a:spcPts val="700"/>
+              </a:spcBef>
+              <a:buSzPct val="80000"/>
+              <a:buFont typeface="Helvetica Light"/>
+              <a:buChar char="•"/>
+              <a:defRPr b="1" sz="3600">
+                <a:solidFill>
+                  <a:srgbClr val="000000"/>
+                </a:solidFill>
+              </a:defRPr>
             </a:pPr>
+            <a:r>
+              <a:t>SQL Windows Functions</a:t>
+            </a:r>
+          </a:p>
+          <a:p>
+            <a:pPr lvl="1" marL="570592" indent="-100692">
+              <a:spcBef>
+                <a:spcPts val="700"/>
+              </a:spcBef>
+              <a:buSzPct val="80000"/>
+              <a:buFont typeface="Helvetica Light"/>
+              <a:buChar char="•"/>
+              <a:defRPr b="1" sz="3600">
+                <a:solidFill>
+                  <a:srgbClr val="000000"/>
+                </a:solidFill>
+              </a:defRPr>
+            </a:pPr>
+            <a:r>
+              <a:t>Removing Duplicates</a:t>
+            </a:r>
+          </a:p>
+          <a:p>
+            <a:pPr lvl="1" marL="570592" indent="-100692">
+              <a:spcBef>
+                <a:spcPts val="700"/>
+              </a:spcBef>
+              <a:buSzPct val="80000"/>
+              <a:buFont typeface="Helvetica Light"/>
+              <a:buChar char="•"/>
+              <a:defRPr b="1" sz="3600">
+                <a:solidFill>
+                  <a:srgbClr val="000000"/>
+                </a:solidFill>
+              </a:defRPr>
+            </a:pPr>
+            <a:r>
+              <a:t>Case statement</a:t>
+            </a:r>
+          </a:p>
+          <a:p>
+            <a:pPr lvl="1" marL="570592" indent="-100692">
+              <a:spcBef>
+                <a:spcPts val="700"/>
+              </a:spcBef>
+              <a:buSzPct val="80000"/>
+              <a:buFont typeface="Helvetica Light"/>
+              <a:buChar char="•"/>
+              <a:defRPr b="1" sz="3600">
+                <a:solidFill>
+                  <a:srgbClr val="000000"/>
+                </a:solidFill>
+              </a:defRPr>
+            </a:pPr>
+            <a:r>
+              <a:t>SQL Joins</a:t>
+            </a:r>
+          </a:p>
+          <a:p>
+            <a:pPr lvl="1" marL="570592" indent="-100692">
+              <a:spcBef>
+                <a:spcPts val="700"/>
+              </a:spcBef>
+              <a:buSzPct val="80000"/>
+              <a:buFont typeface="Helvetica Light"/>
+              <a:buChar char="•"/>
+              <a:defRPr b="1" sz="3600">
+                <a:solidFill>
+                  <a:srgbClr val="000000"/>
+                </a:solidFill>
+              </a:defRPr>
+            </a:pPr>
+            <a:r>
+              <a:t>Select Distinct Statement</a:t>
+            </a:r>
+          </a:p>
+          <a:p>
+            <a:pPr lvl="1" marL="570592" indent="-100692">
+              <a:spcBef>
+                <a:spcPts val="700"/>
+              </a:spcBef>
+              <a:buSzPct val="80000"/>
+              <a:buFont typeface="Helvetica Light"/>
+              <a:buChar char="•"/>
+              <a:defRPr b="1" sz="3600">
+                <a:solidFill>
+                  <a:srgbClr val="000000"/>
+                </a:solidFill>
+              </a:defRPr>
+            </a:pPr>
+            <a:r>
+              <a:t>Union and Union All</a:t>
+            </a:r>
+          </a:p>
+          <a:p>
+            <a:pPr lvl="1" marL="570592" indent="-100692">
+              <a:spcBef>
+                <a:spcPts val="700"/>
+              </a:spcBef>
+              <a:buSzPct val="80000"/>
+              <a:buFont typeface="Helvetica Light"/>
+              <a:buChar char="•"/>
+              <a:defRPr b="1" sz="3600">
+                <a:solidFill>
+                  <a:srgbClr val="000000"/>
+                </a:solidFill>
+              </a:defRPr>
+            </a:pPr>
+            <a:r>
+              <a:t>SQL Aggregate Functions</a:t>
+            </a:r>
           </a:p>
         </p:txBody>
       </p:sp>
@@ -9271,10 +9382,14 @@
           <p:cNvPr id="254" name="Slide Number"/>
           <p:cNvSpPr txBox="1"/>
           <p:nvPr>
-            <p:ph type="sldNum" sz="quarter" idx="2"/>
-          </p:nvPr>
-        </p:nvSpPr>
-        <p:spPr>
+            <p:ph type="sldNum" sz="quarter" idx="4294967295"/>
+          </p:nvPr>
+        </p:nvSpPr>
+        <p:spPr>
+          <a:xfrm>
+            <a:off x="6324598" y="9016999"/>
+            <a:ext cx="342901" cy="355601"/>
+          </a:xfrm>
           <a:prstGeom prst="rect">
             <a:avLst/>
           </a:prstGeom>
@@ -9321,7 +9436,7 @@
       </p:grpSpPr>
       <p:sp>
         <p:nvSpPr>
-          <p:cNvPr id="256" name="SQL Windows Functions"/>
+          <p:cNvPr id="256" name="Conditional Selects"/>
           <p:cNvSpPr txBox="1"/>
           <p:nvPr>
             <p:ph type="title"/>
@@ -9338,7 +9453,7 @@
           <a:p>
             <a:pPr/>
             <a:r>
-              <a:t>SQL Windows Functions</a:t>
+              <a:t>Conditional Selects</a:t>
             </a:r>
           </a:p>
         </p:txBody>
@@ -9360,12 +9475,169 @@
           <a:bodyPr/>
           <a:lstStyle/>
           <a:p>
-            <a:pPr>
-              <a:buBlip>
-                <a:blip r:embed="rId2"/>
-              </a:buBlip>
+            <a:pPr marL="457200" indent="-317500" defTabSz="457200">
+              <a:spcBef>
+                <a:spcPts val="1200"/>
+              </a:spcBef>
+              <a:buClr>
+                <a:srgbClr val="000000"/>
+              </a:buClr>
+              <a:buSzPct val="100000"/>
+              <a:buFont typeface="Times"/>
+              <a:buChar char="•"/>
+              <a:defRPr b="1" sz="2300">
+                <a:solidFill>
+                  <a:srgbClr val="000000"/>
+                </a:solidFill>
+                <a:latin typeface="Times"/>
+                <a:ea typeface="Times"/>
+                <a:cs typeface="Times"/>
+                <a:sym typeface="Times"/>
+              </a:defRPr>
             </a:pPr>
           </a:p>
+          <a:p>
+            <a:pPr marL="457200" indent="-317500" defTabSz="457200">
+              <a:spcBef>
+                <a:spcPts val="1200"/>
+              </a:spcBef>
+              <a:buClr>
+                <a:srgbClr val="000000"/>
+              </a:buClr>
+              <a:buSzPct val="100000"/>
+              <a:buFont typeface="Times"/>
+              <a:buChar char="•"/>
+              <a:defRPr b="1" sz="2300">
+                <a:solidFill>
+                  <a:srgbClr val="000000"/>
+                </a:solidFill>
+                <a:latin typeface="Times"/>
+                <a:ea typeface="Times"/>
+                <a:cs typeface="Times"/>
+                <a:sym typeface="Times"/>
+              </a:defRPr>
+            </a:pPr>
+            <a:r>
+              <a:t>Fetching data that satisfies given condition.</a:t>
+            </a:r>
+          </a:p>
+          <a:p>
+            <a:pPr marL="457200" indent="-317500" defTabSz="457200">
+              <a:spcBef>
+                <a:spcPts val="1200"/>
+              </a:spcBef>
+              <a:buClr>
+                <a:srgbClr val="000000"/>
+              </a:buClr>
+              <a:buSzPct val="100000"/>
+              <a:buFont typeface="Times"/>
+              <a:buChar char="•"/>
+              <a:defRPr b="1" sz="2300">
+                <a:solidFill>
+                  <a:srgbClr val="000000"/>
+                </a:solidFill>
+                <a:latin typeface="Times"/>
+                <a:ea typeface="Times"/>
+                <a:cs typeface="Times"/>
+                <a:sym typeface="Times"/>
+              </a:defRPr>
+            </a:pPr>
+            <a:r>
+              <a:t>Can use WHERE or HAVING to achieve this.</a:t>
+            </a:r>
+          </a:p>
+          <a:p>
+            <a:pPr marL="457200" indent="-317500" defTabSz="457200">
+              <a:spcBef>
+                <a:spcPts val="1200"/>
+              </a:spcBef>
+              <a:buClr>
+                <a:srgbClr val="000000"/>
+              </a:buClr>
+              <a:buSzPct val="100000"/>
+              <a:buFont typeface="Times"/>
+              <a:buChar char="•"/>
+              <a:defRPr b="1" sz="2300">
+                <a:solidFill>
+                  <a:srgbClr val="000000"/>
+                </a:solidFill>
+                <a:latin typeface="Times"/>
+                <a:ea typeface="Times"/>
+                <a:cs typeface="Times"/>
+                <a:sym typeface="Times"/>
+              </a:defRPr>
+            </a:pPr>
+            <a:r>
+              <a:t>Example1: SELECT BusinessEntityID, JobTitle, LoginID</a:t>
+            </a:r>
+            <a:br/>
+            <a:r>
+              <a:t>FROM HumanResources.Employee</a:t>
+            </a:r>
+            <a:br/>
+            <a:r>
+              <a:t>WHERE JobTitle = 'Research and Development Engineer'; </a:t>
+            </a:r>
+          </a:p>
+          <a:p>
+            <a:pPr marL="457200" indent="-317500" defTabSz="457200">
+              <a:spcBef>
+                <a:spcPts val="1200"/>
+              </a:spcBef>
+              <a:buClr>
+                <a:srgbClr val="000000"/>
+              </a:buClr>
+              <a:buSzPct val="100000"/>
+              <a:buFont typeface="Times"/>
+              <a:buChar char="•"/>
+              <a:defRPr b="1" sz="2300">
+                <a:solidFill>
+                  <a:srgbClr val="000000"/>
+                </a:solidFill>
+                <a:latin typeface="Times"/>
+                <a:ea typeface="Times"/>
+                <a:cs typeface="Times"/>
+                <a:sym typeface="Times"/>
+              </a:defRPr>
+            </a:pPr>
+            <a:r>
+              <a:t>Example2: SELECT SUM(LineTotal) AS SumOfLineTotal, SalesOrderID FROM Sales.SalesOrderDetail</a:t>
+            </a:r>
+            <a:br/>
+            <a:r>
+              <a:t>GROUP BY SalesOrderID</a:t>
+            </a:r>
+            <a:br/>
+            <a:r>
+              <a:t>HAVING SUM(LineTotal) &gt; 1000;</a:t>
+            </a:r>
+            <a:br/>
+          </a:p>
+          <a:p>
+            <a:pPr marL="457200" indent="-317500" defTabSz="457200">
+              <a:spcBef>
+                <a:spcPts val="1200"/>
+              </a:spcBef>
+              <a:buClr>
+                <a:srgbClr val="000000"/>
+              </a:buClr>
+              <a:buSzPct val="100000"/>
+              <a:buFont typeface="Times"/>
+              <a:buChar char="•"/>
+              <a:defRPr b="1" sz="2300">
+                <a:solidFill>
+                  <a:srgbClr val="000000"/>
+                </a:solidFill>
+                <a:latin typeface="Times"/>
+                <a:ea typeface="Times"/>
+                <a:cs typeface="Times"/>
+                <a:sym typeface="Times"/>
+              </a:defRPr>
+            </a:pPr>
+            <a:r>
+              <a:t>Having cannot be used as a where clause, it can only supplement.</a:t>
+            </a:r>
+          </a:p>
         </p:txBody>
       </p:sp>
       <p:sp>
@@ -9373,10 +9645,14 @@
           <p:cNvPr id="258" name="Slide Number"/>
           <p:cNvSpPr txBox="1"/>
           <p:nvPr>
-            <p:ph type="sldNum" sz="quarter" idx="2"/>
-          </p:nvPr>
-        </p:nvSpPr>
-        <p:spPr>
+            <p:ph type="sldNum" sz="quarter" idx="4294967295"/>
+          </p:nvPr>
+        </p:nvSpPr>
+        <p:spPr>
+          <a:xfrm>
+            <a:off x="6324598" y="9016999"/>
+            <a:ext cx="342901" cy="355601"/>
+          </a:xfrm>
           <a:prstGeom prst="rect">
             <a:avLst/>
           </a:prstGeom>
@@ -9423,7 +9699,7 @@
       </p:grpSpPr>
       <p:sp>
         <p:nvSpPr>
-          <p:cNvPr id="260" name="Removing Duplicates"/>
+          <p:cNvPr id="260" name="SQL Windows Functions"/>
           <p:cNvSpPr txBox="1"/>
           <p:nvPr>
             <p:ph type="title"/>
@@ -9440,7 +9716,7 @@
           <a:p>
             <a:pPr/>
             <a:r>
-              <a:t>Removing Duplicates</a:t>
+              <a:t>SQL Window Functions</a:t>
             </a:r>
           </a:p>
         </p:txBody>
@@ -9462,11 +9738,47 @@
           <a:bodyPr/>
           <a:lstStyle/>
           <a:p>
-            <a:pPr>
-              <a:buBlip>
-                <a:blip r:embed="rId2"/>
-              </a:buBlip>
+            <a:pPr marL="349517" indent="-349517" defTabSz="484886">
+              <a:spcBef>
+                <a:spcPts val="3400"/>
+              </a:spcBef>
+              <a:buSzPct val="100000"/>
+              <a:buChar char="•"/>
+              <a:defRPr b="1" sz="3486">
+                <a:solidFill>
+                  <a:srgbClr val="000000"/>
+                </a:solidFill>
+              </a:defRPr>
             </a:pPr>
+            <a:r>
+              <a:t>SQL Window function performs a calculation across a set of tables rows that are somehow related to the current row.</a:t>
+            </a:r>
+          </a:p>
+          <a:p>
+            <a:pPr marL="349517" indent="-349517" defTabSz="484886">
+              <a:spcBef>
+                <a:spcPts val="3400"/>
+              </a:spcBef>
+              <a:buSzPct val="100000"/>
+              <a:buChar char="•"/>
+              <a:defRPr b="1" sz="3486">
+                <a:solidFill>
+                  <a:srgbClr val="000000"/>
+                </a:solidFill>
+              </a:defRPr>
+            </a:pPr>
+            <a:r>
+              <a:t>Example: SELECT FirstName, LastName, e.JobTitle, HireDate, COUNT(*) OVER(PARTITION BY JobTitle) AS CountOfTitle </a:t>
+            </a:r>
+            <a:br/>
+            <a:r>
+              <a:t>FROM HumanResources.Employee AS e</a:t>
+            </a:r>
+            <a:br/>
+            <a:r>
+              <a:t>INNER JOIN Person.Person AS p ON e.BusinessEntityID = p.BusinessEntityID </a:t>
+            </a:r>
+            <a:br/>
           </a:p>
         </p:txBody>
       </p:sp>
@@ -9475,10 +9787,14 @@
           <p:cNvPr id="262" name="Slide Number"/>
           <p:cNvSpPr txBox="1"/>
           <p:nvPr>
-            <p:ph type="sldNum" sz="quarter" idx="2"/>
-          </p:nvPr>
-        </p:nvSpPr>
-        <p:spPr>
+            <p:ph type="sldNum" sz="quarter" idx="4294967295"/>
+          </p:nvPr>
+        </p:nvSpPr>
+        <p:spPr>
+          <a:xfrm>
+            <a:off x="6324598" y="9016999"/>
+            <a:ext cx="342901" cy="355601"/>
+          </a:xfrm>
           <a:prstGeom prst="rect">
             <a:avLst/>
           </a:prstGeom>
@@ -9525,7 +9841,7 @@
       </p:grpSpPr>
       <p:sp>
         <p:nvSpPr>
-          <p:cNvPr id="264" name="Case Statement"/>
+          <p:cNvPr id="264" name="Removing Duplicates"/>
           <p:cNvSpPr txBox="1"/>
           <p:nvPr>
             <p:ph type="title"/>
@@ -9542,7 +9858,7 @@
           <a:p>
             <a:pPr/>
             <a:r>
-              <a:t>Case Statement</a:t>
+              <a:t>Removing Duplicates</a:t>
             </a:r>
           </a:p>
         </p:txBody>
@@ -9564,11 +9880,32 @@
           <a:bodyPr/>
           <a:lstStyle/>
           <a:p>
-            <a:pPr>
-              <a:buBlip>
-                <a:blip r:embed="rId2"/>
-              </a:buBlip>
+            <a:pPr marL="290763" indent="-290763">
+              <a:buSzPct val="100000"/>
+              <a:buChar char="•"/>
+              <a:defRPr b="1" sz="2900">
+                <a:solidFill>
+                  <a:srgbClr val="000000"/>
+                </a:solidFill>
+              </a:defRPr>
             </a:pPr>
+            <a:r>
+              <a:t>How to eliminate duplicate records can come in handy.</a:t>
+            </a:r>
+          </a:p>
+          <a:p>
+            <a:pPr marL="290763" indent="-290763">
+              <a:buSzPct val="100000"/>
+              <a:buChar char="•"/>
+              <a:defRPr b="1" sz="2900">
+                <a:solidFill>
+                  <a:srgbClr val="000000"/>
+                </a:solidFill>
+              </a:defRPr>
+            </a:pPr>
+            <a:r>
+              <a:t>One way is to identify using a unique identifier like ROWID and delete the duplicate ones.</a:t>
+            </a:r>
           </a:p>
         </p:txBody>
       </p:sp>
@@ -9577,10 +9914,14 @@
           <p:cNvPr id="266" name="Slide Number"/>
           <p:cNvSpPr txBox="1"/>
           <p:nvPr>
-            <p:ph type="sldNum" sz="quarter" idx="2"/>
-          </p:nvPr>
-        </p:nvSpPr>
-        <p:spPr>
+            <p:ph type="sldNum" sz="quarter" idx="4294967295"/>
+          </p:nvPr>
+        </p:nvSpPr>
+        <p:spPr>
+          <a:xfrm>
+            <a:off x="6324598" y="9016999"/>
+            <a:ext cx="342901" cy="355601"/>
+          </a:xfrm>
           <a:prstGeom prst="rect">
             <a:avLst/>
           </a:prstGeom>
@@ -9627,7 +9968,7 @@
       </p:grpSpPr>
       <p:sp>
         <p:nvSpPr>
-          <p:cNvPr id="268" name="SQL Joins"/>
+          <p:cNvPr id="268" name="Case Statement"/>
           <p:cNvSpPr txBox="1"/>
           <p:nvPr>
             <p:ph type="title"/>
@@ -9644,7 +9985,7 @@
           <a:p>
             <a:pPr/>
             <a:r>
-              <a:t>SQL Joins</a:t>
+              <a:t>Case Statement</a:t>
             </a:r>
           </a:p>
         </p:txBody>
@@ -9666,11 +10007,44 @@
           <a:bodyPr/>
           <a:lstStyle/>
           <a:p>
-            <a:pPr>
-              <a:buBlip>
-                <a:blip r:embed="rId2"/>
-              </a:buBlip>
+            <a:pPr marL="250657" indent="-250657">
+              <a:buSzPct val="100000"/>
+              <a:buChar char="•"/>
+              <a:defRPr b="1" sz="2500">
+                <a:solidFill>
+                  <a:srgbClr val="000000"/>
+                </a:solidFill>
+              </a:defRPr>
             </a:pPr>
+            <a:r>
+              <a:t>This is excel equivalent of IF-THEN.</a:t>
+            </a:r>
+          </a:p>
+          <a:p>
+            <a:pPr marL="250657" indent="-250657">
+              <a:buSzPct val="100000"/>
+              <a:buChar char="•"/>
+              <a:defRPr b="1" sz="2500">
+                <a:solidFill>
+                  <a:srgbClr val="000000"/>
+                </a:solidFill>
+              </a:defRPr>
+            </a:pPr>
+            <a:r>
+              <a:t>Example: SELECT BusinessEntityID, CASE BusinessEntityID WHEN 0 THEN 'Even' ELSE 'Odd' END</a:t>
+            </a:r>
+            <a:br>
+              <a:rPr>
+                <a:latin typeface="Courier"/>
+                <a:ea typeface="Courier"/>
+                <a:cs typeface="Courier"/>
+                <a:sym typeface="Courier"/>
+              </a:rPr>
+            </a:br>
+            <a:r>
+              <a:t>FROM HumanResources.Employee; </a:t>
+            </a:r>
+            <a:br/>
           </a:p>
         </p:txBody>
       </p:sp>
@@ -9679,10 +10053,14 @@
           <p:cNvPr id="270" name="Slide Number"/>
           <p:cNvSpPr txBox="1"/>
           <p:nvPr>
-            <p:ph type="sldNum" sz="quarter" idx="2"/>
-          </p:nvPr>
-        </p:nvSpPr>
-        <p:spPr>
+            <p:ph type="sldNum" sz="quarter" idx="4294967295"/>
+          </p:nvPr>
+        </p:nvSpPr>
+        <p:spPr>
+          <a:xfrm>
+            <a:off x="6324598" y="9016999"/>
+            <a:ext cx="342901" cy="355601"/>
+          </a:xfrm>
           <a:prstGeom prst="rect">
             <a:avLst/>
           </a:prstGeom>
@@ -9729,46 +10107,10 @@
       </p:grpSpPr>
       <p:sp>
         <p:nvSpPr>
-          <p:cNvPr id="272" name="SELECT DISTINCT Statement"/>
+          <p:cNvPr id="272" name="SQL Joins"/>
           <p:cNvSpPr txBox="1"/>
           <p:nvPr>
             <p:ph type="title"/>
-          </p:nvPr>
-        </p:nvSpPr>
-        <p:spPr>
-          <a:prstGeom prst="rect">
-            <a:avLst/>
-          </a:prstGeom>
-        </p:spPr>
-        <p:txBody>
-          <a:bodyPr/>
-          <a:lstStyle>
-            <a:lvl1pPr defTabSz="531622">
-              <a:defRPr sz="6734">
-                <a:effectLst>
-                  <a:outerShdw sx="100000" sy="100000" kx="0" ky="0" algn="b" rotWithShape="0" blurRad="23114" dist="23114" dir="15900000">
-                    <a:srgbClr val="595650">
-                      <a:alpha val="33000"/>
-                    </a:srgbClr>
-                  </a:outerShdw>
-                </a:effectLst>
-              </a:defRPr>
-            </a:lvl1pPr>
-          </a:lstStyle>
-          <a:p>
-            <a:pPr/>
-            <a:r>
-              <a:t>SELECT DISTINCT Statement</a:t>
-            </a:r>
-          </a:p>
-        </p:txBody>
-      </p:sp>
-      <p:sp>
-        <p:nvSpPr>
-          <p:cNvPr id="273" name="Body"/>
-          <p:cNvSpPr txBox="1"/>
-          <p:nvPr>
-            <p:ph type="body" idx="1"/>
           </p:nvPr>
         </p:nvSpPr>
         <p:spPr>
@@ -9780,11 +10122,70 @@
           <a:bodyPr/>
           <a:lstStyle/>
           <a:p>
-            <a:pPr>
-              <a:buBlip>
-                <a:blip r:embed="rId2"/>
-              </a:buBlip>
+            <a:pPr/>
+            <a:r>
+              <a:t>SQL Joins</a:t>
+            </a:r>
+          </a:p>
+        </p:txBody>
+      </p:sp>
+      <p:sp>
+        <p:nvSpPr>
+          <p:cNvPr id="273" name="Body"/>
+          <p:cNvSpPr txBox="1"/>
+          <p:nvPr>
+            <p:ph type="body" idx="1"/>
+          </p:nvPr>
+        </p:nvSpPr>
+        <p:spPr>
+          <a:prstGeom prst="rect">
+            <a:avLst/>
+          </a:prstGeom>
+        </p:spPr>
+        <p:txBody>
+          <a:bodyPr/>
+          <a:lstStyle/>
+          <a:p>
+            <a:pPr marL="300789" indent="-300789">
+              <a:buSzPct val="100000"/>
+              <a:buChar char="•"/>
+              <a:defRPr b="1" sz="3000">
+                <a:solidFill>
+                  <a:srgbClr val="000000"/>
+                </a:solidFill>
+              </a:defRPr>
             </a:pPr>
+            <a:r>
+              <a:t>Joins help us get data from multiple tables and combine them.</a:t>
+            </a:r>
+          </a:p>
+          <a:p>
+            <a:pPr marL="300789" indent="-300789">
+              <a:buSzPct val="100000"/>
+              <a:buChar char="•"/>
+              <a:defRPr b="1" sz="3000">
+                <a:solidFill>
+                  <a:srgbClr val="000000"/>
+                </a:solidFill>
+              </a:defRPr>
+            </a:pPr>
+            <a:r>
+              <a:t>This can be achieved based on a certain condition or some common column.</a:t>
+            </a:r>
+          </a:p>
+          <a:p>
+            <a:pPr marL="300789" indent="-300789">
+              <a:buSzPct val="100000"/>
+              <a:buChar char="•"/>
+              <a:defRPr b="1" sz="3000">
+                <a:solidFill>
+                  <a:srgbClr val="000000"/>
+                </a:solidFill>
+              </a:defRPr>
+            </a:pPr>
+            <a:r>
+              <a:t>Self Joins are significant for example to find out a list of employees and their managers if given an employee table.</a:t>
+            </a:r>
           </a:p>
         </p:txBody>
       </p:sp>
@@ -9793,10 +10194,14 @@
           <p:cNvPr id="274" name="Slide Number"/>
           <p:cNvSpPr txBox="1"/>
           <p:nvPr>
-            <p:ph type="sldNum" sz="quarter" idx="2"/>
-          </p:nvPr>
-        </p:nvSpPr>
-        <p:spPr>
+            <p:ph type="sldNum" sz="quarter" idx="4294967295"/>
+          </p:nvPr>
+        </p:nvSpPr>
+        <p:spPr>
+          <a:xfrm>
+            <a:off x="6324598" y="9016999"/>
+            <a:ext cx="342901" cy="355601"/>
+          </a:xfrm>
           <a:prstGeom prst="rect">
             <a:avLst/>
           </a:prstGeom>
@@ -9843,7 +10248,7 @@
       </p:grpSpPr>
       <p:sp>
         <p:nvSpPr>
-          <p:cNvPr id="276" name="Union and Union all"/>
+          <p:cNvPr id="276" name="SELECT DISTINCT Statement"/>
           <p:cNvSpPr txBox="1"/>
           <p:nvPr>
             <p:ph type="title"/>
@@ -9856,11 +10261,23 @@
         </p:spPr>
         <p:txBody>
           <a:bodyPr/>
-          <a:lstStyle/>
+          <a:lstStyle>
+            <a:lvl1pPr defTabSz="531622">
+              <a:defRPr sz="6700">
+                <a:effectLst>
+                  <a:outerShdw sx="100000" sy="100000" kx="0" ky="0" algn="b" rotWithShape="0" blurRad="25400" dist="23114" dir="15900000">
+                    <a:srgbClr val="595650">
+                      <a:alpha val="33000"/>
+                    </a:srgbClr>
+                  </a:outerShdw>
+                </a:effectLst>
+              </a:defRPr>
+            </a:lvl1pPr>
+          </a:lstStyle>
           <a:p>
             <a:pPr/>
             <a:r>
-              <a:t>Union and Union all</a:t>
+              <a:t>SELECT DISTINCT Statement</a:t>
             </a:r>
           </a:p>
         </p:txBody>
@@ -9880,13 +10297,22 @@
         </p:spPr>
         <p:txBody>
           <a:bodyPr/>
-          <a:lstStyle/>
-          <a:p>
-            <a:pPr>
-              <a:buBlip>
-                <a:blip r:embed="rId2"/>
-              </a:buBlip>
-            </a:pPr>
+          <a:lstStyle>
+            <a:lvl1pPr marL="421105" indent="-421105">
+              <a:buSzPct val="100000"/>
+              <a:buChar char="•"/>
+              <a:defRPr b="1" sz="3100">
+                <a:solidFill>
+                  <a:srgbClr val="000000"/>
+                </a:solidFill>
+              </a:defRPr>
+            </a:lvl1pPr>
+          </a:lstStyle>
+          <a:p>
+            <a:pPr/>
+            <a:r>
+              <a:t>The SELECT DISTINCT statement can be useful when we want to return a unique value and ignore duplicates.</a:t>
+            </a:r>
           </a:p>
         </p:txBody>
       </p:sp>
@@ -9895,10 +10321,14 @@
           <p:cNvPr id="278" name="Slide Number"/>
           <p:cNvSpPr txBox="1"/>
           <p:nvPr>
-            <p:ph type="sldNum" sz="quarter" idx="2"/>
-          </p:nvPr>
-        </p:nvSpPr>
-        <p:spPr>
+            <p:ph type="sldNum" sz="quarter" idx="4294967295"/>
+          </p:nvPr>
+        </p:nvSpPr>
+        <p:spPr>
+          <a:xfrm>
+            <a:off x="6324598" y="9016999"/>
+            <a:ext cx="342901" cy="355601"/>
+          </a:xfrm>
           <a:prstGeom prst="rect">
             <a:avLst/>
           </a:prstGeom>
@@ -9945,7 +10375,7 @@
       </p:grpSpPr>
       <p:sp>
         <p:nvSpPr>
-          <p:cNvPr id="280" name="SQL Aggregate Functions"/>
+          <p:cNvPr id="280" name="Union and Union all"/>
           <p:cNvSpPr txBox="1"/>
           <p:nvPr>
             <p:ph type="title"/>
@@ -9962,7 +10392,7 @@
           <a:p>
             <a:pPr/>
             <a:r>
-              <a:t>SQL Aggregate Functions</a:t>
+              <a:t>Union and Union all</a:t>
             </a:r>
           </a:p>
         </p:txBody>
@@ -9984,11 +10414,32 @@
           <a:bodyPr/>
           <a:lstStyle/>
           <a:p>
-            <a:pPr>
-              <a:buBlip>
-                <a:blip r:embed="rId2"/>
-              </a:buBlip>
+            <a:pPr marL="330868" indent="-330868">
+              <a:buSzPct val="100000"/>
+              <a:buChar char="•"/>
+              <a:defRPr b="1" sz="3300">
+                <a:solidFill>
+                  <a:srgbClr val="000000"/>
+                </a:solidFill>
+              </a:defRPr>
             </a:pPr>
+            <a:r>
+              <a:t>Union would combine result set of two queries given they have the same number of columns, similar datatype and are in the same order.</a:t>
+            </a:r>
+          </a:p>
+          <a:p>
+            <a:pPr marL="330868" indent="-330868">
+              <a:buSzPct val="100000"/>
+              <a:buChar char="•"/>
+              <a:defRPr b="1" sz="3300">
+                <a:solidFill>
+                  <a:srgbClr val="000000"/>
+                </a:solidFill>
+              </a:defRPr>
+            </a:pPr>
+            <a:r>
+              <a:t>Union All is same but it will include the duplicates unlike Union.</a:t>
+            </a:r>
           </a:p>
         </p:txBody>
       </p:sp>
@@ -9997,10 +10448,14 @@
           <p:cNvPr id="282" name="Slide Number"/>
           <p:cNvSpPr txBox="1"/>
           <p:nvPr>
-            <p:ph type="sldNum" sz="quarter" idx="2"/>
-          </p:nvPr>
-        </p:nvSpPr>
-        <p:spPr>
+            <p:ph type="sldNum" sz="quarter" idx="4294967295"/>
+          </p:nvPr>
+        </p:nvSpPr>
+        <p:spPr>
+          <a:xfrm>
+            <a:off x="6324598" y="9016999"/>
+            <a:ext cx="342901" cy="355601"/>
+          </a:xfrm>
           <a:prstGeom prst="rect">
             <a:avLst/>
           </a:prstGeom>
@@ -10137,12 +10592,12 @@
           <p:cNvPr id="139" name="Slide Number"/>
           <p:cNvSpPr txBox="1"/>
           <p:nvPr>
-            <p:ph type="sldNum" sz="quarter" idx="2"/>
+            <p:ph type="sldNum" sz="quarter" idx="4294967295"/>
           </p:nvPr>
         </p:nvSpPr>
         <p:spPr>
           <a:xfrm>
-            <a:off x="6381749" y="9016999"/>
+            <a:off x="6381748" y="9016999"/>
             <a:ext cx="228601" cy="355601"/>
           </a:xfrm>
           <a:prstGeom prst="rect">
@@ -10191,7 +10646,7 @@
       </p:grpSpPr>
       <p:sp>
         <p:nvSpPr>
-          <p:cNvPr id="284" name="Github Repository"/>
+          <p:cNvPr id="284" name="SQL Aggregate Functions"/>
           <p:cNvSpPr txBox="1"/>
           <p:nvPr>
             <p:ph type="title"/>
@@ -10208,20 +10663,84 @@
           <a:p>
             <a:pPr/>
             <a:r>
-              <a:t>Github Repository</a:t>
-            </a:r>
-          </a:p>
-        </p:txBody>
-      </p:sp>
-      <p:sp>
-        <p:nvSpPr>
-          <p:cNvPr id="285" name="Slide Number"/>
-          <p:cNvSpPr txBox="1"/>
-          <p:nvPr>
-            <p:ph type="sldNum" sz="quarter" idx="2"/>
-          </p:nvPr>
-        </p:nvSpPr>
-        <p:spPr>
+              <a:t>SQL Aggregate Functions</a:t>
+            </a:r>
+          </a:p>
+        </p:txBody>
+      </p:sp>
+      <p:sp>
+        <p:nvSpPr>
+          <p:cNvPr id="285" name="Body"/>
+          <p:cNvSpPr txBox="1"/>
+          <p:nvPr>
+            <p:ph type="body" idx="1"/>
+          </p:nvPr>
+        </p:nvSpPr>
+        <p:spPr>
+          <a:prstGeom prst="rect">
+            <a:avLst/>
+          </a:prstGeom>
+        </p:spPr>
+        <p:txBody>
+          <a:bodyPr/>
+          <a:lstStyle/>
+          <a:p>
+            <a:pPr marL="320842" indent="-320842">
+              <a:buSzPct val="100000"/>
+              <a:buChar char="•"/>
+              <a:defRPr b="1" sz="3200">
+                <a:solidFill>
+                  <a:srgbClr val="000000"/>
+                </a:solidFill>
+              </a:defRPr>
+            </a:pPr>
+            <a:r>
+              <a:t>These functions aggregate over a column and return a single value.</a:t>
+            </a:r>
+          </a:p>
+          <a:p>
+            <a:pPr marL="320842" indent="-320842">
+              <a:buSzPct val="100000"/>
+              <a:buChar char="•"/>
+              <a:defRPr b="1" sz="3200">
+                <a:solidFill>
+                  <a:srgbClr val="000000"/>
+                </a:solidFill>
+              </a:defRPr>
+            </a:pPr>
+            <a:r>
+              <a:t>Example: AVG(), COUNT(), MAX(), MIN() and SUM().</a:t>
+            </a:r>
+          </a:p>
+          <a:p>
+            <a:pPr marL="320842" indent="-320842">
+              <a:buSzPct val="100000"/>
+              <a:buChar char="•"/>
+              <a:defRPr b="1" sz="3200">
+                <a:solidFill>
+                  <a:srgbClr val="000000"/>
+                </a:solidFill>
+              </a:defRPr>
+            </a:pPr>
+            <a:r>
+              <a:t>These can quite useful to gather basic statistics.</a:t>
+            </a:r>
+          </a:p>
+        </p:txBody>
+      </p:sp>
+      <p:sp>
+        <p:nvSpPr>
+          <p:cNvPr id="286" name="Slide Number"/>
+          <p:cNvSpPr txBox="1"/>
+          <p:nvPr>
+            <p:ph type="sldNum" sz="quarter" idx="4294967295"/>
+          </p:nvPr>
+        </p:nvSpPr>
+        <p:spPr>
+          <a:xfrm>
+            <a:off x="6324598" y="9016999"/>
+            <a:ext cx="342901" cy="355601"/>
+          </a:xfrm>
           <a:prstGeom prst="rect">
             <a:avLst/>
           </a:prstGeom>
@@ -10240,35 +10759,6 @@
           </a:p>
         </p:txBody>
       </p:sp>
-      <p:pic>
-        <p:nvPicPr>
-          <p:cNvPr id="286" name="Screen Shot 2021-04-06 at 9.26.57 PM.png" descr="Screen Shot 2021-04-06 at 9.26.57 PM.png"/>
-          <p:cNvPicPr>
-            <a:picLocks noChangeAspect="1"/>
-          </p:cNvPicPr>
-          <p:nvPr/>
-        </p:nvPicPr>
-        <p:blipFill>
-          <a:blip r:embed="rId2">
-            <a:extLst/>
-          </a:blip>
-          <a:stretch>
-            <a:fillRect/>
-          </a:stretch>
-        </p:blipFill>
-        <p:spPr>
-          <a:xfrm>
-            <a:off x="6015925" y="1450098"/>
-            <a:ext cx="6477001" cy="6263473"/>
-          </a:xfrm>
-          <a:prstGeom prst="rect">
-            <a:avLst/>
-          </a:prstGeom>
-          <a:ln w="12700">
-            <a:miter lim="400000"/>
-          </a:ln>
-        </p:spPr>
-      </p:pic>
     </p:spTree>
   </p:cSld>
   <p:clrMapOvr>
@@ -10297,7 +10787,7 @@
       </p:grpSpPr>
       <p:sp>
         <p:nvSpPr>
-          <p:cNvPr id="288" name="Got Questions?"/>
+          <p:cNvPr id="288" name="Github Repository"/>
           <p:cNvSpPr txBox="1"/>
           <p:nvPr>
             <p:ph type="title"/>
@@ -10314,76 +10804,24 @@
           <a:p>
             <a:pPr/>
             <a:r>
-              <a:t>Got Questions?</a:t>
-            </a:r>
-          </a:p>
-        </p:txBody>
-      </p:sp>
-      <p:sp>
-        <p:nvSpPr>
-          <p:cNvPr id="289" name="Ask here or Reach out…"/>
-          <p:cNvSpPr txBox="1"/>
-          <p:nvPr>
-            <p:ph type="body" sz="quarter" idx="1"/>
-          </p:nvPr>
-        </p:nvSpPr>
-        <p:spPr>
-          <a:prstGeom prst="rect">
-            <a:avLst/>
-          </a:prstGeom>
-        </p:spPr>
-        <p:txBody>
-          <a:bodyPr/>
-          <a:lstStyle/>
-          <a:p>
-            <a:pPr/>
-            <a:r>
-              <a:t>Ask here or Reach out</a:t>
-            </a:r>
-          </a:p>
-          <a:p>
-            <a:pPr algn="l">
-              <a:defRPr b="1" i="0" sz="3100"/>
-            </a:pPr>
-            <a:r>
-              <a:t>Website: manvimadan.com</a:t>
-            </a:r>
-          </a:p>
-          <a:p>
-            <a:pPr algn="l">
-              <a:defRPr b="1" i="0" sz="3100"/>
-            </a:pPr>
-            <a:r>
-              <a:t>LinkedIn: </a:t>
-            </a:r>
-          </a:p>
-          <a:p>
-            <a:pPr algn="l">
-              <a:defRPr b="1" i="0" sz="3100"/>
-            </a:pPr>
-            <a:r>
-              <a:t>Twitter: </a:t>
-            </a:r>
-          </a:p>
-          <a:p>
-            <a:pPr algn="l">
-              <a:defRPr b="1" i="0" sz="3100"/>
-            </a:pPr>
-            <a:r>
-              <a:t>IG:</a:t>
-            </a:r>
-          </a:p>
-        </p:txBody>
-      </p:sp>
-      <p:sp>
-        <p:nvSpPr>
-          <p:cNvPr id="290" name="Slide Number"/>
-          <p:cNvSpPr txBox="1"/>
-          <p:nvPr>
-            <p:ph type="sldNum" sz="quarter" idx="2"/>
-          </p:nvPr>
-        </p:nvSpPr>
-        <p:spPr>
+              <a:t>Github Repository</a:t>
+            </a:r>
+          </a:p>
+        </p:txBody>
+      </p:sp>
+      <p:sp>
+        <p:nvSpPr>
+          <p:cNvPr id="289" name="Slide Number"/>
+          <p:cNvSpPr txBox="1"/>
+          <p:nvPr>
+            <p:ph type="sldNum" sz="quarter" idx="4294967295"/>
+          </p:nvPr>
+        </p:nvSpPr>
+        <p:spPr>
+          <a:xfrm>
+            <a:off x="6324598" y="9016999"/>
+            <a:ext cx="342901" cy="355601"/>
+          </a:xfrm>
           <a:prstGeom prst="rect">
             <a:avLst/>
           </a:prstGeom>
@@ -10404,7 +10842,7 @@
       </p:sp>
       <p:pic>
         <p:nvPicPr>
-          <p:cNvPr id="291" name="question_mark_PNG6.png" descr="question_mark_PNG6.png"/>
+          <p:cNvPr id="290" name="Screen Shot 2021-04-06 at 9.26.57 PM.png" descr="Screen Shot 2021-04-06 at 9.26.57 PM.png"/>
           <p:cNvPicPr>
             <a:picLocks noChangeAspect="1"/>
           </p:cNvPicPr>
@@ -10420,8 +10858,176 @@
         </p:blipFill>
         <p:spPr>
           <a:xfrm>
-            <a:off x="6898219" y="236051"/>
-            <a:ext cx="6224274" cy="9753601"/>
+            <a:off x="6015925" y="1450098"/>
+            <a:ext cx="6477002" cy="6263474"/>
+          </a:xfrm>
+          <a:prstGeom prst="rect">
+            <a:avLst/>
+          </a:prstGeom>
+          <a:ln w="12700">
+            <a:miter lim="400000"/>
+          </a:ln>
+        </p:spPr>
+      </p:pic>
+    </p:spTree>
+  </p:cSld>
+  <p:clrMapOvr>
+    <a:masterClrMapping/>
+  </p:clrMapOvr>
+  <p:transition xmlns:p14="http://schemas.microsoft.com/office/powerpoint/2010/main" spd="med" advClick="1"/>
+</p:sld>
+</file>
+
+<file path=ppt/slides/slide42.xml><?xml version="1.0" encoding="utf-8"?>
+<p:sld xmlns:a="http://schemas.openxmlformats.org/drawingml/2006/main" xmlns:r="http://schemas.openxmlformats.org/officeDocument/2006/relationships" xmlns:p="http://schemas.openxmlformats.org/presentationml/2006/main" xmlns:m="http://schemas.openxmlformats.org/officeDocument/2006/math" xmlns:a14="http://schemas.microsoft.com/office/drawing/2010/main" showMasterSp="1" showMasterPhAnim="1">
+  <p:cSld>
+    <p:spTree>
+      <p:nvGrpSpPr>
+        <p:cNvPr id="1" name=""/>
+        <p:cNvGrpSpPr/>
+        <p:nvPr/>
+      </p:nvGrpSpPr>
+      <p:grpSpPr>
+        <a:xfrm>
+          <a:off x="0" y="0"/>
+          <a:ext cx="0" cy="0"/>
+          <a:chOff x="0" y="0"/>
+          <a:chExt cx="0" cy="0"/>
+        </a:xfrm>
+      </p:grpSpPr>
+      <p:sp>
+        <p:nvSpPr>
+          <p:cNvPr id="292" name="Got Questions?"/>
+          <p:cNvSpPr txBox="1"/>
+          <p:nvPr>
+            <p:ph type="title"/>
+          </p:nvPr>
+        </p:nvSpPr>
+        <p:spPr>
+          <a:prstGeom prst="rect">
+            <a:avLst/>
+          </a:prstGeom>
+        </p:spPr>
+        <p:txBody>
+          <a:bodyPr/>
+          <a:lstStyle/>
+          <a:p>
+            <a:pPr/>
+            <a:r>
+              <a:t>Got Questions?</a:t>
+            </a:r>
+          </a:p>
+        </p:txBody>
+      </p:sp>
+      <p:sp>
+        <p:nvSpPr>
+          <p:cNvPr id="293" name="Ask here or Reach out…"/>
+          <p:cNvSpPr txBox="1"/>
+          <p:nvPr>
+            <p:ph type="body" sz="quarter" idx="1"/>
+          </p:nvPr>
+        </p:nvSpPr>
+        <p:spPr>
+          <a:prstGeom prst="rect">
+            <a:avLst/>
+          </a:prstGeom>
+        </p:spPr>
+        <p:txBody>
+          <a:bodyPr/>
+          <a:lstStyle/>
+          <a:p>
+            <a:pPr defTabSz="496570">
+              <a:defRPr sz="3060"/>
+            </a:pPr>
+            <a:r>
+              <a:t>Ask here or Reach out</a:t>
+            </a:r>
+          </a:p>
+          <a:p>
+            <a:pPr algn="l" defTabSz="496570">
+              <a:defRPr b="1" i="0" sz="2635"/>
+            </a:pPr>
+            <a:r>
+              <a:t>Website: manvimadan.com</a:t>
+            </a:r>
+          </a:p>
+          <a:p>
+            <a:pPr algn="l" defTabSz="496570">
+              <a:defRPr b="1" i="0" sz="2635"/>
+            </a:pPr>
+            <a:r>
+              <a:t>LinkedIn: nz.linkedin.com/in/manvimadan</a:t>
+            </a:r>
+          </a:p>
+          <a:p>
+            <a:pPr algn="l" defTabSz="496570">
+              <a:defRPr b="1" i="0" sz="2635"/>
+            </a:pPr>
+            <a:r>
+              <a:t>Twitter: twitter.com/manvimadandotai</a:t>
+            </a:r>
+          </a:p>
+          <a:p>
+            <a:pPr algn="l" defTabSz="496570">
+              <a:defRPr b="1" i="0" sz="2635"/>
+            </a:pPr>
+            <a:r>
+              <a:t>IG: instagram.com/manvimadan.ai/</a:t>
+            </a:r>
+          </a:p>
+        </p:txBody>
+      </p:sp>
+      <p:sp>
+        <p:nvSpPr>
+          <p:cNvPr id="294" name="Slide Number"/>
+          <p:cNvSpPr txBox="1"/>
+          <p:nvPr>
+            <p:ph type="sldNum" sz="quarter" idx="4294967295"/>
+          </p:nvPr>
+        </p:nvSpPr>
+        <p:spPr>
+          <a:xfrm>
+            <a:off x="6324598" y="9016999"/>
+            <a:ext cx="342901" cy="355601"/>
+          </a:xfrm>
+          <a:prstGeom prst="rect">
+            <a:avLst/>
+          </a:prstGeom>
+          <a:extLst>
+            <a:ext uri="{C572A759-6A51-4108-AA02-DFA0A04FC94B}">
+              <ma14:wrappingTextBoxFlag xmlns:ma14="http://schemas.microsoft.com/office/mac/drawingml/2011/main" val="1"/>
+            </a:ext>
+          </a:extLst>
+        </p:spPr>
+        <p:txBody>
+          <a:bodyPr/>
+          <a:lstStyle/>
+          <a:p>
+            <a:pPr/>
+            <a:fld id="{86CB4B4D-7CA3-9044-876B-883B54F8677D}" type="slidenum"/>
+          </a:p>
+        </p:txBody>
+      </p:sp>
+      <p:pic>
+        <p:nvPicPr>
+          <p:cNvPr id="295" name="question_mark_PNG6.png" descr="question_mark_PNG6.png"/>
+          <p:cNvPicPr>
+            <a:picLocks noChangeAspect="1"/>
+          </p:cNvPicPr>
+          <p:nvPr/>
+        </p:nvPicPr>
+        <p:blipFill>
+          <a:blip r:embed="rId2">
+            <a:extLst/>
+          </a:blip>
+          <a:stretch>
+            <a:fillRect/>
+          </a:stretch>
+        </p:blipFill>
+        <p:spPr>
+          <a:xfrm>
+            <a:off x="6898219" y="236050"/>
+            <a:ext cx="6224275" cy="9753602"/>
           </a:xfrm>
           <a:prstGeom prst="rect">
             <a:avLst/>
@@ -10461,7 +11067,7 @@
         <p:nvPicPr>
           <p:cNvPr id="141" name="azuredatastudio.png" descr="azuredatastudio.png"/>
           <p:cNvPicPr>
-            <a:picLocks noChangeAspect="0"/>
+            <a:picLocks noChangeAspect="1"/>
           </p:cNvPicPr>
           <p:nvPr>
             <p:ph type="pic" idx="13"/>
@@ -10477,8 +11083,8 @@
         </p:blipFill>
         <p:spPr>
           <a:xfrm>
-            <a:off x="6794676" y="1561861"/>
-            <a:ext cx="5231816" cy="6629878"/>
+            <a:off x="6794675" y="1561860"/>
+            <a:ext cx="5231817" cy="6629880"/>
           </a:xfrm>
           <a:prstGeom prst="rect">
             <a:avLst/>
@@ -10527,41 +11133,44 @@
           <a:lstStyle/>
           <a:p>
             <a:pPr>
-              <a:defRPr i="0"/>
-            </a:pPr>
-            <a:r>
-              <a:rPr>
+              <a:defRPr i="0">
                 <a:solidFill>
                   <a:srgbClr val="000000"/>
                 </a:solidFill>
+              </a:defRPr>
+            </a:pPr>
+            <a:r>
+              <a:t>Tool:</a:t>
+            </a:r>
+            <a:r>
+              <a:rPr>
+                <a:solidFill>
+                  <a:srgbClr val="6C6963"/>
+                </a:solidFill>
               </a:rPr>
-              <a:t>Tool:</a:t>
-            </a:r>
-            <a:r>
               <a:t> Azure Data Studio</a:t>
             </a:r>
           </a:p>
           <a:p>
             <a:pPr>
-              <a:defRPr i="0"/>
-            </a:pPr>
-            <a:r>
-              <a:rPr>
+              <a:defRPr i="0">
                 <a:solidFill>
                   <a:srgbClr val="000000"/>
                 </a:solidFill>
+              </a:defRPr>
+            </a:pPr>
+            <a:r>
+              <a:t>Database:</a:t>
+            </a:r>
+            <a:r>
+              <a:rPr>
+                <a:solidFill>
+                  <a:srgbClr val="6C6963"/>
+                </a:solidFill>
               </a:rPr>
-              <a:t>Database:</a:t>
-            </a:r>
-            <a:r>
               <a:t> AdventureWorks</a:t>
             </a:r>
           </a:p>
-          <a:p>
-            <a:pPr>
-              <a:defRPr i="0"/>
-            </a:pPr>
-          </a:p>
         </p:txBody>
       </p:sp>
       <p:sp>
@@ -10569,12 +11178,12 @@
           <p:cNvPr id="144" name="Slide Number"/>
           <p:cNvSpPr txBox="1"/>
           <p:nvPr>
-            <p:ph type="sldNum" sz="quarter" idx="2"/>
+            <p:ph type="sldNum" sz="quarter" idx="4294967295"/>
           </p:nvPr>
         </p:nvSpPr>
         <p:spPr>
           <a:xfrm>
-            <a:off x="6381749" y="9016999"/>
+            <a:off x="6381748" y="9016999"/>
             <a:ext cx="228601" cy="355601"/>
           </a:xfrm>
           <a:prstGeom prst="rect">
@@ -10621,46 +11230,52 @@
           <a:chExt cx="0" cy="0"/>
         </a:xfrm>
       </p:grpSpPr>
-      <p:sp>
-        <p:nvSpPr>
-          <p:cNvPr id="146" name="Demo"/>
-          <p:cNvSpPr txBox="1"/>
-          <p:nvPr>
-            <p:ph type="ctrTitle"/>
-          </p:nvPr>
-        </p:nvSpPr>
-        <p:spPr>
-          <a:prstGeom prst="rect">
-            <a:avLst/>
-          </a:prstGeom>
-        </p:spPr>
-        <p:txBody>
-          <a:bodyPr/>
-          <a:lstStyle/>
-          <a:p>
-            <a:pPr/>
-            <a:r>
-              <a:t>Demo</a:t>
-            </a:r>
-          </a:p>
-        </p:txBody>
-      </p:sp>
-      <p:sp>
-        <p:nvSpPr>
-          <p:cNvPr id="147" name="Slide Number"/>
-          <p:cNvSpPr txBox="1"/>
-          <p:nvPr>
-            <p:ph type="sldNum" sz="quarter" idx="2"/>
-          </p:nvPr>
-        </p:nvSpPr>
+      <p:pic>
+        <p:nvPicPr>
+          <p:cNvPr id="146" name="AdventureWorks.png" descr="AdventureWorks.png"/>
+          <p:cNvPicPr>
+            <a:picLocks noChangeAspect="1"/>
+          </p:cNvPicPr>
+          <p:nvPr/>
+        </p:nvPicPr>
+        <p:blipFill>
+          <a:blip r:embed="rId2">
+            <a:extLst/>
+          </a:blip>
+          <a:stretch>
+            <a:fillRect/>
+          </a:stretch>
+        </p:blipFill>
         <p:spPr>
           <a:xfrm>
-            <a:off x="6623049" y="9029699"/>
-            <a:ext cx="228601" cy="355601"/>
+            <a:off x="359938" y="517520"/>
+            <a:ext cx="7163720" cy="8425008"/>
           </a:xfrm>
           <a:prstGeom prst="rect">
             <a:avLst/>
           </a:prstGeom>
+          <a:ln w="12700">
+            <a:miter lim="400000"/>
+          </a:ln>
+        </p:spPr>
+      </p:pic>
+      <p:sp>
+        <p:nvSpPr>
+          <p:cNvPr id="147" name="Data Model:…"/>
+          <p:cNvSpPr txBox="1"/>
+          <p:nvPr/>
+        </p:nvSpPr>
+        <p:spPr>
+          <a:xfrm>
+            <a:off x="8531936" y="4133124"/>
+            <a:ext cx="3354413" cy="1193801"/>
+          </a:xfrm>
+          <a:prstGeom prst="rect">
+            <a:avLst/>
+          </a:prstGeom>
+          <a:ln w="12700">
+            <a:miter lim="400000"/>
+          </a:ln>
           <a:extLst>
             <a:ext uri="{C572A759-6A51-4108-AA02-DFA0A04FC94B}">
               <ma14:wrappingTextBoxFlag xmlns:ma14="http://schemas.microsoft.com/office/mac/drawingml/2011/main" val="1"/>
@@ -10668,11 +11283,73 @@
           </a:extLst>
         </p:spPr>
         <p:txBody>
-          <a:bodyPr/>
+          <a:bodyPr wrap="none" lIns="50800" tIns="50800" rIns="50800" bIns="50800" anchor="ctr">
+            <a:spAutoFit/>
+          </a:bodyPr>
           <a:lstStyle/>
           <a:p>
             <a:pPr/>
-            <a:fld id="{86CB4B4D-7CA3-9044-876B-883B54F8677D}" type="slidenum"/>
+            <a:r>
+              <a:t>Data Model:</a:t>
+            </a:r>
+          </a:p>
+          <a:p>
+            <a:pPr/>
+            <a:r>
+              <a:t>AdventureWorks</a:t>
+            </a:r>
+          </a:p>
+        </p:txBody>
+      </p:sp>
+      <p:sp>
+        <p:nvSpPr>
+          <p:cNvPr id="148" name="Source: SQLzoo.net/wiki/Adventureworks"/>
+          <p:cNvSpPr txBox="1"/>
+          <p:nvPr/>
+        </p:nvSpPr>
+        <p:spPr>
+          <a:xfrm>
+            <a:off x="1775092" y="9005030"/>
+            <a:ext cx="3638650" cy="330201"/>
+          </a:xfrm>
+          <a:prstGeom prst="rect">
+            <a:avLst/>
+          </a:prstGeom>
+          <a:ln w="12700">
+            <a:miter lim="400000"/>
+          </a:ln>
+          <a:extLst>
+            <a:ext uri="{C572A759-6A51-4108-AA02-DFA0A04FC94B}">
+              <ma14:wrappingTextBoxFlag xmlns:ma14="http://schemas.microsoft.com/office/mac/drawingml/2011/main" val="1"/>
+            </a:ext>
+          </a:extLst>
+        </p:spPr>
+        <p:txBody>
+          <a:bodyPr wrap="none" lIns="50800" tIns="50800" rIns="50800" bIns="50800" anchor="ctr">
+            <a:spAutoFit/>
+          </a:bodyPr>
+          <a:lstStyle/>
+          <a:p>
+            <a:pPr>
+              <a:defRPr sz="1600"/>
+            </a:pPr>
+            <a:r>
+              <a:t>Source: </a:t>
+            </a:r>
+            <a:r>
+              <a:rPr u="sng">
+                <a:solidFill>
+                  <a:srgbClr val="0000FF"/>
+                </a:solidFill>
+                <a:uFill>
+                  <a:solidFill>
+                    <a:srgbClr val="0000FF"/>
+                  </a:solidFill>
+                </a:uFill>
+                <a:hlinkClick r:id="rId3" invalidUrl="" action="" tgtFrame="" tooltip="" history="1" highlightClick="0" endSnd="0"/>
+              </a:rPr>
+              <a:t>SQLzoo.net/wiki/Adventureworks</a:t>
+            </a:r>
           </a:p>
         </p:txBody>
       </p:sp>
@@ -10704,10 +11381,10 @@
       </p:grpSpPr>
       <p:sp>
         <p:nvSpPr>
-          <p:cNvPr id="149" name="SQL Statements"/>
-          <p:cNvSpPr txBox="1"/>
-          <p:nvPr>
-            <p:ph type="title"/>
+          <p:cNvPr id="150" name="Demo"/>
+          <p:cNvSpPr txBox="1"/>
+          <p:nvPr>
+            <p:ph type="ctrTitle"/>
           </p:nvPr>
         </p:nvSpPr>
         <p:spPr>
@@ -10721,328 +11398,7 @@
           <a:p>
             <a:pPr/>
             <a:r>
-              <a:t>SQL Statements</a:t>
-            </a:r>
-          </a:p>
-        </p:txBody>
-      </p:sp>
-      <p:sp>
-        <p:nvSpPr>
-          <p:cNvPr id="150" name="SELECT…"/>
-          <p:cNvSpPr txBox="1"/>
-          <p:nvPr>
-            <p:ph type="body" idx="1"/>
-          </p:nvPr>
-        </p:nvSpPr>
-        <p:spPr>
-          <a:prstGeom prst="rect">
-            <a:avLst/>
-          </a:prstGeom>
-        </p:spPr>
-        <p:txBody>
-          <a:bodyPr anchor="t"/>
-          <a:lstStyle/>
-          <a:p>
-            <a:pPr marL="100692" indent="-100692">
-              <a:spcBef>
-                <a:spcPts val="700"/>
-              </a:spcBef>
-              <a:buSzPct val="80000"/>
-              <a:buFont typeface="Helvetica Light"/>
-              <a:buChar char="•"/>
-              <a:defRPr b="1" sz="1600">
-                <a:solidFill>
-                  <a:srgbClr val="000000"/>
-                </a:solidFill>
-              </a:defRPr>
-            </a:pPr>
-          </a:p>
-          <a:p>
-            <a:pPr lvl="1" marL="570592" indent="-100692">
-              <a:spcBef>
-                <a:spcPts val="700"/>
-              </a:spcBef>
-              <a:buSzPct val="80000"/>
-              <a:buFont typeface="Helvetica Light"/>
-              <a:buChar char="•"/>
-              <a:defRPr b="1" sz="1600">
-                <a:solidFill>
-                  <a:srgbClr val="000000"/>
-                </a:solidFill>
-              </a:defRPr>
-            </a:pPr>
-            <a:r>
-              <a:t>SELECT</a:t>
-            </a:r>
-          </a:p>
-          <a:p>
-            <a:pPr lvl="1" marL="570592" indent="-100692">
-              <a:spcBef>
-                <a:spcPts val="700"/>
-              </a:spcBef>
-              <a:buSzPct val="80000"/>
-              <a:buFont typeface="Helvetica Light"/>
-              <a:buChar char="•"/>
-              <a:defRPr b="1" sz="1600">
-                <a:solidFill>
-                  <a:srgbClr val="000000"/>
-                </a:solidFill>
-              </a:defRPr>
-            </a:pPr>
-            <a:r>
-              <a:t>SELECT DISTINCT</a:t>
-            </a:r>
-          </a:p>
-          <a:p>
-            <a:pPr lvl="1" marL="570592" indent="-100692">
-              <a:spcBef>
-                <a:spcPts val="700"/>
-              </a:spcBef>
-              <a:buSzPct val="80000"/>
-              <a:buFont typeface="Helvetica Light"/>
-              <a:buChar char="•"/>
-              <a:defRPr b="1" sz="1600">
-                <a:solidFill>
-                  <a:srgbClr val="000000"/>
-                </a:solidFill>
-              </a:defRPr>
-            </a:pPr>
-            <a:r>
-              <a:t>SELECT TOP</a:t>
-            </a:r>
-          </a:p>
-          <a:p>
-            <a:pPr lvl="1" marL="570592" indent="-100692">
-              <a:spcBef>
-                <a:spcPts val="700"/>
-              </a:spcBef>
-              <a:buSzPct val="80000"/>
-              <a:buFont typeface="Helvetica Light"/>
-              <a:buChar char="•"/>
-              <a:defRPr b="1" sz="1600">
-                <a:solidFill>
-                  <a:srgbClr val="000000"/>
-                </a:solidFill>
-              </a:defRPr>
-            </a:pPr>
-            <a:r>
-              <a:t>COMMENTS</a:t>
-            </a:r>
-          </a:p>
-          <a:p>
-            <a:pPr lvl="1" marL="570592" indent="-100692">
-              <a:spcBef>
-                <a:spcPts val="700"/>
-              </a:spcBef>
-              <a:buSzPct val="80000"/>
-              <a:buFont typeface="Helvetica Light"/>
-              <a:buChar char="•"/>
-              <a:defRPr b="1" sz="1600">
-                <a:solidFill>
-                  <a:srgbClr val="000000"/>
-                </a:solidFill>
-              </a:defRPr>
-            </a:pPr>
-            <a:r>
-              <a:t>WHERE</a:t>
-            </a:r>
-          </a:p>
-          <a:p>
-            <a:pPr lvl="1" marL="570592" indent="-100692">
-              <a:spcBef>
-                <a:spcPts val="700"/>
-              </a:spcBef>
-              <a:buSzPct val="80000"/>
-              <a:buFont typeface="Helvetica Light"/>
-              <a:buChar char="•"/>
-              <a:defRPr b="1" sz="1600">
-                <a:solidFill>
-                  <a:srgbClr val="000000"/>
-                </a:solidFill>
-              </a:defRPr>
-            </a:pPr>
-            <a:r>
-              <a:t>AND, OR, NOT</a:t>
-            </a:r>
-          </a:p>
-          <a:p>
-            <a:pPr lvl="1" marL="570592" indent="-100692">
-              <a:spcBef>
-                <a:spcPts val="700"/>
-              </a:spcBef>
-              <a:buSzPct val="80000"/>
-              <a:buFont typeface="Helvetica Light"/>
-              <a:buChar char="•"/>
-              <a:defRPr b="1" sz="1600">
-                <a:solidFill>
-                  <a:srgbClr val="000000"/>
-                </a:solidFill>
-              </a:defRPr>
-            </a:pPr>
-            <a:r>
-              <a:t>ORDER BY</a:t>
-            </a:r>
-          </a:p>
-          <a:p>
-            <a:pPr lvl="1" marL="570592" indent="-100692">
-              <a:spcBef>
-                <a:spcPts val="700"/>
-              </a:spcBef>
-              <a:buSzPct val="80000"/>
-              <a:buFont typeface="Helvetica Light"/>
-              <a:buChar char="•"/>
-              <a:defRPr b="1" sz="1600">
-                <a:solidFill>
-                  <a:srgbClr val="000000"/>
-                </a:solidFill>
-              </a:defRPr>
-            </a:pPr>
-            <a:r>
-              <a:t>ALIASES</a:t>
-            </a:r>
-          </a:p>
-          <a:p>
-            <a:pPr lvl="1" marL="570592" indent="-100692">
-              <a:spcBef>
-                <a:spcPts val="700"/>
-              </a:spcBef>
-              <a:buSzPct val="80000"/>
-              <a:buFont typeface="Helvetica Light"/>
-              <a:buChar char="•"/>
-              <a:defRPr b="1" sz="1600">
-                <a:solidFill>
-                  <a:srgbClr val="000000"/>
-                </a:solidFill>
-              </a:defRPr>
-            </a:pPr>
-            <a:r>
-              <a:t>UPDATE</a:t>
-            </a:r>
-          </a:p>
-          <a:p>
-            <a:pPr lvl="1" marL="570592" indent="-100692">
-              <a:spcBef>
-                <a:spcPts val="700"/>
-              </a:spcBef>
-              <a:buSzPct val="80000"/>
-              <a:buFont typeface="Helvetica Light"/>
-              <a:buChar char="•"/>
-              <a:defRPr b="1" sz="1600">
-                <a:solidFill>
-                  <a:srgbClr val="000000"/>
-                </a:solidFill>
-              </a:defRPr>
-            </a:pPr>
-            <a:r>
-              <a:t>DELETE</a:t>
-            </a:r>
-          </a:p>
-          <a:p>
-            <a:pPr lvl="1" marL="570592" indent="-100692">
-              <a:spcBef>
-                <a:spcPts val="700"/>
-              </a:spcBef>
-              <a:buSzPct val="80000"/>
-              <a:buFont typeface="Helvetica Light"/>
-              <a:buChar char="•"/>
-              <a:defRPr b="1" sz="1600">
-                <a:solidFill>
-                  <a:srgbClr val="000000"/>
-                </a:solidFill>
-              </a:defRPr>
-            </a:pPr>
-            <a:r>
-              <a:t>NULL VALUES</a:t>
-            </a:r>
-          </a:p>
-          <a:p>
-            <a:pPr lvl="1" marL="570592" indent="-100692">
-              <a:spcBef>
-                <a:spcPts val="700"/>
-              </a:spcBef>
-              <a:buSzPct val="80000"/>
-              <a:buFont typeface="Helvetica Light"/>
-              <a:buChar char="•"/>
-              <a:defRPr b="1" sz="1600">
-                <a:solidFill>
-                  <a:srgbClr val="000000"/>
-                </a:solidFill>
-              </a:defRPr>
-            </a:pPr>
-            <a:r>
-              <a:t>NULL FUNCTIONS</a:t>
-            </a:r>
-          </a:p>
-          <a:p>
-            <a:pPr lvl="1" marL="570592" indent="-100692">
-              <a:spcBef>
-                <a:spcPts val="700"/>
-              </a:spcBef>
-              <a:buSzPct val="80000"/>
-              <a:buFont typeface="Helvetica Light"/>
-              <a:buChar char="•"/>
-              <a:defRPr b="1" sz="1600">
-                <a:solidFill>
-                  <a:srgbClr val="000000"/>
-                </a:solidFill>
-              </a:defRPr>
-            </a:pPr>
-            <a:r>
-              <a:t>LIKE</a:t>
-            </a:r>
-          </a:p>
-          <a:p>
-            <a:pPr lvl="1" marL="570592" indent="-100692">
-              <a:spcBef>
-                <a:spcPts val="700"/>
-              </a:spcBef>
-              <a:buSzPct val="80000"/>
-              <a:buFont typeface="Helvetica Light"/>
-              <a:buChar char="•"/>
-              <a:defRPr b="1" sz="1600">
-                <a:solidFill>
-                  <a:srgbClr val="000000"/>
-                </a:solidFill>
-              </a:defRPr>
-            </a:pPr>
-            <a:r>
-              <a:t>WILDCARDS</a:t>
-            </a:r>
-          </a:p>
-          <a:p>
-            <a:pPr lvl="1" marL="570592" indent="-100692">
-              <a:spcBef>
-                <a:spcPts val="700"/>
-              </a:spcBef>
-              <a:buSzPct val="80000"/>
-              <a:buFont typeface="Helvetica Light"/>
-              <a:buChar char="•"/>
-              <a:defRPr b="1" sz="1600">
-                <a:solidFill>
-                  <a:srgbClr val="000000"/>
-                </a:solidFill>
-              </a:defRPr>
-            </a:pPr>
-            <a:r>
-              <a:t>IN</a:t>
-            </a:r>
-          </a:p>
-          <a:p>
-            <a:pPr lvl="1" marL="570592" indent="-100692">
-              <a:spcBef>
-                <a:spcPts val="700"/>
-              </a:spcBef>
-              <a:buSzPct val="80000"/>
-              <a:buFont typeface="Helvetica Light"/>
-              <a:buChar char="•"/>
-              <a:defRPr b="1" sz="1600">
-                <a:solidFill>
-                  <a:srgbClr val="000000"/>
-                </a:solidFill>
-              </a:defRPr>
-            </a:pPr>
-            <a:r>
-              <a:t>BETWEEN</a:t>
+              <a:t>Demo</a:t>
             </a:r>
           </a:p>
         </p:txBody>
@@ -11052,12 +11408,12 @@
           <p:cNvPr id="151" name="Slide Number"/>
           <p:cNvSpPr txBox="1"/>
           <p:nvPr>
-            <p:ph type="sldNum" sz="quarter" idx="2"/>
+            <p:ph type="sldNum" sz="quarter" idx="4294967295"/>
           </p:nvPr>
         </p:nvSpPr>
         <p:spPr>
           <a:xfrm>
-            <a:off x="6381749" y="9016999"/>
+            <a:off x="6623049" y="9029699"/>
             <a:ext cx="228601" cy="355601"/>
           </a:xfrm>
           <a:prstGeom prst="rect">
@@ -11070,7 +11426,7 @@
           </a:extLst>
         </p:spPr>
         <p:txBody>
-          <a:bodyPr/>
+          <a:bodyPr anchor="ctr"/>
           <a:lstStyle/>
           <a:p>
             <a:pPr/>
@@ -11106,10 +11462,10 @@
       </p:grpSpPr>
       <p:sp>
         <p:nvSpPr>
-          <p:cNvPr id="153" name="Demo"/>
-          <p:cNvSpPr txBox="1"/>
-          <p:nvPr>
-            <p:ph type="ctrTitle"/>
+          <p:cNvPr id="153" name="SQL Statements"/>
+          <p:cNvSpPr txBox="1"/>
+          <p:nvPr>
+            <p:ph type="title"/>
           </p:nvPr>
         </p:nvSpPr>
         <p:spPr>
@@ -11123,31 +11479,310 @@
           <a:p>
             <a:pPr/>
             <a:r>
-              <a:t>Demo</a:t>
-            </a:r>
-          </a:p>
-        </p:txBody>
-      </p:sp>
-      <p:sp>
-        <p:nvSpPr>
-          <p:cNvPr id="154" name="SQL Statements"/>
-          <p:cNvSpPr txBox="1"/>
-          <p:nvPr>
-            <p:ph type="subTitle" sz="quarter" idx="1"/>
-          </p:nvPr>
-        </p:nvSpPr>
-        <p:spPr>
-          <a:prstGeom prst="rect">
-            <a:avLst/>
-          </a:prstGeom>
-        </p:spPr>
-        <p:txBody>
-          <a:bodyPr/>
+              <a:t>SQL Statements</a:t>
+            </a:r>
+          </a:p>
+        </p:txBody>
+      </p:sp>
+      <p:sp>
+        <p:nvSpPr>
+          <p:cNvPr id="154" name="SELECT…"/>
+          <p:cNvSpPr txBox="1"/>
+          <p:nvPr>
+            <p:ph type="body" idx="1"/>
+          </p:nvPr>
+        </p:nvSpPr>
+        <p:spPr>
+          <a:prstGeom prst="rect">
+            <a:avLst/>
+          </a:prstGeom>
+        </p:spPr>
+        <p:txBody>
+          <a:bodyPr anchor="t"/>
           <a:lstStyle/>
           <a:p>
-            <a:pPr/>
-            <a:r>
-              <a:t>SQL Statements</a:t>
+            <a:pPr marL="100692" indent="-100692">
+              <a:spcBef>
+                <a:spcPts val="700"/>
+              </a:spcBef>
+              <a:buSzPct val="80000"/>
+              <a:buFont typeface="Helvetica Light"/>
+              <a:buChar char="•"/>
+              <a:defRPr b="1" sz="1600">
+                <a:solidFill>
+                  <a:srgbClr val="000000"/>
+                </a:solidFill>
+              </a:defRPr>
+            </a:pPr>
+          </a:p>
+          <a:p>
+            <a:pPr lvl="1" marL="570592" indent="-100692">
+              <a:spcBef>
+                <a:spcPts val="700"/>
+              </a:spcBef>
+              <a:buSzPct val="80000"/>
+              <a:buFont typeface="Helvetica Light"/>
+              <a:buChar char="•"/>
+              <a:defRPr b="1" sz="1600">
+                <a:solidFill>
+                  <a:srgbClr val="000000"/>
+                </a:solidFill>
+              </a:defRPr>
+            </a:pPr>
+            <a:r>
+              <a:t>SELECT</a:t>
+            </a:r>
+          </a:p>
+          <a:p>
+            <a:pPr lvl="1" marL="570592" indent="-100692">
+              <a:spcBef>
+                <a:spcPts val="700"/>
+              </a:spcBef>
+              <a:buSzPct val="80000"/>
+              <a:buFont typeface="Helvetica Light"/>
+              <a:buChar char="•"/>
+              <a:defRPr b="1" sz="1600">
+                <a:solidFill>
+                  <a:srgbClr val="000000"/>
+                </a:solidFill>
+              </a:defRPr>
+            </a:pPr>
+            <a:r>
+              <a:t>SELECT DISTINCT</a:t>
+            </a:r>
+          </a:p>
+          <a:p>
+            <a:pPr lvl="1" marL="570592" indent="-100692">
+              <a:spcBef>
+                <a:spcPts val="700"/>
+              </a:spcBef>
+              <a:buSzPct val="80000"/>
+              <a:buFont typeface="Helvetica Light"/>
+              <a:buChar char="•"/>
+              <a:defRPr b="1" sz="1600">
+                <a:solidFill>
+                  <a:srgbClr val="000000"/>
+                </a:solidFill>
+              </a:defRPr>
+            </a:pPr>
+            <a:r>
+              <a:t>SELECT TOP</a:t>
+            </a:r>
+          </a:p>
+          <a:p>
+            <a:pPr lvl="1" marL="570592" indent="-100692">
+              <a:spcBef>
+                <a:spcPts val="700"/>
+              </a:spcBef>
+              <a:buSzPct val="80000"/>
+              <a:buFont typeface="Helvetica Light"/>
+              <a:buChar char="•"/>
+              <a:defRPr b="1" sz="1600">
+                <a:solidFill>
+                  <a:srgbClr val="000000"/>
+                </a:solidFill>
+              </a:defRPr>
+            </a:pPr>
+            <a:r>
+              <a:t>COMMENTS</a:t>
+            </a:r>
+          </a:p>
+          <a:p>
+            <a:pPr lvl="1" marL="570592" indent="-100692">
+              <a:spcBef>
+                <a:spcPts val="700"/>
+              </a:spcBef>
+              <a:buSzPct val="80000"/>
+              <a:buFont typeface="Helvetica Light"/>
+              <a:buChar char="•"/>
+              <a:defRPr b="1" sz="1600">
+                <a:solidFill>
+                  <a:srgbClr val="000000"/>
+                </a:solidFill>
+              </a:defRPr>
+            </a:pPr>
+            <a:r>
+              <a:t>WHERE</a:t>
+            </a:r>
+          </a:p>
+          <a:p>
+            <a:pPr lvl="1" marL="570592" indent="-100692">
+              <a:spcBef>
+                <a:spcPts val="700"/>
+              </a:spcBef>
+              <a:buSzPct val="80000"/>
+              <a:buFont typeface="Helvetica Light"/>
+              <a:buChar char="•"/>
+              <a:defRPr b="1" sz="1600">
+                <a:solidFill>
+                  <a:srgbClr val="000000"/>
+                </a:solidFill>
+              </a:defRPr>
+            </a:pPr>
+            <a:r>
+              <a:t>AND, OR, NOT</a:t>
+            </a:r>
+          </a:p>
+          <a:p>
+            <a:pPr lvl="1" marL="570592" indent="-100692">
+              <a:spcBef>
+                <a:spcPts val="700"/>
+              </a:spcBef>
+              <a:buSzPct val="80000"/>
+              <a:buFont typeface="Helvetica Light"/>
+              <a:buChar char="•"/>
+              <a:defRPr b="1" sz="1600">
+                <a:solidFill>
+                  <a:srgbClr val="000000"/>
+                </a:solidFill>
+              </a:defRPr>
+            </a:pPr>
+            <a:r>
+              <a:t>ORDER BY</a:t>
+            </a:r>
+          </a:p>
+          <a:p>
+            <a:pPr lvl="1" marL="570592" indent="-100692">
+              <a:spcBef>
+                <a:spcPts val="700"/>
+              </a:spcBef>
+              <a:buSzPct val="80000"/>
+              <a:buFont typeface="Helvetica Light"/>
+              <a:buChar char="•"/>
+              <a:defRPr b="1" sz="1600">
+                <a:solidFill>
+                  <a:srgbClr val="000000"/>
+                </a:solidFill>
+              </a:defRPr>
+            </a:pPr>
+            <a:r>
+              <a:t>ALIASES</a:t>
+            </a:r>
+          </a:p>
+          <a:p>
+            <a:pPr lvl="1" marL="570592" indent="-100692">
+              <a:spcBef>
+                <a:spcPts val="700"/>
+              </a:spcBef>
+              <a:buSzPct val="80000"/>
+              <a:buFont typeface="Helvetica Light"/>
+              <a:buChar char="•"/>
+              <a:defRPr b="1" sz="1600">
+                <a:solidFill>
+                  <a:srgbClr val="000000"/>
+                </a:solidFill>
+              </a:defRPr>
+            </a:pPr>
+            <a:r>
+              <a:t>UPDATE</a:t>
+            </a:r>
+          </a:p>
+          <a:p>
+            <a:pPr lvl="1" marL="570592" indent="-100692">
+              <a:spcBef>
+                <a:spcPts val="700"/>
+              </a:spcBef>
+              <a:buSzPct val="80000"/>
+              <a:buFont typeface="Helvetica Light"/>
+              <a:buChar char="•"/>
+              <a:defRPr b="1" sz="1600">
+                <a:solidFill>
+                  <a:srgbClr val="000000"/>
+                </a:solidFill>
+              </a:defRPr>
+            </a:pPr>
+            <a:r>
+              <a:t>DELETE</a:t>
+            </a:r>
+          </a:p>
+          <a:p>
+            <a:pPr lvl="1" marL="570592" indent="-100692">
+              <a:spcBef>
+                <a:spcPts val="700"/>
+              </a:spcBef>
+              <a:buSzPct val="80000"/>
+              <a:buFont typeface="Helvetica Light"/>
+              <a:buChar char="•"/>
+              <a:defRPr b="1" sz="1600">
+                <a:solidFill>
+                  <a:srgbClr val="000000"/>
+                </a:solidFill>
+              </a:defRPr>
+            </a:pPr>
+            <a:r>
+              <a:t>NULL VALUES</a:t>
+            </a:r>
+          </a:p>
+          <a:p>
+            <a:pPr lvl="1" marL="570592" indent="-100692">
+              <a:spcBef>
+                <a:spcPts val="700"/>
+              </a:spcBef>
+              <a:buSzPct val="80000"/>
+              <a:buFont typeface="Helvetica Light"/>
+              <a:buChar char="•"/>
+              <a:defRPr b="1" sz="1600">
+                <a:solidFill>
+                  <a:srgbClr val="000000"/>
+                </a:solidFill>
+              </a:defRPr>
+            </a:pPr>
+            <a:r>
+              <a:t>LIKE</a:t>
+            </a:r>
+          </a:p>
+          <a:p>
+            <a:pPr lvl="1" marL="570592" indent="-100692">
+              <a:spcBef>
+                <a:spcPts val="700"/>
+              </a:spcBef>
+              <a:buSzPct val="80000"/>
+              <a:buFont typeface="Helvetica Light"/>
+              <a:buChar char="•"/>
+              <a:defRPr b="1" sz="1600">
+                <a:solidFill>
+                  <a:srgbClr val="000000"/>
+                </a:solidFill>
+              </a:defRPr>
+            </a:pPr>
+            <a:r>
+              <a:t>WILDCARDS</a:t>
+            </a:r>
+          </a:p>
+          <a:p>
+            <a:pPr lvl="1" marL="570592" indent="-100692">
+              <a:spcBef>
+                <a:spcPts val="700"/>
+              </a:spcBef>
+              <a:buSzPct val="80000"/>
+              <a:buFont typeface="Helvetica Light"/>
+              <a:buChar char="•"/>
+              <a:defRPr b="1" sz="1600">
+                <a:solidFill>
+                  <a:srgbClr val="000000"/>
+                </a:solidFill>
+              </a:defRPr>
+            </a:pPr>
+            <a:r>
+              <a:t>IN</a:t>
+            </a:r>
+          </a:p>
+          <a:p>
+            <a:pPr lvl="1" marL="570592" indent="-100692">
+              <a:spcBef>
+                <a:spcPts val="700"/>
+              </a:spcBef>
+              <a:buSzPct val="80000"/>
+              <a:buFont typeface="Helvetica Light"/>
+              <a:buChar char="•"/>
+              <a:defRPr b="1" sz="1600">
+                <a:solidFill>
+                  <a:srgbClr val="000000"/>
+                </a:solidFill>
+              </a:defRPr>
+            </a:pPr>
+            <a:r>
+              <a:t>BETWEEN</a:t>
             </a:r>
           </a:p>
         </p:txBody>
@@ -11157,12 +11792,12 @@
           <p:cNvPr id="155" name="Slide Number"/>
           <p:cNvSpPr txBox="1"/>
           <p:nvPr>
-            <p:ph type="sldNum" sz="quarter" idx="2"/>
+            <p:ph type="sldNum" sz="quarter" idx="4294967295"/>
           </p:nvPr>
         </p:nvSpPr>
         <p:spPr>
           <a:xfrm>
-            <a:off x="6623049" y="9029699"/>
+            <a:off x="6381748" y="9016999"/>
             <a:ext cx="228601" cy="355601"/>
           </a:xfrm>
           <a:prstGeom prst="rect">
@@ -11209,73 +11844,41 @@
           <a:chExt cx="0" cy="0"/>
         </a:xfrm>
       </p:grpSpPr>
-      <p:pic>
-        <p:nvPicPr>
-          <p:cNvPr id="157" name="800px-SQL_Joins.svg.png" descr="800px-SQL_Joins.svg.png"/>
-          <p:cNvPicPr>
-            <a:picLocks noChangeAspect="0"/>
-          </p:cNvPicPr>
-          <p:nvPr>
-            <p:ph type="pic" idx="13"/>
-          </p:nvPr>
-        </p:nvPicPr>
-        <p:blipFill>
-          <a:blip r:embed="rId2">
-            <a:extLst/>
-          </a:blip>
-          <a:stretch>
-            <a:fillRect/>
-          </a:stretch>
-        </p:blipFill>
+      <p:sp>
+        <p:nvSpPr>
+          <p:cNvPr id="157" name="SQL Comparison Operators"/>
+          <p:cNvSpPr txBox="1"/>
+          <p:nvPr>
+            <p:ph type="title"/>
+          </p:nvPr>
+        </p:nvSpPr>
+        <p:spPr>
+          <a:prstGeom prst="rect">
+            <a:avLst/>
+          </a:prstGeom>
+        </p:spPr>
+        <p:txBody>
+          <a:bodyPr/>
+          <a:lstStyle/>
+          <a:p>
+            <a:pPr/>
+            <a:r>
+              <a:t>SQL Server Wildcards</a:t>
+            </a:r>
+          </a:p>
+        </p:txBody>
+      </p:sp>
+      <p:sp>
+        <p:nvSpPr>
+          <p:cNvPr id="158" name="Slide Number"/>
+          <p:cNvSpPr txBox="1"/>
+          <p:nvPr>
+            <p:ph type="sldNum" sz="quarter" idx="4294967295"/>
+          </p:nvPr>
+        </p:nvSpPr>
         <p:spPr>
           <a:xfrm>
-            <a:off x="820335" y="307498"/>
-            <a:ext cx="11480801" cy="7891479"/>
-          </a:xfrm>
-          <a:prstGeom prst="rect">
-            <a:avLst/>
-          </a:prstGeom>
-        </p:spPr>
-      </p:pic>
-      <p:sp>
-        <p:nvSpPr>
-          <p:cNvPr id="158" name="SQL JOINS"/>
-          <p:cNvSpPr txBox="1"/>
-          <p:nvPr>
-            <p:ph type="body" sz="quarter" idx="1"/>
-          </p:nvPr>
-        </p:nvSpPr>
-        <p:spPr>
-          <a:prstGeom prst="rect">
-            <a:avLst/>
-          </a:prstGeom>
-        </p:spPr>
-        <p:txBody>
-          <a:bodyPr/>
-          <a:lstStyle>
-            <a:lvl1pPr>
-              <a:defRPr i="0"/>
-            </a:lvl1pPr>
-          </a:lstStyle>
-          <a:p>
-            <a:pPr/>
-            <a:r>
-              <a:t>SQL JOINS</a:t>
-            </a:r>
-          </a:p>
-        </p:txBody>
-      </p:sp>
-      <p:sp>
-        <p:nvSpPr>
-          <p:cNvPr id="159" name="Slide Number"/>
-          <p:cNvSpPr txBox="1"/>
-          <p:nvPr>
-            <p:ph type="sldNum" sz="quarter" idx="2"/>
-          </p:nvPr>
-        </p:nvSpPr>
-        <p:spPr>
-          <a:xfrm>
-            <a:off x="6381749" y="9143999"/>
+            <a:off x="6381749" y="9017000"/>
             <a:ext cx="228601" cy="355601"/>
           </a:xfrm>
           <a:prstGeom prst="rect">
@@ -11296,46 +11899,493 @@
           </a:p>
         </p:txBody>
       </p:sp>
-      <p:sp>
-        <p:nvSpPr>
-          <p:cNvPr id="160" name="Source: Wikipedia Commons"/>
-          <p:cNvSpPr txBox="1"/>
+      <p:graphicFrame>
+        <p:nvGraphicFramePr>
+          <p:cNvPr id="159" name="Table"/>
+          <p:cNvGraphicFramePr/>
           <p:nvPr/>
-        </p:nvSpPr>
-        <p:spPr>
-          <a:xfrm>
-            <a:off x="963883" y="8169854"/>
-            <a:ext cx="11480801" cy="355601"/>
-          </a:xfrm>
-          <a:prstGeom prst="rect">
-            <a:avLst/>
-          </a:prstGeom>
-          <a:ln w="12700">
-            <a:miter lim="400000"/>
-          </a:ln>
-          <a:extLst>
-            <a:ext uri="{C572A759-6A51-4108-AA02-DFA0A04FC94B}">
-              <ma14:wrappingTextBoxFlag xmlns:ma14="http://schemas.microsoft.com/office/mac/drawingml/2011/main" val="1"/>
-            </a:ext>
-          </a:extLst>
-        </p:spPr>
-        <p:txBody>
-          <a:bodyPr lIns="50800" tIns="50800" rIns="50800" bIns="50800" anchor="ctr">
-            <a:normAutofit fontScale="100000" lnSpcReduction="0"/>
-          </a:bodyPr>
-          <a:lstStyle>
-            <a:lvl1pPr defTabSz="292100">
-              <a:defRPr sz="1800"/>
-            </a:lvl1pPr>
-          </a:lstStyle>
-          <a:p>
-            <a:pPr/>
-            <a:r>
-              <a:t>Source: Wikipedia Commons</a:t>
-            </a:r>
-          </a:p>
-        </p:txBody>
-      </p:sp>
+        </p:nvGraphicFramePr>
+        <p:xfrm>
+          <a:off x="1824046" y="3084278"/>
+          <a:ext cx="5003801" cy="5702299"/>
+        </p:xfrm>
+        <a:graphic xmlns:a="http://schemas.openxmlformats.org/drawingml/2006/main">
+          <a:graphicData uri="http://schemas.openxmlformats.org/drawingml/2006/table">
+            <a:tbl>
+              <a:tblPr firstCol="0" firstRow="1" lastCol="0" lastRow="0" bandCol="0" bandRow="0" rtl="0">
+                <a:tableStyleId>{4C3C2611-4C71-4FC5-86AE-919BDF0F9419}</a:tableStyleId>
+              </a:tblPr>
+              <a:tblGrid>
+                <a:gridCol w="1790943"/>
+                <a:gridCol w="4787851"/>
+                <a:gridCol w="3429268"/>
+              </a:tblGrid>
+              <a:tr h="814614">
+                <a:tc>
+                  <a:txBody>
+                    <a:bodyPr/>
+                    <a:lstStyle/>
+                    <a:p>
+                      <a:pPr defTabSz="457200">
+                        <a:defRPr>
+                          <a:solidFill>
+                            <a:srgbClr val="000000"/>
+                          </a:solidFill>
+                        </a:defRPr>
+                      </a:pPr>
+                      <a:r>
+                        <a:rPr sz="3200">
+                          <a:solidFill>
+                            <a:srgbClr val="FFFFFF"/>
+                          </a:solidFill>
+                        </a:rPr>
+                        <a:t>Operator</a:t>
+                      </a:r>
+                    </a:p>
+                  </a:txBody>
+                  <a:tcPr marL="50800" marR="50800" marT="50800" marB="50800" anchor="ctr" anchorCtr="0" horzOverflow="overflow">
+                    <a:blipFill rotWithShape="1">
+                      <a:blip r:embed="rId2"/>
+                      <a:srcRect l="0" t="0" r="0" b="0"/>
+                      <a:tile tx="0" ty="0" sx="100000" sy="100000" flip="none" algn="tl"/>
+                    </a:blipFill>
+                  </a:tcPr>
+                </a:tc>
+                <a:tc>
+                  <a:txBody>
+                    <a:bodyPr/>
+                    <a:lstStyle/>
+                    <a:p>
+                      <a:pPr defTabSz="457200">
+                        <a:defRPr>
+                          <a:solidFill>
+                            <a:srgbClr val="000000"/>
+                          </a:solidFill>
+                        </a:defRPr>
+                      </a:pPr>
+                      <a:r>
+                        <a:rPr sz="3200">
+                          <a:solidFill>
+                            <a:srgbClr val="FFFFFF"/>
+                          </a:solidFill>
+                        </a:rPr>
+                        <a:t>Description</a:t>
+                      </a:r>
+                    </a:p>
+                  </a:txBody>
+                  <a:tcPr marL="50800" marR="50800" marT="50800" marB="50800" anchor="ctr" anchorCtr="0" horzOverflow="overflow">
+                    <a:blipFill rotWithShape="1">
+                      <a:blip r:embed="rId2"/>
+                      <a:srcRect l="0" t="0" r="0" b="0"/>
+                      <a:tile tx="0" ty="0" sx="100000" sy="100000" flip="none" algn="tl"/>
+                    </a:blipFill>
+                  </a:tcPr>
+                </a:tc>
+                <a:tc>
+                  <a:txBody>
+                    <a:bodyPr/>
+                    <a:lstStyle/>
+                    <a:p>
+                      <a:pPr defTabSz="457200">
+                        <a:defRPr>
+                          <a:solidFill>
+                            <a:srgbClr val="000000"/>
+                          </a:solidFill>
+                        </a:defRPr>
+                      </a:pPr>
+                      <a:r>
+                        <a:rPr sz="3200">
+                          <a:solidFill>
+                            <a:srgbClr val="FFFFFF"/>
+                          </a:solidFill>
+                        </a:rPr>
+                        <a:t>Example</a:t>
+                      </a:r>
+                    </a:p>
+                  </a:txBody>
+                  <a:tcPr marL="50800" marR="50800" marT="50800" marB="50800" anchor="ctr" anchorCtr="0" horzOverflow="overflow">
+                    <a:blipFill rotWithShape="1">
+                      <a:blip r:embed="rId2"/>
+                      <a:srcRect l="0" t="0" r="0" b="0"/>
+                      <a:tile tx="0" ty="0" sx="100000" sy="100000" flip="none" algn="tl"/>
+                    </a:blipFill>
+                  </a:tcPr>
+                </a:tc>
+              </a:tr>
+              <a:tr h="1524000">
+                <a:tc>
+                  <a:txBody>
+                    <a:bodyPr/>
+                    <a:lstStyle/>
+                    <a:p>
+                      <a:pPr defTabSz="457200">
+                        <a:defRPr>
+                          <a:solidFill>
+                            <a:srgbClr val="000000"/>
+                          </a:solidFill>
+                        </a:defRPr>
+                      </a:pPr>
+                      <a:r>
+                        <a:rPr sz="1900">
+                          <a:solidFill>
+                            <a:srgbClr val="5A5950"/>
+                          </a:solidFill>
+                        </a:rPr>
+                        <a:t>%</a:t>
+                      </a:r>
+                    </a:p>
+                  </a:txBody>
+                  <a:tcPr marL="50800" marR="50800" marT="50800" marB="50800" anchor="ctr" anchorCtr="0" horzOverflow="overflow"/>
+                </a:tc>
+                <a:tc>
+                  <a:txBody>
+                    <a:bodyPr/>
+                    <a:lstStyle/>
+                    <a:p>
+                      <a:pPr defTabSz="457200">
+                        <a:defRPr>
+                          <a:solidFill>
+                            <a:srgbClr val="000000"/>
+                          </a:solidFill>
+                        </a:defRPr>
+                      </a:pPr>
+                      <a:r>
+                        <a:rPr sz="1900">
+                          <a:solidFill>
+                            <a:srgbClr val="5A5950"/>
+                          </a:solidFill>
+                        </a:rPr>
+                        <a:t>Represents zero or more characters</a:t>
+                      </a:r>
+                    </a:p>
+                  </a:txBody>
+                  <a:tcPr marL="50800" marR="50800" marT="50800" marB="50800" anchor="ctr" anchorCtr="0" horzOverflow="overflow"/>
+                </a:tc>
+                <a:tc>
+                  <a:txBody>
+                    <a:bodyPr/>
+                    <a:lstStyle/>
+                    <a:p>
+                      <a:pPr defTabSz="457200">
+                        <a:defRPr>
+                          <a:solidFill>
+                            <a:srgbClr val="000000"/>
+                          </a:solidFill>
+                        </a:defRPr>
+                      </a:pPr>
+                      <a:r>
+                        <a:rPr sz="1900">
+                          <a:solidFill>
+                            <a:srgbClr val="5A5950"/>
+                          </a:solidFill>
+                        </a:rPr>
+                        <a:t>st% will find street, st. etc</a:t>
+                      </a:r>
+                    </a:p>
+                  </a:txBody>
+                  <a:tcPr marL="50800" marR="50800" marT="50800" marB="50800" anchor="ctr" anchorCtr="0" horzOverflow="overflow"/>
+                </a:tc>
+              </a:tr>
+              <a:tr h="814614">
+                <a:tc>
+                  <a:txBody>
+                    <a:bodyPr/>
+                    <a:lstStyle/>
+                    <a:p>
+                      <a:pPr defTabSz="457200">
+                        <a:defRPr>
+                          <a:solidFill>
+                            <a:srgbClr val="000000"/>
+                          </a:solidFill>
+                        </a:defRPr>
+                      </a:pPr>
+                      <a:r>
+                        <a:rPr sz="1900">
+                          <a:solidFill>
+                            <a:srgbClr val="5A5950"/>
+                          </a:solidFill>
+                        </a:rPr>
+                        <a:t>-</a:t>
+                      </a:r>
+                    </a:p>
+                  </a:txBody>
+                  <a:tcPr marL="50800" marR="50800" marT="50800" marB="50800" anchor="ctr" anchorCtr="0" horzOverflow="overflow"/>
+                </a:tc>
+                <a:tc>
+                  <a:txBody>
+                    <a:bodyPr/>
+                    <a:lstStyle/>
+                    <a:p>
+                      <a:pPr defTabSz="457200">
+                        <a:defRPr>
+                          <a:solidFill>
+                            <a:srgbClr val="000000"/>
+                          </a:solidFill>
+                        </a:defRPr>
+                      </a:pPr>
+                      <a:r>
+                        <a:rPr sz="1900">
+                          <a:solidFill>
+                            <a:srgbClr val="5A5950"/>
+                          </a:solidFill>
+                        </a:rPr>
+                        <a:t>Represents a single character</a:t>
+                      </a:r>
+                    </a:p>
+                  </a:txBody>
+                  <a:tcPr marL="50800" marR="50800" marT="50800" marB="50800" anchor="ctr" anchorCtr="0" horzOverflow="overflow"/>
+                </a:tc>
+                <a:tc>
+                  <a:txBody>
+                    <a:bodyPr/>
+                    <a:lstStyle/>
+                    <a:p>
+                      <a:pPr defTabSz="457200">
+                        <a:defRPr>
+                          <a:solidFill>
+                            <a:srgbClr val="000000"/>
+                          </a:solidFill>
+                        </a:defRPr>
+                      </a:pPr>
+                      <a:r>
+                        <a:rPr sz="1900">
+                          <a:solidFill>
+                            <a:srgbClr val="5A5950"/>
+                          </a:solidFill>
+                        </a:rPr>
+                        <a:t>b_t will find bat, bit etc.</a:t>
+                      </a:r>
+                    </a:p>
+                  </a:txBody>
+                  <a:tcPr marL="50800" marR="50800" marT="50800" marB="50800" anchor="ctr" anchorCtr="0" horzOverflow="overflow"/>
+                </a:tc>
+              </a:tr>
+              <a:tr h="814614">
+                <a:tc>
+                  <a:txBody>
+                    <a:bodyPr/>
+                    <a:lstStyle/>
+                    <a:p>
+                      <a:pPr defTabSz="457200">
+                        <a:defRPr>
+                          <a:solidFill>
+                            <a:srgbClr val="000000"/>
+                          </a:solidFill>
+                        </a:defRPr>
+                      </a:pPr>
+                      <a:r>
+                        <a:rPr sz="1900">
+                          <a:solidFill>
+                            <a:srgbClr val="5A5950"/>
+                          </a:solidFill>
+                        </a:rPr>
+                        <a:t>[]</a:t>
+                      </a:r>
+                    </a:p>
+                  </a:txBody>
+                  <a:tcPr marL="50800" marR="50800" marT="50800" marB="50800" anchor="ctr" anchorCtr="0" horzOverflow="overflow"/>
+                </a:tc>
+                <a:tc>
+                  <a:txBody>
+                    <a:bodyPr/>
+                    <a:lstStyle/>
+                    <a:p>
+                      <a:pPr defTabSz="457200">
+                        <a:defRPr>
+                          <a:solidFill>
+                            <a:srgbClr val="000000"/>
+                          </a:solidFill>
+                        </a:defRPr>
+                      </a:pPr>
+                      <a:r>
+                        <a:rPr sz="1900">
+                          <a:solidFill>
+                            <a:srgbClr val="5A5950"/>
+                          </a:solidFill>
+                        </a:rPr>
+                        <a:t>Represents any single character within the brackets</a:t>
+                      </a:r>
+                    </a:p>
+                  </a:txBody>
+                  <a:tcPr marL="50800" marR="50800" marT="50800" marB="50800" anchor="ctr" anchorCtr="0" horzOverflow="overflow"/>
+                </a:tc>
+                <a:tc>
+                  <a:txBody>
+                    <a:bodyPr/>
+                    <a:lstStyle/>
+                    <a:p>
+                      <a:pPr defTabSz="457200">
+                        <a:defRPr>
+                          <a:solidFill>
+                            <a:srgbClr val="000000"/>
+                          </a:solidFill>
+                        </a:defRPr>
+                      </a:pPr>
+                      <a:r>
+                        <a:rPr sz="1900">
+                          <a:solidFill>
+                            <a:srgbClr val="5A5950"/>
+                          </a:solidFill>
+                        </a:rPr>
+                        <a:t>b[oa]t will find bot, bat but not bit</a:t>
+                      </a:r>
+                    </a:p>
+                  </a:txBody>
+                  <a:tcPr marL="50800" marR="50800" marT="50800" marB="50800" anchor="ctr" anchorCtr="0" horzOverflow="overflow"/>
+                </a:tc>
+              </a:tr>
+              <a:tr h="814614">
+                <a:tc>
+                  <a:txBody>
+                    <a:bodyPr/>
+                    <a:lstStyle/>
+                    <a:p>
+                      <a:pPr defTabSz="457200">
+                        <a:defRPr>
+                          <a:solidFill>
+                            <a:srgbClr val="000000"/>
+                          </a:solidFill>
+                        </a:defRPr>
+                      </a:pPr>
+                      <a:r>
+                        <a:rPr sz="1900">
+                          <a:solidFill>
+                            <a:srgbClr val="5A5950"/>
+                          </a:solidFill>
+                        </a:rPr>
+                        <a:t>^</a:t>
+                      </a:r>
+                    </a:p>
+                  </a:txBody>
+                  <a:tcPr marL="50800" marR="50800" marT="50800" marB="50800" anchor="ctr" anchorCtr="0" horzOverflow="overflow"/>
+                </a:tc>
+                <a:tc>
+                  <a:txBody>
+                    <a:bodyPr/>
+                    <a:lstStyle/>
+                    <a:p>
+                      <a:pPr defTabSz="457200">
+                        <a:defRPr>
+                          <a:solidFill>
+                            <a:srgbClr val="000000"/>
+                          </a:solidFill>
+                        </a:defRPr>
+                      </a:pPr>
+                      <a:r>
+                        <a:rPr sz="1900">
+                          <a:solidFill>
+                            <a:srgbClr val="5A5950"/>
+                          </a:solidFill>
+                        </a:rPr>
+                        <a:t>Represents any character not in the brackets</a:t>
+                      </a:r>
+                    </a:p>
+                  </a:txBody>
+                  <a:tcPr marL="50800" marR="50800" marT="50800" marB="50800" anchor="ctr" anchorCtr="0" horzOverflow="overflow"/>
+                </a:tc>
+                <a:tc>
+                  <a:txBody>
+                    <a:bodyPr/>
+                    <a:lstStyle/>
+                    <a:p>
+                      <a:pPr defTabSz="457200">
+                        <a:defRPr>
+                          <a:solidFill>
+                            <a:srgbClr val="000000"/>
+                          </a:solidFill>
+                        </a:defRPr>
+                      </a:pPr>
+                      <a:r>
+                        <a:rPr sz="1900">
+                          <a:solidFill>
+                            <a:srgbClr val="5A5950"/>
+                          </a:solidFill>
+                        </a:rPr>
+                        <a:t>b[^a-b]t will find bot, but, bit. It will not find bat</a:t>
+                      </a:r>
+                    </a:p>
+                  </a:txBody>
+                  <a:tcPr marL="50800" marR="50800" marT="50800" marB="50800" anchor="ctr" anchorCtr="0" horzOverflow="overflow"/>
+                </a:tc>
+              </a:tr>
+              <a:tr h="814614">
+                <a:tc>
+                  <a:txBody>
+                    <a:bodyPr/>
+                    <a:lstStyle/>
+                    <a:p>
+                      <a:pPr defTabSz="457200">
+                        <a:defRPr>
+                          <a:solidFill>
+                            <a:srgbClr val="000000"/>
+                          </a:solidFill>
+                        </a:defRPr>
+                      </a:pPr>
+                      <a:r>
+                        <a:rPr sz="1900">
+                          <a:solidFill>
+                            <a:srgbClr val="5A5950"/>
+                          </a:solidFill>
+                        </a:rPr>
+                        <a:t>-</a:t>
+                      </a:r>
+                    </a:p>
+                  </a:txBody>
+                  <a:tcPr marL="50800" marR="50800" marT="50800" marB="50800" anchor="ctr" anchorCtr="0" horzOverflow="overflow"/>
+                </a:tc>
+                <a:tc>
+                  <a:txBody>
+                    <a:bodyPr/>
+                    <a:lstStyle/>
+                    <a:p>
+                      <a:pPr defTabSz="457200">
+                        <a:defRPr>
+                          <a:solidFill>
+                            <a:srgbClr val="000000"/>
+                          </a:solidFill>
+                        </a:defRPr>
+                      </a:pPr>
+                      <a:r>
+                        <a:rPr sz="1900">
+                          <a:solidFill>
+                            <a:srgbClr val="5A5950"/>
+                          </a:solidFill>
+                        </a:rPr>
+                        <a:t>Represents a range of characters</a:t>
+                      </a:r>
+                    </a:p>
+                  </a:txBody>
+                  <a:tcPr marL="50800" marR="50800" marT="50800" marB="50800" anchor="ctr" anchorCtr="0" horzOverflow="overflow"/>
+                </a:tc>
+                <a:tc>
+                  <a:txBody>
+                    <a:bodyPr/>
+                    <a:lstStyle/>
+                    <a:p>
+                      <a:pPr defTabSz="457200">
+                        <a:defRPr>
+                          <a:solidFill>
+                            <a:srgbClr val="000000"/>
+                          </a:solidFill>
+                        </a:defRPr>
+                      </a:pPr>
+                      <a:r>
+                        <a:rPr sz="1900">
+                          <a:solidFill>
+                            <a:srgbClr val="5A5950"/>
+                          </a:solidFill>
+                        </a:rPr>
+                        <a:t>b[a-b]t will find bat only</a:t>
+                      </a:r>
+                    </a:p>
+                  </a:txBody>
+                  <a:tcPr marL="50800" marR="50800" marT="50800" marB="50800" anchor="ctr" anchorCtr="0" horzOverflow="overflow"/>
+                </a:tc>
+              </a:tr>
+            </a:tbl>
+          </a:graphicData>
+        </a:graphic>
+      </p:graphicFrame>
     </p:spTree>
   </p:cSld>
   <p:clrMapOvr>
@@ -11353,13 +12403,13 @@
         <a:srgbClr val="6C6963"/>
       </a:dk1>
       <a:lt1>
-        <a:srgbClr val="092C6C"/>
+        <a:srgbClr val="092A6C"/>
       </a:lt1>
       <a:dk2>
-        <a:srgbClr val="4D5459"/>
+        <a:srgbClr val="A7A7A7"/>
       </a:dk2>
       <a:lt2>
-        <a:srgbClr val="D8DBDF"/>
+        <a:srgbClr val="535353"/>
       </a:lt2>
       <a:accent1>
         <a:srgbClr val="5B7376"/>
@@ -11388,14 +12438,14 @@
     </a:clrScheme>
     <a:fontScheme name="LeatherBook">
       <a:majorFont>
-        <a:latin typeface="Baskerville"/>
-        <a:ea typeface="Baskerville"/>
-        <a:cs typeface="Baskerville"/>
+        <a:latin typeface="Helvetica"/>
+        <a:ea typeface="Helvetica"/>
+        <a:cs typeface="Helvetica"/>
       </a:majorFont>
       <a:minorFont>
-        <a:latin typeface="Baskerville"/>
-        <a:ea typeface="Baskerville"/>
-        <a:cs typeface="Baskerville"/>
+        <a:latin typeface="Helvetica Neue"/>
+        <a:ea typeface="Helvetica Neue"/>
+        <a:cs typeface="Helvetica Neue"/>
       </a:minorFont>
     </a:fontScheme>
     <a:fmtScheme name="LeatherBook">
@@ -11553,14 +12603,15 @@
   <a:objectDefaults>
     <a:spDef>
       <a:spPr>
-        <a:blipFill rotWithShape="1">
-          <a:blip r:embed="rId1"/>
-          <a:srcRect l="0" t="0" r="0" b="0"/>
-          <a:tile tx="0" ty="0" sx="100000" sy="100000" flip="none" algn="tl"/>
-        </a:blipFill>
-        <a:ln w="12700" cap="flat">
-          <a:noFill/>
-          <a:miter lim="400000"/>
+        <a:solidFill>
+          <a:srgbClr val="092C6C"/>
+        </a:solidFill>
+        <a:ln w="25400" cap="flat">
+          <a:solidFill>
+            <a:schemeClr val="accent1"/>
+          </a:solidFill>
+          <a:prstDash val="solid"/>
+          <a:round/>
         </a:ln>
         <a:effectLst>
           <a:outerShdw sx="100000" sy="100000" kx="0" ky="0" algn="b" rotWithShape="0" blurRad="50800" dist="12700" dir="0">
@@ -11590,18 +12641,18 @@
           <a:buFontTx/>
           <a:buNone/>
           <a:tabLst/>
-          <a:defRPr b="0" baseline="0" cap="none" i="0" spc="0" strike="noStrike" sz="3200" u="none" kumimoji="0" normalizeH="0">
+          <a:defRPr b="0" baseline="0" cap="none" i="0" spc="0" strike="noStrike" sz="3800" u="none" kumimoji="0" normalizeH="0">
             <a:ln>
               <a:noFill/>
             </a:ln>
             <a:solidFill>
-              <a:srgbClr val="F2EBDB"/>
+              <a:srgbClr val="6C6963"/>
             </a:solidFill>
             <a:effectLst/>
             <a:uFillTx/>
-            <a:latin typeface="+mn-lt"/>
-            <a:ea typeface="+mn-ea"/>
-            <a:cs typeface="+mn-cs"/>
+            <a:latin typeface="Baskerville"/>
+            <a:ea typeface="Baskerville"/>
+            <a:cs typeface="Baskerville"/>
             <a:sym typeface="Baskerville"/>
           </a:defRPr>
         </a:defPPr>
@@ -11850,14 +12901,20 @@
     <a:lnDef>
       <a:spPr>
         <a:noFill/>
-        <a:ln w="12700" cap="flat">
+        <a:ln w="25400" cap="flat">
           <a:solidFill>
-            <a:srgbClr val="A49E92"/>
+            <a:schemeClr val="accent1"/>
           </a:solidFill>
           <a:prstDash val="solid"/>
-          <a:miter lim="400000"/>
+          <a:round/>
         </a:ln>
-        <a:effectLst/>
+        <a:effectLst>
+          <a:outerShdw sx="100000" sy="100000" kx="0" ky="0" algn="b" rotWithShape="0" blurRad="50800" dist="12700" dir="0">
+            <a:srgbClr val="000000">
+              <a:alpha val="60000"/>
+            </a:srgbClr>
+          </a:outerShdw>
+        </a:effectLst>
         <a:sp3d/>
       </a:spPr>
       <a:bodyPr rot="0" spcFirstLastPara="1" vertOverflow="overflow" horzOverflow="overflow" vert="horz" wrap="square" lIns="91439" tIns="45719" rIns="91439" bIns="45719" numCol="1" spcCol="38100" rtlCol="0" anchor="t" upright="0">
@@ -12170,9 +13227,9 @@
             </a:solidFill>
             <a:effectLst/>
             <a:uFillTx/>
-            <a:latin typeface="+mn-lt"/>
-            <a:ea typeface="+mn-ea"/>
-            <a:cs typeface="+mn-cs"/>
+            <a:latin typeface="Baskerville"/>
+            <a:ea typeface="Baskerville"/>
+            <a:cs typeface="Baskerville"/>
             <a:sym typeface="Baskerville"/>
           </a:defRPr>
         </a:defPPr>
@@ -12433,10 +13490,10 @@
         <a:srgbClr val="FFFFFF"/>
       </a:lt1>
       <a:dk2>
-        <a:srgbClr val="4D5459"/>
+        <a:srgbClr val="A7A7A7"/>
       </a:dk2>
       <a:lt2>
-        <a:srgbClr val="D8DBDF"/>
+        <a:srgbClr val="535353"/>
       </a:lt2>
       <a:accent1>
         <a:srgbClr val="5B7376"/>
@@ -12465,14 +13522,14 @@
     </a:clrScheme>
     <a:fontScheme name="LeatherBook">
       <a:majorFont>
-        <a:latin typeface="Baskerville"/>
-        <a:ea typeface="Baskerville"/>
-        <a:cs typeface="Baskerville"/>
+        <a:latin typeface="Helvetica"/>
+        <a:ea typeface="Helvetica"/>
+        <a:cs typeface="Helvetica"/>
       </a:majorFont>
       <a:minorFont>
-        <a:latin typeface="Baskerville"/>
-        <a:ea typeface="Baskerville"/>
-        <a:cs typeface="Baskerville"/>
+        <a:latin typeface="Helvetica Neue"/>
+        <a:ea typeface="Helvetica Neue"/>
+        <a:cs typeface="Helvetica Neue"/>
       </a:minorFont>
     </a:fontScheme>
     <a:fmtScheme name="LeatherBook">
@@ -12630,14 +13687,15 @@
   <a:objectDefaults>
     <a:spDef>
       <a:spPr>
-        <a:blipFill rotWithShape="1">
-          <a:blip r:embed="rId1"/>
-          <a:srcRect l="0" t="0" r="0" b="0"/>
-          <a:tile tx="0" ty="0" sx="100000" sy="100000" flip="none" algn="tl"/>
-        </a:blipFill>
-        <a:ln w="12700" cap="flat">
-          <a:noFill/>
-          <a:miter lim="400000"/>
+        <a:solidFill>
+          <a:srgbClr val="092C6C"/>
+        </a:solidFill>
+        <a:ln w="25400" cap="flat">
+          <a:solidFill>
+            <a:schemeClr val="accent1"/>
+          </a:solidFill>
+          <a:prstDash val="solid"/>
+          <a:round/>
         </a:ln>
         <a:effectLst>
           <a:outerShdw sx="100000" sy="100000" kx="0" ky="0" algn="b" rotWithShape="0" blurRad="50800" dist="12700" dir="0">
@@ -12667,18 +13725,18 @@
           <a:buFontTx/>
           <a:buNone/>
           <a:tabLst/>
-          <a:defRPr b="0" baseline="0" cap="none" i="0" spc="0" strike="noStrike" sz="3200" u="none" kumimoji="0" normalizeH="0">
+          <a:defRPr b="0" baseline="0" cap="none" i="0" spc="0" strike="noStrike" sz="3800" u="none" kumimoji="0" normalizeH="0">
             <a:ln>
               <a:noFill/>
             </a:ln>
             <a:solidFill>
-              <a:srgbClr val="F2EBDB"/>
+              <a:srgbClr val="6C6963"/>
             </a:solidFill>
             <a:effectLst/>
             <a:uFillTx/>
-            <a:latin typeface="+mn-lt"/>
-            <a:ea typeface="+mn-ea"/>
-            <a:cs typeface="+mn-cs"/>
+            <a:latin typeface="Baskerville"/>
+            <a:ea typeface="Baskerville"/>
+            <a:cs typeface="Baskerville"/>
             <a:sym typeface="Baskerville"/>
           </a:defRPr>
         </a:defPPr>
@@ -12927,14 +13985,20 @@
     <a:lnDef>
       <a:spPr>
         <a:noFill/>
-        <a:ln w="12700" cap="flat">
+        <a:ln w="25400" cap="flat">
           <a:solidFill>
-            <a:srgbClr val="A49E92"/>
+            <a:schemeClr val="accent1"/>
           </a:solidFill>
           <a:prstDash val="solid"/>
-          <a:miter lim="400000"/>
+          <a:round/>
         </a:ln>
-        <a:effectLst/>
+        <a:effectLst>
+          <a:outerShdw sx="100000" sy="100000" kx="0" ky="0" algn="b" rotWithShape="0" blurRad="50800" dist="12700" dir="0">
+            <a:srgbClr val="000000">
+              <a:alpha val="60000"/>
+            </a:srgbClr>
+          </a:outerShdw>
+        </a:effectLst>
         <a:sp3d/>
       </a:spPr>
       <a:bodyPr rot="0" spcFirstLastPara="1" vertOverflow="overflow" horzOverflow="overflow" vert="horz" wrap="square" lIns="91439" tIns="45719" rIns="91439" bIns="45719" numCol="1" spcCol="38100" rtlCol="0" anchor="t" upright="0">
@@ -13247,9 +14311,9 @@
             </a:solidFill>
             <a:effectLst/>
             <a:uFillTx/>
-            <a:latin typeface="+mn-lt"/>
-            <a:ea typeface="+mn-ea"/>
-            <a:cs typeface="+mn-cs"/>
+            <a:latin typeface="Baskerville"/>
+            <a:ea typeface="Baskerville"/>
+            <a:cs typeface="Baskerville"/>
             <a:sym typeface="Baskerville"/>
           </a:defRPr>
         </a:defPPr>
